--- a/documents/Course 1-2.pptx
+++ b/documents/Course 1-2.pptx
@@ -10,37 +10,41 @@
     <p:sldId id="258" r:id="rId4"/>
     <p:sldId id="260" r:id="rId5"/>
     <p:sldId id="259" r:id="rId6"/>
-    <p:sldId id="261" r:id="rId7"/>
-    <p:sldId id="262" r:id="rId8"/>
-    <p:sldId id="263" r:id="rId9"/>
-    <p:sldId id="264" r:id="rId10"/>
-    <p:sldId id="267" r:id="rId11"/>
-    <p:sldId id="268" r:id="rId12"/>
-    <p:sldId id="269" r:id="rId13"/>
-    <p:sldId id="270" r:id="rId14"/>
-    <p:sldId id="265" r:id="rId15"/>
-    <p:sldId id="266" r:id="rId16"/>
-    <p:sldId id="271" r:id="rId17"/>
-    <p:sldId id="273" r:id="rId18"/>
-    <p:sldId id="274" r:id="rId19"/>
-    <p:sldId id="281" r:id="rId20"/>
-    <p:sldId id="283" r:id="rId21"/>
-    <p:sldId id="290" r:id="rId22"/>
-    <p:sldId id="291" r:id="rId23"/>
-    <p:sldId id="285" r:id="rId24"/>
-    <p:sldId id="292" r:id="rId25"/>
-    <p:sldId id="293" r:id="rId26"/>
-    <p:sldId id="284" r:id="rId27"/>
-    <p:sldId id="280" r:id="rId28"/>
-    <p:sldId id="275" r:id="rId29"/>
-    <p:sldId id="276" r:id="rId30"/>
-    <p:sldId id="277" r:id="rId31"/>
-    <p:sldId id="278" r:id="rId32"/>
-    <p:sldId id="282" r:id="rId33"/>
-    <p:sldId id="286" r:id="rId34"/>
-    <p:sldId id="289" r:id="rId35"/>
-    <p:sldId id="287" r:id="rId36"/>
-    <p:sldId id="288" r:id="rId37"/>
+    <p:sldId id="294" r:id="rId7"/>
+    <p:sldId id="261" r:id="rId8"/>
+    <p:sldId id="262" r:id="rId9"/>
+    <p:sldId id="263" r:id="rId10"/>
+    <p:sldId id="264" r:id="rId11"/>
+    <p:sldId id="267" r:id="rId12"/>
+    <p:sldId id="268" r:id="rId13"/>
+    <p:sldId id="269" r:id="rId14"/>
+    <p:sldId id="270" r:id="rId15"/>
+    <p:sldId id="265" r:id="rId16"/>
+    <p:sldId id="266" r:id="rId17"/>
+    <p:sldId id="271" r:id="rId18"/>
+    <p:sldId id="273" r:id="rId19"/>
+    <p:sldId id="274" r:id="rId20"/>
+    <p:sldId id="281" r:id="rId21"/>
+    <p:sldId id="283" r:id="rId22"/>
+    <p:sldId id="290" r:id="rId23"/>
+    <p:sldId id="291" r:id="rId24"/>
+    <p:sldId id="285" r:id="rId25"/>
+    <p:sldId id="292" r:id="rId26"/>
+    <p:sldId id="293" r:id="rId27"/>
+    <p:sldId id="284" r:id="rId28"/>
+    <p:sldId id="280" r:id="rId29"/>
+    <p:sldId id="275" r:id="rId30"/>
+    <p:sldId id="276" r:id="rId31"/>
+    <p:sldId id="277" r:id="rId32"/>
+    <p:sldId id="278" r:id="rId33"/>
+    <p:sldId id="282" r:id="rId34"/>
+    <p:sldId id="295" r:id="rId35"/>
+    <p:sldId id="296" r:id="rId36"/>
+    <p:sldId id="297" r:id="rId37"/>
+    <p:sldId id="286" r:id="rId38"/>
+    <p:sldId id="289" r:id="rId39"/>
+    <p:sldId id="287" r:id="rId40"/>
+    <p:sldId id="288" r:id="rId41"/>
   </p:sldIdLst>
   <p:sldSz cx="9144000" cy="6858000" type="screen4x3"/>
   <p:notesSz cx="6858000" cy="9144000"/>
@@ -808,7 +812,7 @@
           </a:lstStyle>
           <a:p>
             <a:r>
-              <a:rPr lang="en-US" smtClean="0"/>
+              <a:rPr lang="en-US"/>
               <a:t>Click to edit Master title style</a:t>
             </a:r>
             <a:endParaRPr lang="en-US" dirty="0"/>
@@ -928,7 +932,7 @@
           </a:lstStyle>
           <a:p>
             <a:r>
-              <a:rPr lang="en-US" smtClean="0"/>
+              <a:rPr lang="en-US"/>
               <a:t>Click to edit Master subtitle style</a:t>
             </a:r>
             <a:endParaRPr lang="en-US" dirty="0"/>
@@ -952,7 +956,7 @@
           <a:p>
             <a:fld id="{225922D7-1ED3-904F-B321-F881A2B91019}" type="datetimeFigureOut">
               <a:rPr lang="en-US" smtClean="0"/>
-              <a:t>10/14/17</a:t>
+              <a:t>2/10/18</a:t>
             </a:fld>
             <a:endParaRPr lang="en-US"/>
           </a:p>
@@ -1052,7 +1056,7 @@
           </a:lstStyle>
           <a:p>
             <a:r>
-              <a:rPr lang="en-US" smtClean="0"/>
+              <a:rPr lang="en-US"/>
               <a:t>Click to edit Master title style</a:t>
             </a:r>
             <a:endParaRPr lang="en-US" dirty="0"/>
@@ -1175,7 +1179,7 @@
           <a:p>
             <a:pPr lvl="0"/>
             <a:r>
-              <a:rPr lang="en-US" smtClean="0"/>
+              <a:rPr lang="en-US"/>
               <a:t>Click to edit Master text styles</a:t>
             </a:r>
           </a:p>
@@ -1198,7 +1202,7 @@
           <a:p>
             <a:fld id="{225922D7-1ED3-904F-B321-F881A2B91019}" type="datetimeFigureOut">
               <a:rPr lang="en-US" smtClean="0"/>
-              <a:t>10/14/17</a:t>
+              <a:t>2/10/18</a:t>
             </a:fld>
             <a:endParaRPr lang="en-US"/>
           </a:p>
@@ -1298,7 +1302,7 @@
           </a:lstStyle>
           <a:p>
             <a:r>
-              <a:rPr lang="en-US" smtClean="0"/>
+              <a:rPr lang="en-US"/>
               <a:t>Click to edit Master title style</a:t>
             </a:r>
             <a:endParaRPr lang="en-US" dirty="0"/>
@@ -1362,7 +1366,7 @@
           <a:p>
             <a:pPr lvl="0"/>
             <a:r>
-              <a:rPr lang="en-US" smtClean="0"/>
+              <a:rPr lang="en-US"/>
               <a:t>Click to edit Master text styles</a:t>
             </a:r>
           </a:p>
@@ -1484,7 +1488,7 @@
           <a:p>
             <a:pPr lvl="0"/>
             <a:r>
-              <a:rPr lang="en-US" smtClean="0"/>
+              <a:rPr lang="en-US"/>
               <a:t>Click to edit Master text styles</a:t>
             </a:r>
           </a:p>
@@ -1507,7 +1511,7 @@
           <a:p>
             <a:fld id="{225922D7-1ED3-904F-B321-F881A2B91019}" type="datetimeFigureOut">
               <a:rPr lang="en-US" smtClean="0"/>
-              <a:t>10/14/17</a:t>
+              <a:t>2/10/18</a:t>
             </a:fld>
             <a:endParaRPr lang="en-US"/>
           </a:p>
@@ -1689,7 +1693,7 @@
           </a:lstStyle>
           <a:p>
             <a:r>
-              <a:rPr lang="en-US" smtClean="0"/>
+              <a:rPr lang="en-US"/>
               <a:t>Click to edit Master title style</a:t>
             </a:r>
             <a:endParaRPr lang="en-US" dirty="0"/>
@@ -1812,7 +1816,7 @@
           <a:p>
             <a:pPr lvl="0"/>
             <a:r>
-              <a:rPr lang="en-US" smtClean="0"/>
+              <a:rPr lang="en-US"/>
               <a:t>Click to edit Master text styles</a:t>
             </a:r>
           </a:p>
@@ -1835,7 +1839,7 @@
           <a:p>
             <a:fld id="{225922D7-1ED3-904F-B321-F881A2B91019}" type="datetimeFigureOut">
               <a:rPr lang="en-US" smtClean="0"/>
-              <a:t>10/14/17</a:t>
+              <a:t>2/10/18</a:t>
             </a:fld>
             <a:endParaRPr lang="en-US"/>
           </a:p>
@@ -1935,7 +1939,7 @@
           </a:lstStyle>
           <a:p>
             <a:r>
-              <a:rPr lang="en-US" smtClean="0"/>
+              <a:rPr lang="en-US"/>
               <a:t>Click to edit Master title style</a:t>
             </a:r>
             <a:endParaRPr lang="en-US" dirty="0"/>
@@ -1999,7 +2003,7 @@
           <a:p>
             <a:pPr lvl="0"/>
             <a:r>
-              <a:rPr lang="en-US" smtClean="0"/>
+              <a:rPr lang="en-US"/>
               <a:t>Click to edit Master text styles</a:t>
             </a:r>
           </a:p>
@@ -2121,7 +2125,7 @@
           <a:p>
             <a:pPr lvl="0"/>
             <a:r>
-              <a:rPr lang="en-US" smtClean="0"/>
+              <a:rPr lang="en-US"/>
               <a:t>Click to edit Master text styles</a:t>
             </a:r>
           </a:p>
@@ -2144,7 +2148,7 @@
           <a:p>
             <a:fld id="{225922D7-1ED3-904F-B321-F881A2B91019}" type="datetimeFigureOut">
               <a:rPr lang="en-US" smtClean="0"/>
-              <a:t>10/14/17</a:t>
+              <a:t>2/10/18</a:t>
             </a:fld>
             <a:endParaRPr lang="en-US"/>
           </a:p>
@@ -2326,7 +2330,7 @@
           </a:lstStyle>
           <a:p>
             <a:r>
-              <a:rPr lang="en-US" smtClean="0"/>
+              <a:rPr lang="en-US"/>
               <a:t>Click to edit Master title style</a:t>
             </a:r>
             <a:endParaRPr lang="en-US" dirty="0"/>
@@ -2387,7 +2391,7 @@
           <a:p>
             <a:pPr lvl="0"/>
             <a:r>
-              <a:rPr lang="en-US" smtClean="0"/>
+              <a:rPr lang="en-US"/>
               <a:t>Click to edit Master text styles</a:t>
             </a:r>
           </a:p>
@@ -2509,7 +2513,7 @@
           <a:p>
             <a:pPr lvl="0"/>
             <a:r>
-              <a:rPr lang="en-US" smtClean="0"/>
+              <a:rPr lang="en-US"/>
               <a:t>Click to edit Master text styles</a:t>
             </a:r>
           </a:p>
@@ -2532,7 +2536,7 @@
           <a:p>
             <a:fld id="{225922D7-1ED3-904F-B321-F881A2B91019}" type="datetimeFigureOut">
               <a:rPr lang="en-US" smtClean="0"/>
-              <a:t>10/14/17</a:t>
+              <a:t>2/10/18</a:t>
             </a:fld>
             <a:endParaRPr lang="en-US"/>
           </a:p>
@@ -2621,7 +2625,7 @@
           <a:lstStyle/>
           <a:p>
             <a:r>
-              <a:rPr lang="en-US" smtClean="0"/>
+              <a:rPr lang="en-US"/>
               <a:t>Click to edit Master title style</a:t>
             </a:r>
             <a:endParaRPr lang="en-US" dirty="0"/>
@@ -2645,35 +2649,35 @@
           <a:p>
             <a:pPr lvl="0"/>
             <a:r>
-              <a:rPr lang="en-US" smtClean="0"/>
+              <a:rPr lang="en-US"/>
               <a:t>Click to edit Master text styles</a:t>
             </a:r>
           </a:p>
           <a:p>
             <a:pPr lvl="1"/>
             <a:r>
-              <a:rPr lang="en-US" smtClean="0"/>
+              <a:rPr lang="en-US"/>
               <a:t>Second level</a:t>
             </a:r>
           </a:p>
           <a:p>
             <a:pPr lvl="2"/>
             <a:r>
-              <a:rPr lang="en-US" smtClean="0"/>
+              <a:rPr lang="en-US"/>
               <a:t>Third level</a:t>
             </a:r>
           </a:p>
           <a:p>
             <a:pPr lvl="3"/>
             <a:r>
-              <a:rPr lang="en-US" smtClean="0"/>
+              <a:rPr lang="en-US"/>
               <a:t>Fourth level</a:t>
             </a:r>
           </a:p>
           <a:p>
             <a:pPr lvl="4"/>
             <a:r>
-              <a:rPr lang="en-US" smtClean="0"/>
+              <a:rPr lang="en-US"/>
               <a:t>Fifth level</a:t>
             </a:r>
             <a:endParaRPr lang="en-US" dirty="0"/>
@@ -2697,7 +2701,7 @@
           <a:p>
             <a:fld id="{225922D7-1ED3-904F-B321-F881A2B91019}" type="datetimeFigureOut">
               <a:rPr lang="en-US" smtClean="0"/>
-              <a:t>10/14/17</a:t>
+              <a:t>2/10/18</a:t>
             </a:fld>
             <a:endParaRPr lang="en-US"/>
           </a:p>
@@ -2791,7 +2795,7 @@
           <a:lstStyle/>
           <a:p>
             <a:r>
-              <a:rPr lang="en-US" smtClean="0"/>
+              <a:rPr lang="en-US"/>
               <a:t>Click to edit Master title style</a:t>
             </a:r>
             <a:endParaRPr lang="en-US" dirty="0"/>
@@ -2820,35 +2824,35 @@
           <a:p>
             <a:pPr lvl="0"/>
             <a:r>
-              <a:rPr lang="en-US" smtClean="0"/>
+              <a:rPr lang="en-US"/>
               <a:t>Click to edit Master text styles</a:t>
             </a:r>
           </a:p>
           <a:p>
             <a:pPr lvl="1"/>
             <a:r>
-              <a:rPr lang="en-US" smtClean="0"/>
+              <a:rPr lang="en-US"/>
               <a:t>Second level</a:t>
             </a:r>
           </a:p>
           <a:p>
             <a:pPr lvl="2"/>
             <a:r>
-              <a:rPr lang="en-US" smtClean="0"/>
+              <a:rPr lang="en-US"/>
               <a:t>Third level</a:t>
             </a:r>
           </a:p>
           <a:p>
             <a:pPr lvl="3"/>
             <a:r>
-              <a:rPr lang="en-US" smtClean="0"/>
+              <a:rPr lang="en-US"/>
               <a:t>Fourth level</a:t>
             </a:r>
           </a:p>
           <a:p>
             <a:pPr lvl="4"/>
             <a:r>
-              <a:rPr lang="en-US" smtClean="0"/>
+              <a:rPr lang="en-US"/>
               <a:t>Fifth level</a:t>
             </a:r>
             <a:endParaRPr lang="en-US" dirty="0"/>
@@ -2872,7 +2876,7 @@
           <a:p>
             <a:fld id="{225922D7-1ED3-904F-B321-F881A2B91019}" type="datetimeFigureOut">
               <a:rPr lang="en-US" smtClean="0"/>
-              <a:t>10/14/17</a:t>
+              <a:t>2/10/18</a:t>
             </a:fld>
             <a:endParaRPr lang="en-US"/>
           </a:p>
@@ -2961,7 +2965,7 @@
           <a:lstStyle/>
           <a:p>
             <a:r>
-              <a:rPr lang="en-US" smtClean="0"/>
+              <a:rPr lang="en-US"/>
               <a:t>Click to edit Master title style</a:t>
             </a:r>
             <a:endParaRPr lang="en-US" dirty="0"/>
@@ -2985,35 +2989,35 @@
           <a:p>
             <a:pPr lvl="0"/>
             <a:r>
-              <a:rPr lang="en-US" smtClean="0"/>
+              <a:rPr lang="en-US"/>
               <a:t>Click to edit Master text styles</a:t>
             </a:r>
           </a:p>
           <a:p>
             <a:pPr lvl="1"/>
             <a:r>
-              <a:rPr lang="en-US" smtClean="0"/>
+              <a:rPr lang="en-US"/>
               <a:t>Second level</a:t>
             </a:r>
           </a:p>
           <a:p>
             <a:pPr lvl="2"/>
             <a:r>
-              <a:rPr lang="en-US" smtClean="0"/>
+              <a:rPr lang="en-US"/>
               <a:t>Third level</a:t>
             </a:r>
           </a:p>
           <a:p>
             <a:pPr lvl="3"/>
             <a:r>
-              <a:rPr lang="en-US" smtClean="0"/>
+              <a:rPr lang="en-US"/>
               <a:t>Fourth level</a:t>
             </a:r>
           </a:p>
           <a:p>
             <a:pPr lvl="4"/>
             <a:r>
-              <a:rPr lang="en-US" smtClean="0"/>
+              <a:rPr lang="en-US"/>
               <a:t>Fifth level</a:t>
             </a:r>
             <a:endParaRPr lang="en-US" dirty="0"/>
@@ -3037,7 +3041,7 @@
           <a:p>
             <a:fld id="{225922D7-1ED3-904F-B321-F881A2B91019}" type="datetimeFigureOut">
               <a:rPr lang="en-US" smtClean="0"/>
-              <a:t>10/14/17</a:t>
+              <a:t>2/10/18</a:t>
             </a:fld>
             <a:endParaRPr lang="en-US"/>
           </a:p>
@@ -3135,7 +3139,7 @@
           </a:lstStyle>
           <a:p>
             <a:r>
-              <a:rPr lang="en-US" smtClean="0"/>
+              <a:rPr lang="en-US"/>
               <a:t>Click to edit Master title style</a:t>
             </a:r>
             <a:endParaRPr lang="en-US" dirty="0"/>
@@ -3256,7 +3260,7 @@
           <a:p>
             <a:pPr lvl="0"/>
             <a:r>
-              <a:rPr lang="en-US" smtClean="0"/>
+              <a:rPr lang="en-US"/>
               <a:t>Click to edit Master text styles</a:t>
             </a:r>
           </a:p>
@@ -3279,7 +3283,7 @@
           <a:p>
             <a:fld id="{225922D7-1ED3-904F-B321-F881A2B91019}" type="datetimeFigureOut">
               <a:rPr lang="en-US" smtClean="0"/>
-              <a:t>10/14/17</a:t>
+              <a:t>2/10/18</a:t>
             </a:fld>
             <a:endParaRPr lang="en-US"/>
           </a:p>
@@ -3373,7 +3377,7 @@
           <a:lstStyle/>
           <a:p>
             <a:r>
-              <a:rPr lang="en-US" smtClean="0"/>
+              <a:rPr lang="en-US"/>
               <a:t>Click to edit Master title style</a:t>
             </a:r>
             <a:endParaRPr lang="en-US" dirty="0"/>
@@ -3432,35 +3436,35 @@
           <a:p>
             <a:pPr lvl="0"/>
             <a:r>
-              <a:rPr lang="en-US" smtClean="0"/>
+              <a:rPr lang="en-US"/>
               <a:t>Click to edit Master text styles</a:t>
             </a:r>
           </a:p>
           <a:p>
             <a:pPr lvl="1"/>
             <a:r>
-              <a:rPr lang="en-US" smtClean="0"/>
+              <a:rPr lang="en-US"/>
               <a:t>Second level</a:t>
             </a:r>
           </a:p>
           <a:p>
             <a:pPr lvl="2"/>
             <a:r>
-              <a:rPr lang="en-US" smtClean="0"/>
+              <a:rPr lang="en-US"/>
               <a:t>Third level</a:t>
             </a:r>
           </a:p>
           <a:p>
             <a:pPr lvl="3"/>
             <a:r>
-              <a:rPr lang="en-US" smtClean="0"/>
+              <a:rPr lang="en-US"/>
               <a:t>Fourth level</a:t>
             </a:r>
           </a:p>
           <a:p>
             <a:pPr lvl="4"/>
             <a:r>
-              <a:rPr lang="en-US" smtClean="0"/>
+              <a:rPr lang="en-US"/>
               <a:t>Fifth level</a:t>
             </a:r>
             <a:endParaRPr lang="en-US" dirty="0"/>
@@ -3519,35 +3523,35 @@
           <a:p>
             <a:pPr lvl="0"/>
             <a:r>
-              <a:rPr lang="en-US" smtClean="0"/>
+              <a:rPr lang="en-US"/>
               <a:t>Click to edit Master text styles</a:t>
             </a:r>
           </a:p>
           <a:p>
             <a:pPr lvl="1"/>
             <a:r>
-              <a:rPr lang="en-US" smtClean="0"/>
+              <a:rPr lang="en-US"/>
               <a:t>Second level</a:t>
             </a:r>
           </a:p>
           <a:p>
             <a:pPr lvl="2"/>
             <a:r>
-              <a:rPr lang="en-US" smtClean="0"/>
+              <a:rPr lang="en-US"/>
               <a:t>Third level</a:t>
             </a:r>
           </a:p>
           <a:p>
             <a:pPr lvl="3"/>
             <a:r>
-              <a:rPr lang="en-US" smtClean="0"/>
+              <a:rPr lang="en-US"/>
               <a:t>Fourth level</a:t>
             </a:r>
           </a:p>
           <a:p>
             <a:pPr lvl="4"/>
             <a:r>
-              <a:rPr lang="en-US" smtClean="0"/>
+              <a:rPr lang="en-US"/>
               <a:t>Fifth level</a:t>
             </a:r>
             <a:endParaRPr lang="en-US" dirty="0"/>
@@ -3571,7 +3575,7 @@
           <a:p>
             <a:fld id="{225922D7-1ED3-904F-B321-F881A2B91019}" type="datetimeFigureOut">
               <a:rPr lang="en-US" smtClean="0"/>
-              <a:t>10/14/17</a:t>
+              <a:t>2/10/18</a:t>
             </a:fld>
             <a:endParaRPr lang="en-US"/>
           </a:p>
@@ -3669,7 +3673,7 @@
           </a:lstStyle>
           <a:p>
             <a:r>
-              <a:rPr lang="en-US" smtClean="0"/>
+              <a:rPr lang="en-US"/>
               <a:t>Click to edit Master title style</a:t>
             </a:r>
             <a:endParaRPr lang="en-US" dirty="0"/>
@@ -3737,7 +3741,7 @@
           <a:p>
             <a:pPr lvl="0"/>
             <a:r>
-              <a:rPr lang="en-US" smtClean="0"/>
+              <a:rPr lang="en-US"/>
               <a:t>Click to edit Master text styles</a:t>
             </a:r>
           </a:p>
@@ -3767,35 +3771,35 @@
           <a:p>
             <a:pPr lvl="0"/>
             <a:r>
-              <a:rPr lang="en-US" smtClean="0"/>
+              <a:rPr lang="en-US"/>
               <a:t>Click to edit Master text styles</a:t>
             </a:r>
           </a:p>
           <a:p>
             <a:pPr lvl="1"/>
             <a:r>
-              <a:rPr lang="en-US" smtClean="0"/>
+              <a:rPr lang="en-US"/>
               <a:t>Second level</a:t>
             </a:r>
           </a:p>
           <a:p>
             <a:pPr lvl="2"/>
             <a:r>
-              <a:rPr lang="en-US" smtClean="0"/>
+              <a:rPr lang="en-US"/>
               <a:t>Third level</a:t>
             </a:r>
           </a:p>
           <a:p>
             <a:pPr lvl="3"/>
             <a:r>
-              <a:rPr lang="en-US" smtClean="0"/>
+              <a:rPr lang="en-US"/>
               <a:t>Fourth level</a:t>
             </a:r>
           </a:p>
           <a:p>
             <a:pPr lvl="4"/>
             <a:r>
-              <a:rPr lang="en-US" smtClean="0"/>
+              <a:rPr lang="en-US"/>
               <a:t>Fifth level</a:t>
             </a:r>
             <a:endParaRPr lang="en-US" dirty="0"/>
@@ -3863,7 +3867,7 @@
           <a:p>
             <a:pPr lvl="0"/>
             <a:r>
-              <a:rPr lang="en-US" smtClean="0"/>
+              <a:rPr lang="en-US"/>
               <a:t>Click to edit Master text styles</a:t>
             </a:r>
           </a:p>
@@ -3893,35 +3897,35 @@
           <a:p>
             <a:pPr lvl="0"/>
             <a:r>
-              <a:rPr lang="en-US" smtClean="0"/>
+              <a:rPr lang="en-US"/>
               <a:t>Click to edit Master text styles</a:t>
             </a:r>
           </a:p>
           <a:p>
             <a:pPr lvl="1"/>
             <a:r>
-              <a:rPr lang="en-US" smtClean="0"/>
+              <a:rPr lang="en-US"/>
               <a:t>Second level</a:t>
             </a:r>
           </a:p>
           <a:p>
             <a:pPr lvl="2"/>
             <a:r>
-              <a:rPr lang="en-US" smtClean="0"/>
+              <a:rPr lang="en-US"/>
               <a:t>Third level</a:t>
             </a:r>
           </a:p>
           <a:p>
             <a:pPr lvl="3"/>
             <a:r>
-              <a:rPr lang="en-US" smtClean="0"/>
+              <a:rPr lang="en-US"/>
               <a:t>Fourth level</a:t>
             </a:r>
           </a:p>
           <a:p>
             <a:pPr lvl="4"/>
             <a:r>
-              <a:rPr lang="en-US" smtClean="0"/>
+              <a:rPr lang="en-US"/>
               <a:t>Fifth level</a:t>
             </a:r>
             <a:endParaRPr lang="en-US" dirty="0"/>
@@ -3945,7 +3949,7 @@
           <a:p>
             <a:fld id="{225922D7-1ED3-904F-B321-F881A2B91019}" type="datetimeFigureOut">
               <a:rPr lang="en-US" smtClean="0"/>
-              <a:t>10/14/17</a:t>
+              <a:t>2/10/18</a:t>
             </a:fld>
             <a:endParaRPr lang="en-US"/>
           </a:p>
@@ -4039,7 +4043,7 @@
           <a:lstStyle/>
           <a:p>
             <a:r>
-              <a:rPr lang="en-US" smtClean="0"/>
+              <a:rPr lang="en-US"/>
               <a:t>Click to edit Master title style</a:t>
             </a:r>
             <a:endParaRPr lang="en-US" dirty="0"/>
@@ -4063,7 +4067,7 @@
           <a:p>
             <a:fld id="{225922D7-1ED3-904F-B321-F881A2B91019}" type="datetimeFigureOut">
               <a:rPr lang="en-US" smtClean="0"/>
-              <a:t>10/14/17</a:t>
+              <a:t>2/10/18</a:t>
             </a:fld>
             <a:endParaRPr lang="en-US"/>
           </a:p>
@@ -4153,7 +4157,7 @@
           <a:p>
             <a:fld id="{225922D7-1ED3-904F-B321-F881A2B91019}" type="datetimeFigureOut">
               <a:rPr lang="en-US" smtClean="0"/>
-              <a:t>10/14/17</a:t>
+              <a:t>2/10/18</a:t>
             </a:fld>
             <a:endParaRPr lang="en-US"/>
           </a:p>
@@ -4253,7 +4257,7 @@
           </a:lstStyle>
           <a:p>
             <a:r>
-              <a:rPr lang="en-US" smtClean="0"/>
+              <a:rPr lang="en-US"/>
               <a:t>Click to edit Master title style</a:t>
             </a:r>
             <a:endParaRPr lang="en-US" dirty="0"/>
@@ -4284,35 +4288,35 @@
           <a:p>
             <a:pPr lvl="0"/>
             <a:r>
-              <a:rPr lang="en-US" smtClean="0"/>
+              <a:rPr lang="en-US"/>
               <a:t>Click to edit Master text styles</a:t>
             </a:r>
           </a:p>
           <a:p>
             <a:pPr lvl="1"/>
             <a:r>
-              <a:rPr lang="en-US" smtClean="0"/>
+              <a:rPr lang="en-US"/>
               <a:t>Second level</a:t>
             </a:r>
           </a:p>
           <a:p>
             <a:pPr lvl="2"/>
             <a:r>
-              <a:rPr lang="en-US" smtClean="0"/>
+              <a:rPr lang="en-US"/>
               <a:t>Third level</a:t>
             </a:r>
           </a:p>
           <a:p>
             <a:pPr lvl="3"/>
             <a:r>
-              <a:rPr lang="en-US" smtClean="0"/>
+              <a:rPr lang="en-US"/>
               <a:t>Fourth level</a:t>
             </a:r>
           </a:p>
           <a:p>
             <a:pPr lvl="4"/>
             <a:r>
-              <a:rPr lang="en-US" smtClean="0"/>
+              <a:rPr lang="en-US"/>
               <a:t>Fifth level</a:t>
             </a:r>
             <a:endParaRPr lang="en-US" dirty="0"/>
@@ -4380,7 +4384,7 @@
           <a:p>
             <a:pPr lvl="0"/>
             <a:r>
-              <a:rPr lang="en-US" smtClean="0"/>
+              <a:rPr lang="en-US"/>
               <a:t>Click to edit Master text styles</a:t>
             </a:r>
           </a:p>
@@ -4403,7 +4407,7 @@
           <a:p>
             <a:fld id="{225922D7-1ED3-904F-B321-F881A2B91019}" type="datetimeFigureOut">
               <a:rPr lang="en-US" smtClean="0"/>
-              <a:t>10/14/17</a:t>
+              <a:t>2/10/18</a:t>
             </a:fld>
             <a:endParaRPr lang="en-US"/>
           </a:p>
@@ -4503,7 +4507,7 @@
           </a:lstStyle>
           <a:p>
             <a:r>
-              <a:rPr lang="en-US" smtClean="0"/>
+              <a:rPr lang="en-US"/>
               <a:t>Click to edit Master title style</a:t>
             </a:r>
             <a:endParaRPr lang="en-US" dirty="0"/>
@@ -4570,7 +4574,7 @@
           </a:lstStyle>
           <a:p>
             <a:r>
-              <a:rPr lang="en-US" smtClean="0"/>
+              <a:rPr lang="en-US"/>
               <a:t>Drag picture to placeholder or click icon to add</a:t>
             </a:r>
             <a:endParaRPr lang="en-US" dirty="0"/>
@@ -4638,7 +4642,7 @@
           <a:p>
             <a:pPr lvl="0"/>
             <a:r>
-              <a:rPr lang="en-US" smtClean="0"/>
+              <a:rPr lang="en-US"/>
               <a:t>Click to edit Master text styles</a:t>
             </a:r>
           </a:p>
@@ -4661,7 +4665,7 @@
           <a:p>
             <a:fld id="{225922D7-1ED3-904F-B321-F881A2B91019}" type="datetimeFigureOut">
               <a:rPr lang="en-US" smtClean="0"/>
-              <a:t>10/14/17</a:t>
+              <a:t>2/10/18</a:t>
             </a:fld>
             <a:endParaRPr lang="en-US"/>
           </a:p>
@@ -5366,7 +5370,7 @@
           <a:lstStyle/>
           <a:p>
             <a:r>
-              <a:rPr lang="en-US" smtClean="0"/>
+              <a:rPr lang="en-US"/>
               <a:t>Click to edit Master title style</a:t>
             </a:r>
             <a:endParaRPr lang="en-US" dirty="0"/>
@@ -5400,35 +5404,35 @@
           <a:p>
             <a:pPr lvl="0"/>
             <a:r>
-              <a:rPr lang="en-US" smtClean="0"/>
+              <a:rPr lang="en-US"/>
               <a:t>Click to edit Master text styles</a:t>
             </a:r>
           </a:p>
           <a:p>
             <a:pPr lvl="1"/>
             <a:r>
-              <a:rPr lang="en-US" smtClean="0"/>
+              <a:rPr lang="en-US"/>
               <a:t>Second level</a:t>
             </a:r>
           </a:p>
           <a:p>
             <a:pPr lvl="2"/>
             <a:r>
-              <a:rPr lang="en-US" smtClean="0"/>
+              <a:rPr lang="en-US"/>
               <a:t>Third level</a:t>
             </a:r>
           </a:p>
           <a:p>
             <a:pPr lvl="3"/>
             <a:r>
-              <a:rPr lang="en-US" smtClean="0"/>
+              <a:rPr lang="en-US"/>
               <a:t>Fourth level</a:t>
             </a:r>
           </a:p>
           <a:p>
             <a:pPr lvl="4"/>
             <a:r>
-              <a:rPr lang="en-US" smtClean="0"/>
+              <a:rPr lang="en-US"/>
               <a:t>Fifth level</a:t>
             </a:r>
             <a:endParaRPr lang="en-US" dirty="0"/>
@@ -5470,7 +5474,7 @@
           <a:p>
             <a:fld id="{225922D7-1ED3-904F-B321-F881A2B91019}" type="datetimeFigureOut">
               <a:rPr lang="en-US" smtClean="0"/>
-              <a:t>10/14/17</a:t>
+              <a:t>2/10/18</a:t>
             </a:fld>
             <a:endParaRPr lang="en-US"/>
           </a:p>
@@ -6011,13 +6015,8 @@
           <a:p>
             <a:r>
               <a:rPr lang="en-US" altLang="zh-CN" b="1" dirty="0"/>
-              <a:t>Testing From Beginner to </a:t>
-            </a:r>
-            <a:r>
-              <a:rPr lang="en-US" altLang="zh-CN" b="1" dirty="0" smtClean="0"/>
-              <a:t>Expert</a:t>
-            </a:r>
-            <a:endParaRPr lang="en-US" altLang="zh-CN" b="1" dirty="0"/>
+              <a:t>Testing From Beginner to Expert</a:t>
+            </a:r>
           </a:p>
         </p:txBody>
       </p:sp>
@@ -6039,30 +6038,29 @@
           <a:lstStyle/>
           <a:p>
             <a:r>
-              <a:rPr lang="en-US" altLang="zh-CN" dirty="0" smtClean="0">
+              <a:rPr lang="en-US" altLang="zh-CN" dirty="0">
                 <a:hlinkClick r:id="rId2"/>
               </a:rPr>
               <a:t>ccao@ecvictor.com</a:t>
             </a:r>
-            <a:endParaRPr lang="en-US" altLang="zh-CN" dirty="0" smtClean="0"/>
+            <a:endParaRPr lang="en-US" altLang="zh-CN" dirty="0"/>
           </a:p>
           <a:p>
             <a:endParaRPr lang="en-US" dirty="0"/>
           </a:p>
           <a:p>
             <a:r>
-              <a:rPr lang="en-US" altLang="zh-CN" dirty="0" smtClean="0"/>
+              <a:rPr lang="en-US" altLang="zh-CN" dirty="0"/>
               <a:t>ECV</a:t>
             </a:r>
             <a:r>
-              <a:rPr lang="zh-CN" altLang="en-US" dirty="0" smtClean="0"/>
+              <a:rPr lang="zh-CN" altLang="en-US" dirty="0"/>
               <a:t> </a:t>
             </a:r>
             <a:r>
-              <a:rPr lang="en-US" altLang="zh-CN" dirty="0" smtClean="0"/>
+              <a:rPr lang="en-US" altLang="zh-CN" dirty="0"/>
               <a:t>Learning</a:t>
             </a:r>
-            <a:endParaRPr lang="en-US" altLang="zh-CN" dirty="0"/>
           </a:p>
           <a:p>
             <a:endParaRPr lang="en-US" dirty="0"/>
@@ -6118,13 +6116,6 @@
   <p:clrMapOvr>
     <a:masterClrMapping/>
   </p:clrMapOvr>
-  <p:timing>
-    <p:tnLst>
-      <p:par>
-        <p:cTn id="1" dur="indefinite" restart="never" nodeType="tmRoot"/>
-      </p:par>
-    </p:tnLst>
-  </p:timing>
 </p:sld>
 </file>
 
@@ -6167,152 +6158,47 @@
                     <a:lumMod val="50000"/>
                   </a:schemeClr>
                 </a:solidFill>
-                <a:effectLst>
-                  <a:outerShdw blurRad="38100" dist="38100" dir="2700000" algn="tl">
-                    <a:srgbClr val="000000"/>
-                  </a:outerShdw>
-                </a:effectLst>
                 <a:latin typeface="Calibri" pitchFamily="34" charset="0"/>
               </a:rPr>
-              <a:t> Testing  Methodologies</a:t>
+              <a:t>Testing Life Cycle</a:t>
             </a:r>
             <a:endParaRPr kumimoji="1" lang="zh-CN" altLang="en-US" dirty="0"/>
           </a:p>
         </p:txBody>
       </p:sp>
-      <p:sp>
-        <p:nvSpPr>
-          <p:cNvPr id="3" name="内容占位符 2"/>
-          <p:cNvSpPr>
-            <a:spLocks noGrp="1"/>
-          </p:cNvSpPr>
+      <p:pic>
+        <p:nvPicPr>
+          <p:cNvPr id="28" name="内容占位符 27"/>
+          <p:cNvPicPr>
+            <a:picLocks noGrp="1" noChangeAspect="1"/>
+          </p:cNvPicPr>
           <p:nvPr>
             <p:ph idx="1"/>
           </p:nvPr>
-        </p:nvSpPr>
-        <p:spPr/>
-        <p:txBody>
-          <a:bodyPr>
-            <a:normAutofit fontScale="77500" lnSpcReduction="20000"/>
-          </a:bodyPr>
-          <a:lstStyle/>
-          <a:p>
-            <a:pPr marL="804863" indent="-454025">
-              <a:defRPr/>
-            </a:pPr>
-            <a:r>
-              <a:rPr lang="en-US" altLang="zh-CN" sz="4400" b="1" dirty="0">
-                <a:solidFill>
-                  <a:schemeClr val="accent5">
-                    <a:lumMod val="50000"/>
-                  </a:schemeClr>
-                </a:solidFill>
-                <a:latin typeface="Calibri" pitchFamily="34" charset="0"/>
-              </a:rPr>
-              <a:t>Black box testing</a:t>
-            </a:r>
-          </a:p>
-          <a:p>
-            <a:pPr marL="804863" indent="-454025">
-              <a:buFont typeface="Wingdings" pitchFamily="2" charset="2"/>
-              <a:buChar char="§"/>
-              <a:defRPr/>
-            </a:pPr>
-            <a:r>
-              <a:rPr lang="en-US" altLang="zh-CN" sz="2800" dirty="0">
-                <a:latin typeface="Times New Roman" pitchFamily="18" charset="0"/>
-              </a:rPr>
-              <a:t>No knowledge of internal program design or code required.</a:t>
-            </a:r>
-          </a:p>
-          <a:p>
-            <a:pPr marL="804863" indent="-454025">
-              <a:buFont typeface="Wingdings" pitchFamily="2" charset="2"/>
-              <a:buChar char="§"/>
-              <a:defRPr/>
-            </a:pPr>
-            <a:r>
-              <a:rPr lang="en-US" altLang="zh-CN" sz="2800" dirty="0">
-                <a:latin typeface="Times New Roman" pitchFamily="18" charset="0"/>
-              </a:rPr>
-              <a:t>Tests are based on requirements and functionality.</a:t>
-            </a:r>
-            <a:endParaRPr lang="en-US" altLang="zh-CN" sz="4400" b="1" dirty="0">
-              <a:solidFill>
-                <a:schemeClr val="accent5">
-                  <a:lumMod val="50000"/>
-                </a:schemeClr>
-              </a:solidFill>
-              <a:latin typeface="Calibri" pitchFamily="34" charset="0"/>
-            </a:endParaRPr>
-          </a:p>
-          <a:p>
-            <a:pPr marL="804863" indent="-454025">
-              <a:defRPr/>
-            </a:pPr>
-            <a:r>
-              <a:rPr lang="en-US" altLang="zh-CN" sz="4400" b="1" dirty="0">
-                <a:solidFill>
-                  <a:schemeClr val="accent5">
-                    <a:lumMod val="50000"/>
-                  </a:schemeClr>
-                </a:solidFill>
-                <a:latin typeface="Calibri" pitchFamily="34" charset="0"/>
-              </a:rPr>
-              <a:t>White box testing</a:t>
-            </a:r>
-          </a:p>
-          <a:p>
-            <a:pPr marL="804863" indent="-454025">
-              <a:buClr>
-                <a:schemeClr val="tx1"/>
-              </a:buClr>
-              <a:buFont typeface="Wingdings" pitchFamily="2" charset="2"/>
-              <a:buChar char="§"/>
-              <a:defRPr/>
-            </a:pPr>
-            <a:r>
-              <a:rPr lang="en-US" altLang="zh-CN" sz="2800" dirty="0">
-                <a:latin typeface="Times New Roman" pitchFamily="18" charset="0"/>
-              </a:rPr>
-              <a:t>Knowledge of the internal program design and code required.</a:t>
-            </a:r>
-          </a:p>
-          <a:p>
-            <a:pPr marL="804863" indent="-454025">
-              <a:buClr>
-                <a:schemeClr val="tx1"/>
-              </a:buClr>
-              <a:buFont typeface="Wingdings" pitchFamily="2" charset="2"/>
-              <a:buChar char="§"/>
-              <a:defRPr/>
-            </a:pPr>
-            <a:r>
-              <a:rPr lang="en-US" altLang="zh-CN" sz="2800" dirty="0">
-                <a:latin typeface="Times New Roman" pitchFamily="18" charset="0"/>
-              </a:rPr>
-              <a:t>Tests are based on coverage of code                     statements, branches, paths, conditions.</a:t>
-            </a:r>
-          </a:p>
-        </p:txBody>
-      </p:sp>
+        </p:nvPicPr>
+        <p:blipFill>
+          <a:blip r:embed="rId2"/>
+          <a:stretch>
+            <a:fillRect/>
+          </a:stretch>
+        </p:blipFill>
+        <p:spPr>
+          <a:xfrm>
+            <a:off x="609600" y="2167902"/>
+            <a:ext cx="6348413" cy="3866809"/>
+          </a:xfrm>
+        </p:spPr>
+      </p:pic>
     </p:spTree>
     <p:extLst>
       <p:ext uri="{BB962C8B-B14F-4D97-AF65-F5344CB8AC3E}">
-        <p14:creationId xmlns:p14="http://schemas.microsoft.com/office/powerpoint/2010/main" val="1342611283"/>
+        <p14:creationId xmlns:p14="http://schemas.microsoft.com/office/powerpoint/2010/main" val="497208184"/>
       </p:ext>
     </p:extLst>
   </p:cSld>
   <p:clrMapOvr>
     <a:masterClrMapping/>
   </p:clrMapOvr>
-  <p:timing>
-    <p:tnLst>
-      <p:par>
-        <p:cTn id="1" dur="indefinite" restart="never" nodeType="tmRoot"/>
-      </p:par>
-    </p:tnLst>
-  </p:timing>
 </p:sld>
 </file>
 
@@ -6349,8 +6235,20 @@
           <a:lstStyle/>
           <a:p>
             <a:r>
-              <a:rPr kumimoji="1" lang="en-US" altLang="zh-CN" dirty="0"/>
-              <a:t>Testing Type</a:t>
+              <a:rPr lang="en-US" altLang="zh-CN" b="1" dirty="0">
+                <a:solidFill>
+                  <a:schemeClr val="accent5">
+                    <a:lumMod val="50000"/>
+                  </a:schemeClr>
+                </a:solidFill>
+                <a:effectLst>
+                  <a:outerShdw blurRad="38100" dist="38100" dir="2700000" algn="tl">
+                    <a:srgbClr val="000000"/>
+                  </a:outerShdw>
+                </a:effectLst>
+                <a:latin typeface="Calibri" pitchFamily="34" charset="0"/>
+              </a:rPr>
+              <a:t> Testing  Methodologies</a:t>
             </a:r>
             <a:endParaRPr kumimoji="1" lang="zh-CN" altLang="en-US" dirty="0"/>
           </a:p>
@@ -6368,74 +6266,120 @@
         </p:nvSpPr>
         <p:spPr/>
         <p:txBody>
-          <a:bodyPr/>
-          <a:lstStyle/>
-          <a:p>
-            <a:r>
-              <a:rPr kumimoji="1" lang="en-US" altLang="zh-CN" dirty="0"/>
-              <a:t>Manual Testing</a:t>
-            </a:r>
-          </a:p>
-          <a:p>
-            <a:r>
-              <a:rPr kumimoji="1" lang="en-US" altLang="zh-CN" dirty="0"/>
-              <a:t>Automated </a:t>
-            </a:r>
-            <a:r>
-              <a:rPr kumimoji="1" lang="en-US" altLang="zh-CN" dirty="0" smtClean="0"/>
-              <a:t>Testing</a:t>
-            </a:r>
-          </a:p>
-          <a:p>
-            <a:r>
-              <a:rPr lang="en-US" b="1" dirty="0" smtClean="0"/>
-              <a:t>Types </a:t>
-            </a:r>
-            <a:r>
-              <a:rPr lang="en-US" b="1" dirty="0"/>
-              <a:t>of Software Testing – Complete </a:t>
-            </a:r>
-            <a:r>
-              <a:rPr lang="en-US" b="1" dirty="0" smtClean="0"/>
-              <a:t>List</a:t>
-            </a:r>
-            <a:endParaRPr kumimoji="1" lang="en-US" altLang="zh-CN" dirty="0"/>
-          </a:p>
-          <a:p>
-            <a:pPr lvl="1"/>
-            <a:r>
-              <a:rPr kumimoji="1" lang="en-US" altLang="zh-CN" dirty="0"/>
-              <a:t>http://</a:t>
-            </a:r>
-            <a:r>
-              <a:rPr kumimoji="1" lang="en-US" altLang="zh-CN" dirty="0" err="1"/>
-              <a:t>www.testingexcellence.com</a:t>
-            </a:r>
-            <a:r>
-              <a:rPr kumimoji="1" lang="en-US" altLang="zh-CN" dirty="0"/>
-              <a:t>/types-of-software-testing-complete-list/</a:t>
-            </a:r>
-            <a:endParaRPr kumimoji="1" lang="zh-CN" altLang="en-US" dirty="0"/>
+          <a:bodyPr>
+            <a:normAutofit fontScale="77500" lnSpcReduction="20000"/>
+          </a:bodyPr>
+          <a:lstStyle/>
+          <a:p>
+            <a:pPr marL="804863" indent="-454025">
+              <a:defRPr/>
+            </a:pPr>
+            <a:r>
+              <a:rPr lang="en-US" altLang="zh-CN" sz="4400" b="1" dirty="0">
+                <a:solidFill>
+                  <a:schemeClr val="accent5">
+                    <a:lumMod val="50000"/>
+                  </a:schemeClr>
+                </a:solidFill>
+                <a:latin typeface="Calibri" pitchFamily="34" charset="0"/>
+              </a:rPr>
+              <a:t>Black box testing</a:t>
+            </a:r>
+          </a:p>
+          <a:p>
+            <a:pPr marL="804863" indent="-454025">
+              <a:buFont typeface="Wingdings" pitchFamily="2" charset="2"/>
+              <a:buChar char="§"/>
+              <a:defRPr/>
+            </a:pPr>
+            <a:r>
+              <a:rPr lang="en-US" altLang="zh-CN" sz="2800" dirty="0">
+                <a:latin typeface="Times New Roman" pitchFamily="18" charset="0"/>
+              </a:rPr>
+              <a:t>No knowledge of internal program design or code required.</a:t>
+            </a:r>
+          </a:p>
+          <a:p>
+            <a:pPr marL="804863" indent="-454025">
+              <a:buFont typeface="Wingdings" pitchFamily="2" charset="2"/>
+              <a:buChar char="§"/>
+              <a:defRPr/>
+            </a:pPr>
+            <a:r>
+              <a:rPr lang="en-US" altLang="zh-CN" sz="2800" dirty="0">
+                <a:latin typeface="Times New Roman" pitchFamily="18" charset="0"/>
+              </a:rPr>
+              <a:t>Tests are based on requirements and functionality.</a:t>
+            </a:r>
+            <a:endParaRPr lang="en-US" altLang="zh-CN" sz="4400" b="1" dirty="0">
+              <a:solidFill>
+                <a:schemeClr val="accent5">
+                  <a:lumMod val="50000"/>
+                </a:schemeClr>
+              </a:solidFill>
+              <a:latin typeface="Calibri" pitchFamily="34" charset="0"/>
+            </a:endParaRPr>
+          </a:p>
+          <a:p>
+            <a:pPr marL="804863" indent="-454025">
+              <a:defRPr/>
+            </a:pPr>
+            <a:r>
+              <a:rPr lang="en-US" altLang="zh-CN" sz="4400" b="1" dirty="0">
+                <a:solidFill>
+                  <a:schemeClr val="accent5">
+                    <a:lumMod val="50000"/>
+                  </a:schemeClr>
+                </a:solidFill>
+                <a:latin typeface="Calibri" pitchFamily="34" charset="0"/>
+              </a:rPr>
+              <a:t>White box testing</a:t>
+            </a:r>
+          </a:p>
+          <a:p>
+            <a:pPr marL="804863" indent="-454025">
+              <a:buClr>
+                <a:schemeClr val="tx1"/>
+              </a:buClr>
+              <a:buFont typeface="Wingdings" pitchFamily="2" charset="2"/>
+              <a:buChar char="§"/>
+              <a:defRPr/>
+            </a:pPr>
+            <a:r>
+              <a:rPr lang="en-US" altLang="zh-CN" sz="2800" dirty="0">
+                <a:latin typeface="Times New Roman" pitchFamily="18" charset="0"/>
+              </a:rPr>
+              <a:t>Knowledge of the internal program design and code required.</a:t>
+            </a:r>
+          </a:p>
+          <a:p>
+            <a:pPr marL="804863" indent="-454025">
+              <a:buClr>
+                <a:schemeClr val="tx1"/>
+              </a:buClr>
+              <a:buFont typeface="Wingdings" pitchFamily="2" charset="2"/>
+              <a:buChar char="§"/>
+              <a:defRPr/>
+            </a:pPr>
+            <a:r>
+              <a:rPr lang="en-US" altLang="zh-CN" sz="2800" dirty="0">
+                <a:latin typeface="Times New Roman" pitchFamily="18" charset="0"/>
+              </a:rPr>
+              <a:t>Tests are based on coverage of code                     statements, branches, paths, conditions.</a:t>
+            </a:r>
           </a:p>
         </p:txBody>
       </p:sp>
     </p:spTree>
     <p:extLst>
       <p:ext uri="{BB962C8B-B14F-4D97-AF65-F5344CB8AC3E}">
-        <p14:creationId xmlns:p14="http://schemas.microsoft.com/office/powerpoint/2010/main" val="2105149512"/>
+        <p14:creationId xmlns:p14="http://schemas.microsoft.com/office/powerpoint/2010/main" val="1342611283"/>
       </p:ext>
     </p:extLst>
   </p:cSld>
   <p:clrMapOvr>
     <a:masterClrMapping/>
   </p:clrMapOvr>
-  <p:timing>
-    <p:tnLst>
-      <p:par>
-        <p:cTn id="1" dur="indefinite" restart="never" nodeType="tmRoot"/>
-      </p:par>
-    </p:tnLst>
-  </p:timing>
 </p:sld>
 </file>
 
@@ -6473,7 +6417,7 @@
           <a:p>
             <a:r>
               <a:rPr kumimoji="1" lang="en-US" altLang="zh-CN" dirty="0"/>
-              <a:t>Demo</a:t>
+              <a:t>Testing Type</a:t>
             </a:r>
             <a:endParaRPr kumimoji="1" lang="zh-CN" altLang="en-US" dirty="0"/>
           </a:p>
@@ -6496,61 +6440,35 @@
           <a:p>
             <a:r>
               <a:rPr kumimoji="1" lang="en-US" altLang="zh-CN" dirty="0"/>
-              <a:t>Manual testing</a:t>
-            </a:r>
+              <a:t>Manual Testing</a:t>
+            </a:r>
+          </a:p>
+          <a:p>
+            <a:r>
+              <a:rPr kumimoji="1" lang="en-US" altLang="zh-CN" dirty="0"/>
+              <a:t>Automated Testing</a:t>
+            </a:r>
+          </a:p>
+          <a:p>
+            <a:r>
+              <a:rPr lang="en-US" b="1" dirty="0"/>
+              <a:t>Types of Software Testing – Complete List</a:t>
+            </a:r>
+            <a:endParaRPr kumimoji="1" lang="en-US" altLang="zh-CN" dirty="0"/>
           </a:p>
           <a:p>
             <a:pPr lvl="1"/>
             <a:r>
               <a:rPr kumimoji="1" lang="en-US" altLang="zh-CN" dirty="0"/>
-              <a:t> GOOGLE page</a:t>
-            </a:r>
-          </a:p>
-          <a:p>
-            <a:pPr lvl="1"/>
+              <a:t>http://</a:t>
+            </a:r>
             <a:r>
               <a:rPr kumimoji="1" lang="en-US" altLang="zh-CN" dirty="0" err="1"/>
-              <a:t>Pinpin</a:t>
+              <a:t>www.testingexcellence.com</a:t>
             </a:r>
             <a:r>
               <a:rPr kumimoji="1" lang="en-US" altLang="zh-CN" dirty="0"/>
-              <a:t> Market</a:t>
-            </a:r>
-          </a:p>
-          <a:p>
-            <a:r>
-              <a:rPr kumimoji="1" lang="en-US" altLang="zh-CN" dirty="0"/>
-              <a:t>Automation Testing</a:t>
-            </a:r>
-          </a:p>
-          <a:p>
-            <a:pPr lvl="1"/>
-            <a:r>
-              <a:rPr kumimoji="1" lang="en-US" altLang="zh-CN" dirty="0"/>
-              <a:t>Selenium UI validating </a:t>
-            </a:r>
-            <a:r>
-              <a:rPr kumimoji="1" lang="en-US" altLang="zh-CN" dirty="0" err="1"/>
-              <a:t>google</a:t>
-            </a:r>
-            <a:endParaRPr kumimoji="1" lang="en-US" altLang="zh-CN" dirty="0"/>
-          </a:p>
-          <a:p>
-            <a:pPr lvl="1"/>
-            <a:r>
-              <a:rPr kumimoji="1" lang="en-US" altLang="zh-CN" dirty="0" err="1"/>
-              <a:t>Pinpin</a:t>
-            </a:r>
-            <a:r>
-              <a:rPr kumimoji="1" lang="en-US" altLang="zh-CN" dirty="0"/>
-              <a:t> Market online validation</a:t>
-            </a:r>
-          </a:p>
-          <a:p>
-            <a:pPr lvl="1"/>
-            <a:r>
-              <a:rPr kumimoji="1" lang="en-US" altLang="zh-CN" dirty="0"/>
-              <a:t>Performance Test</a:t>
+              <a:t>/types-of-software-testing-complete-list/</a:t>
             </a:r>
             <a:endParaRPr kumimoji="1" lang="zh-CN" altLang="en-US" dirty="0"/>
           </a:p>
@@ -6559,20 +6477,13 @@
     </p:spTree>
     <p:extLst>
       <p:ext uri="{BB962C8B-B14F-4D97-AF65-F5344CB8AC3E}">
-        <p14:creationId xmlns:p14="http://schemas.microsoft.com/office/powerpoint/2010/main" val="2148313040"/>
+        <p14:creationId xmlns:p14="http://schemas.microsoft.com/office/powerpoint/2010/main" val="2105149512"/>
       </p:ext>
     </p:extLst>
   </p:cSld>
   <p:clrMapOvr>
     <a:masterClrMapping/>
   </p:clrMapOvr>
-  <p:timing>
-    <p:tnLst>
-      <p:par>
-        <p:cTn id="1" dur="indefinite" restart="never" nodeType="tmRoot"/>
-      </p:par>
-    </p:tnLst>
-  </p:timing>
 </p:sld>
 </file>
 
@@ -6610,7 +6521,7 @@
           <a:p>
             <a:r>
               <a:rPr kumimoji="1" lang="en-US" altLang="zh-CN" dirty="0"/>
-              <a:t>Workshop Design</a:t>
+              <a:t>Demo</a:t>
             </a:r>
             <a:endParaRPr kumimoji="1" lang="zh-CN" altLang="en-US" dirty="0"/>
           </a:p>
@@ -6628,62 +6539,67 @@
         </p:nvSpPr>
         <p:spPr/>
         <p:txBody>
-          <a:bodyPr>
-            <a:normAutofit/>
-          </a:bodyPr>
+          <a:bodyPr/>
           <a:lstStyle/>
           <a:p>
             <a:r>
               <a:rPr kumimoji="1" lang="en-US" altLang="zh-CN" dirty="0"/>
-              <a:t>Web manual validation</a:t>
-            </a:r>
-          </a:p>
-          <a:p>
+              <a:t>Manual testing</a:t>
+            </a:r>
+          </a:p>
+          <a:p>
+            <a:pPr lvl="1"/>
             <a:r>
               <a:rPr kumimoji="1" lang="en-US" altLang="zh-CN" dirty="0"/>
-              <a:t>Test case creation</a:t>
-            </a:r>
-          </a:p>
-          <a:p>
+              <a:t> GOOGLE page</a:t>
+            </a:r>
+          </a:p>
+          <a:p>
+            <a:pPr lvl="1"/>
+            <a:r>
+              <a:rPr kumimoji="1" lang="en-US" altLang="zh-CN" dirty="0" err="1"/>
+              <a:t>Pinpin</a:t>
+            </a:r>
             <a:r>
               <a:rPr kumimoji="1" lang="en-US" altLang="zh-CN" dirty="0"/>
-              <a:t>Bug Reporting</a:t>
+              <a:t> Market</a:t>
             </a:r>
           </a:p>
           <a:p>
             <a:r>
               <a:rPr kumimoji="1" lang="en-US" altLang="zh-CN" dirty="0"/>
-              <a:t>Selenium IDE</a:t>
-            </a:r>
-          </a:p>
-          <a:p>
+              <a:t>Automation Testing</a:t>
+            </a:r>
+          </a:p>
+          <a:p>
+            <a:pPr lvl="1"/>
             <a:r>
               <a:rPr kumimoji="1" lang="en-US" altLang="zh-CN" dirty="0"/>
-              <a:t>Selenium Automation with Java</a:t>
-            </a:r>
-          </a:p>
-          <a:p>
+              <a:t>Selenium UI validating </a:t>
+            </a:r>
+            <a:r>
+              <a:rPr kumimoji="1" lang="en-US" altLang="zh-CN" dirty="0" err="1"/>
+              <a:t>google</a:t>
+            </a:r>
+            <a:endParaRPr kumimoji="1" lang="en-US" altLang="zh-CN" dirty="0"/>
+          </a:p>
+          <a:p>
+            <a:pPr lvl="1"/>
+            <a:r>
+              <a:rPr kumimoji="1" lang="en-US" altLang="zh-CN" dirty="0" err="1"/>
+              <a:t>Pinpin</a:t>
+            </a:r>
             <a:r>
               <a:rPr kumimoji="1" lang="en-US" altLang="zh-CN" dirty="0"/>
-              <a:t>Cucumber Framework</a:t>
-            </a:r>
-          </a:p>
-          <a:p>
+              <a:t> Market online validation</a:t>
+            </a:r>
+          </a:p>
+          <a:p>
+            <a:pPr lvl="1"/>
             <a:r>
               <a:rPr kumimoji="1" lang="en-US" altLang="zh-CN" dirty="0"/>
-              <a:t>Rest API Testing</a:t>
-            </a:r>
-          </a:p>
-          <a:p>
-            <a:r>
-              <a:rPr kumimoji="1" lang="en-US" altLang="zh-CN" dirty="0"/>
-              <a:t>Performance Testing</a:t>
-            </a:r>
-          </a:p>
-          <a:p>
-            <a:endParaRPr kumimoji="1" lang="en-US" altLang="zh-CN" dirty="0"/>
-          </a:p>
-          <a:p>
+              <a:t>Performance Test</a:t>
+            </a:r>
             <a:endParaRPr kumimoji="1" lang="zh-CN" altLang="en-US" dirty="0"/>
           </a:p>
         </p:txBody>
@@ -6691,20 +6607,13 @@
     </p:spTree>
     <p:extLst>
       <p:ext uri="{BB962C8B-B14F-4D97-AF65-F5344CB8AC3E}">
-        <p14:creationId xmlns:p14="http://schemas.microsoft.com/office/powerpoint/2010/main" val="2153317703"/>
+        <p14:creationId xmlns:p14="http://schemas.microsoft.com/office/powerpoint/2010/main" val="2148313040"/>
       </p:ext>
     </p:extLst>
   </p:cSld>
   <p:clrMapOvr>
     <a:masterClrMapping/>
   </p:clrMapOvr>
-  <p:timing>
-    <p:tnLst>
-      <p:par>
-        <p:cTn id="1" dur="indefinite" restart="never" nodeType="tmRoot"/>
-      </p:par>
-    </p:tnLst>
-  </p:timing>
 </p:sld>
 </file>
 
@@ -6741,22 +6650,8 @@
           <a:lstStyle/>
           <a:p>
             <a:r>
-              <a:rPr lang="en-US" altLang="zh-CN" b="1" dirty="0">
-                <a:solidFill>
-                  <a:schemeClr val="accent5">
-                    <a:lumMod val="50000"/>
-                  </a:schemeClr>
-                </a:solidFill>
-                <a:effectLst>
-                  <a:outerShdw blurRad="50000" dist="30000" dir="5400000" algn="tl" rotWithShape="0">
-                    <a:srgbClr val="000000">
-                      <a:alpha val="30000"/>
-                    </a:srgbClr>
-                  </a:outerShdw>
-                </a:effectLst>
-                <a:latin typeface="Calibri" pitchFamily="34" charset="0"/>
-              </a:rPr>
-              <a:t>Test Plan </a:t>
+              <a:rPr kumimoji="1" lang="en-US" altLang="zh-CN" dirty="0"/>
+              <a:t>Workshop Design</a:t>
             </a:r>
             <a:endParaRPr kumimoji="1" lang="zh-CN" altLang="en-US" dirty="0"/>
           </a:p>
@@ -6774,15 +6669,60 @@
         </p:nvSpPr>
         <p:spPr/>
         <p:txBody>
-          <a:bodyPr/>
-          <a:lstStyle/>
-          <a:p>
-            <a:r>
-              <a:rPr lang="en-US" altLang="zh-CN" dirty="0">
-                <a:latin typeface="Times New Roman" pitchFamily="18" charset="0"/>
-              </a:rPr>
-              <a:t>It is a systematic approach to test a system  i.e. software. The plan typically contains a detailed understanding of what the eventual testing workflow will be.</a:t>
-            </a:r>
+          <a:bodyPr>
+            <a:normAutofit/>
+          </a:bodyPr>
+          <a:lstStyle/>
+          <a:p>
+            <a:r>
+              <a:rPr kumimoji="1" lang="en-US" altLang="zh-CN" dirty="0"/>
+              <a:t>Web manual validation</a:t>
+            </a:r>
+          </a:p>
+          <a:p>
+            <a:r>
+              <a:rPr kumimoji="1" lang="en-US" altLang="zh-CN" dirty="0"/>
+              <a:t>Test case creation</a:t>
+            </a:r>
+          </a:p>
+          <a:p>
+            <a:r>
+              <a:rPr kumimoji="1" lang="en-US" altLang="zh-CN" dirty="0"/>
+              <a:t>Bug Reporting</a:t>
+            </a:r>
+          </a:p>
+          <a:p>
+            <a:r>
+              <a:rPr kumimoji="1" lang="en-US" altLang="zh-CN" dirty="0"/>
+              <a:t>Selenium IDE</a:t>
+            </a:r>
+          </a:p>
+          <a:p>
+            <a:r>
+              <a:rPr kumimoji="1" lang="en-US" altLang="zh-CN" dirty="0"/>
+              <a:t>Selenium Automation with Java</a:t>
+            </a:r>
+          </a:p>
+          <a:p>
+            <a:r>
+              <a:rPr kumimoji="1" lang="en-US" altLang="zh-CN" dirty="0"/>
+              <a:t>Cucumber Framework</a:t>
+            </a:r>
+          </a:p>
+          <a:p>
+            <a:r>
+              <a:rPr kumimoji="1" lang="en-US" altLang="zh-CN" dirty="0"/>
+              <a:t>Rest API Testing</a:t>
+            </a:r>
+          </a:p>
+          <a:p>
+            <a:r>
+              <a:rPr kumimoji="1" lang="en-US" altLang="zh-CN" dirty="0"/>
+              <a:t>Performance Testing</a:t>
+            </a:r>
+          </a:p>
+          <a:p>
+            <a:endParaRPr kumimoji="1" lang="en-US" altLang="zh-CN" dirty="0"/>
           </a:p>
           <a:p>
             <a:endParaRPr kumimoji="1" lang="zh-CN" altLang="en-US" dirty="0"/>
@@ -6792,20 +6732,13 @@
     </p:spTree>
     <p:extLst>
       <p:ext uri="{BB962C8B-B14F-4D97-AF65-F5344CB8AC3E}">
-        <p14:creationId xmlns:p14="http://schemas.microsoft.com/office/powerpoint/2010/main" val="2587372620"/>
+        <p14:creationId xmlns:p14="http://schemas.microsoft.com/office/powerpoint/2010/main" val="2153317703"/>
       </p:ext>
     </p:extLst>
   </p:cSld>
   <p:clrMapOvr>
     <a:masterClrMapping/>
   </p:clrMapOvr>
-  <p:timing>
-    <p:tnLst>
-      <p:par>
-        <p:cTn id="1" dur="indefinite" restart="never" nodeType="tmRoot"/>
-      </p:par>
-    </p:tnLst>
-  </p:timing>
 </p:sld>
 </file>
 
@@ -6857,7 +6790,7 @@
                 </a:effectLst>
                 <a:latin typeface="Calibri" pitchFamily="34" charset="0"/>
               </a:rPr>
-              <a:t>Test Case</a:t>
+              <a:t>Test Plan </a:t>
             </a:r>
             <a:endParaRPr kumimoji="1" lang="zh-CN" altLang="en-US" dirty="0"/>
           </a:p>
@@ -6878,165 +6811,14 @@
           <a:bodyPr/>
           <a:lstStyle/>
           <a:p>
-            <a:pPr marL="365125" indent="-282575" eaLnBrk="0" hangingPunct="0">
-              <a:lnSpc>
-                <a:spcPct val="80000"/>
-              </a:lnSpc>
-              <a:spcBef>
-                <a:spcPts val="600"/>
-              </a:spcBef>
-              <a:buClr>
-                <a:schemeClr val="accent1"/>
-              </a:buClr>
-              <a:buSzPct val="80000"/>
-              <a:defRPr/>
-            </a:pPr>
             <a:r>
               <a:rPr lang="en-US" altLang="zh-CN" dirty="0">
                 <a:latin typeface="Times New Roman" pitchFamily="18" charset="0"/>
               </a:rPr>
-              <a:t> It is a specific procedure of testing a particular requirement.</a:t>
-            </a:r>
-          </a:p>
-          <a:p>
-            <a:pPr marL="365125" indent="-282575" eaLnBrk="0" hangingPunct="0">
-              <a:lnSpc>
-                <a:spcPct val="80000"/>
-              </a:lnSpc>
-              <a:spcBef>
-                <a:spcPts val="600"/>
-              </a:spcBef>
-              <a:buClr>
-                <a:schemeClr val="accent1"/>
-              </a:buClr>
-              <a:buSzPct val="80000"/>
-              <a:defRPr/>
-            </a:pPr>
-            <a:r>
-              <a:rPr lang="en-US" altLang="zh-CN" dirty="0">
-                <a:latin typeface="Times New Roman" pitchFamily="18" charset="0"/>
-              </a:rPr>
-              <a:t>It will include:</a:t>
-            </a:r>
-          </a:p>
-          <a:p>
-            <a:pPr marL="365125" indent="-282575" eaLnBrk="0" hangingPunct="0">
-              <a:lnSpc>
-                <a:spcPct val="80000"/>
-              </a:lnSpc>
-              <a:spcBef>
-                <a:spcPts val="600"/>
-              </a:spcBef>
-              <a:buClr>
-                <a:schemeClr val="accent1"/>
-              </a:buClr>
-              <a:buSzPct val="80000"/>
-              <a:buFontTx/>
-              <a:buBlip>
-                <a:blip r:embed="rId2"/>
-              </a:buBlip>
-              <a:defRPr/>
-            </a:pPr>
-            <a:r>
-              <a:rPr lang="en-US" altLang="zh-CN" dirty="0">
-                <a:latin typeface="Times New Roman" pitchFamily="18" charset="0"/>
-              </a:rPr>
-              <a:t> Identification of specific requirement tested</a:t>
-            </a:r>
-          </a:p>
-          <a:p>
-            <a:pPr marL="365125" indent="-282575" eaLnBrk="0" hangingPunct="0">
-              <a:lnSpc>
-                <a:spcPct val="80000"/>
-              </a:lnSpc>
-              <a:spcBef>
-                <a:spcPts val="600"/>
-              </a:spcBef>
-              <a:buClr>
-                <a:schemeClr val="accent1"/>
-              </a:buClr>
-              <a:buSzPct val="80000"/>
-              <a:buFontTx/>
-              <a:buBlip>
-                <a:blip r:embed="rId2"/>
-              </a:buBlip>
-              <a:defRPr/>
-            </a:pPr>
-            <a:r>
-              <a:rPr lang="en-US" altLang="zh-CN" dirty="0">
-                <a:latin typeface="Times New Roman" pitchFamily="18" charset="0"/>
-              </a:rPr>
-              <a:t> Test case success/failure criteria</a:t>
-            </a:r>
-          </a:p>
-          <a:p>
-            <a:pPr marL="365125" indent="-282575" eaLnBrk="0" hangingPunct="0">
-              <a:lnSpc>
-                <a:spcPct val="80000"/>
-              </a:lnSpc>
-              <a:spcBef>
-                <a:spcPts val="600"/>
-              </a:spcBef>
-              <a:buClr>
-                <a:schemeClr val="accent1"/>
-              </a:buClr>
-              <a:buSzPct val="80000"/>
-              <a:buFontTx/>
-              <a:buBlip>
-                <a:blip r:embed="rId2"/>
-              </a:buBlip>
-              <a:defRPr/>
-            </a:pPr>
-            <a:r>
-              <a:rPr lang="en-US" altLang="zh-CN" dirty="0">
-                <a:latin typeface="Times New Roman" pitchFamily="18" charset="0"/>
-              </a:rPr>
-              <a:t> Specific steps to execute test</a:t>
-            </a:r>
-          </a:p>
-          <a:p>
-            <a:pPr marL="365125" indent="-282575" eaLnBrk="0" hangingPunct="0">
-              <a:lnSpc>
-                <a:spcPct val="80000"/>
-              </a:lnSpc>
-              <a:spcBef>
-                <a:spcPts val="600"/>
-              </a:spcBef>
-              <a:buClr>
-                <a:schemeClr val="accent1"/>
-              </a:buClr>
-              <a:buSzPct val="80000"/>
-              <a:buFontTx/>
-              <a:buBlip>
-                <a:blip r:embed="rId2"/>
-              </a:buBlip>
-              <a:defRPr/>
-            </a:pPr>
-            <a:r>
-              <a:rPr lang="en-US" altLang="zh-CN" dirty="0">
-                <a:latin typeface="Times New Roman" pitchFamily="18" charset="0"/>
-              </a:rPr>
-              <a:t> Test data</a:t>
-            </a:r>
-          </a:p>
-          <a:p>
-            <a:pPr marL="365125" indent="-282575" eaLnBrk="0" hangingPunct="0">
-              <a:lnSpc>
-                <a:spcPct val="80000"/>
-              </a:lnSpc>
-              <a:spcBef>
-                <a:spcPts val="600"/>
-              </a:spcBef>
-              <a:buClr>
-                <a:schemeClr val="accent1"/>
-              </a:buClr>
-              <a:buSzPct val="80000"/>
-              <a:buFontTx/>
-              <a:buBlip>
-                <a:blip r:embed="rId2"/>
-              </a:buBlip>
-              <a:defRPr/>
-            </a:pPr>
+              <a:t>It is a systematic approach to test a system  i.e. software. The plan typically contains a detailed understanding of what the eventual testing workflow will be.</a:t>
+            </a:r>
+          </a:p>
+          <a:p>
             <a:endParaRPr kumimoji="1" lang="zh-CN" altLang="en-US" dirty="0"/>
           </a:p>
         </p:txBody>
@@ -7044,20 +6826,13 @@
     </p:spTree>
     <p:extLst>
       <p:ext uri="{BB962C8B-B14F-4D97-AF65-F5344CB8AC3E}">
-        <p14:creationId xmlns:p14="http://schemas.microsoft.com/office/powerpoint/2010/main" val="2590479331"/>
+        <p14:creationId xmlns:p14="http://schemas.microsoft.com/office/powerpoint/2010/main" val="2587372620"/>
       </p:ext>
     </p:extLst>
   </p:cSld>
   <p:clrMapOvr>
     <a:masterClrMapping/>
   </p:clrMapOvr>
-  <p:timing>
-    <p:tnLst>
-      <p:par>
-        <p:cTn id="1" dur="indefinite" restart="never" nodeType="tmRoot"/>
-      </p:par>
-    </p:tnLst>
-  </p:timing>
 </p:sld>
 </file>
 
@@ -7080,6 +6855,251 @@
       </p:grpSpPr>
       <p:sp>
         <p:nvSpPr>
+          <p:cNvPr id="2" name="标题 1"/>
+          <p:cNvSpPr>
+            <a:spLocks noGrp="1"/>
+          </p:cNvSpPr>
+          <p:nvPr>
+            <p:ph type="title"/>
+          </p:nvPr>
+        </p:nvSpPr>
+        <p:spPr/>
+        <p:txBody>
+          <a:bodyPr/>
+          <a:lstStyle/>
+          <a:p>
+            <a:r>
+              <a:rPr lang="en-US" altLang="zh-CN" b="1" dirty="0">
+                <a:solidFill>
+                  <a:schemeClr val="accent5">
+                    <a:lumMod val="50000"/>
+                  </a:schemeClr>
+                </a:solidFill>
+                <a:effectLst>
+                  <a:outerShdw blurRad="50000" dist="30000" dir="5400000" algn="tl" rotWithShape="0">
+                    <a:srgbClr val="000000">
+                      <a:alpha val="30000"/>
+                    </a:srgbClr>
+                  </a:outerShdw>
+                </a:effectLst>
+                <a:latin typeface="Calibri" pitchFamily="34" charset="0"/>
+              </a:rPr>
+              <a:t>Test Case</a:t>
+            </a:r>
+            <a:endParaRPr kumimoji="1" lang="zh-CN" altLang="en-US" dirty="0"/>
+          </a:p>
+        </p:txBody>
+      </p:sp>
+      <p:sp>
+        <p:nvSpPr>
+          <p:cNvPr id="3" name="内容占位符 2"/>
+          <p:cNvSpPr>
+            <a:spLocks noGrp="1"/>
+          </p:cNvSpPr>
+          <p:nvPr>
+            <p:ph idx="1"/>
+          </p:nvPr>
+        </p:nvSpPr>
+        <p:spPr/>
+        <p:txBody>
+          <a:bodyPr/>
+          <a:lstStyle/>
+          <a:p>
+            <a:pPr marL="365125" indent="-282575" eaLnBrk="0" hangingPunct="0">
+              <a:lnSpc>
+                <a:spcPct val="80000"/>
+              </a:lnSpc>
+              <a:spcBef>
+                <a:spcPts val="600"/>
+              </a:spcBef>
+              <a:buClr>
+                <a:schemeClr val="accent1"/>
+              </a:buClr>
+              <a:buSzPct val="80000"/>
+              <a:defRPr/>
+            </a:pPr>
+            <a:r>
+              <a:rPr lang="en-US" altLang="zh-CN" dirty="0">
+                <a:latin typeface="Times New Roman" pitchFamily="18" charset="0"/>
+              </a:rPr>
+              <a:t> It is a specific procedure of testing a particular requirement.</a:t>
+            </a:r>
+          </a:p>
+          <a:p>
+            <a:pPr marL="365125" indent="-282575" eaLnBrk="0" hangingPunct="0">
+              <a:lnSpc>
+                <a:spcPct val="80000"/>
+              </a:lnSpc>
+              <a:spcBef>
+                <a:spcPts val="600"/>
+              </a:spcBef>
+              <a:buClr>
+                <a:schemeClr val="accent1"/>
+              </a:buClr>
+              <a:buSzPct val="80000"/>
+              <a:defRPr/>
+            </a:pPr>
+            <a:r>
+              <a:rPr lang="en-US" altLang="zh-CN" dirty="0">
+                <a:latin typeface="Times New Roman" pitchFamily="18" charset="0"/>
+              </a:rPr>
+              <a:t>It will include:</a:t>
+            </a:r>
+          </a:p>
+          <a:p>
+            <a:pPr marL="365125" indent="-282575" eaLnBrk="0" hangingPunct="0">
+              <a:lnSpc>
+                <a:spcPct val="80000"/>
+              </a:lnSpc>
+              <a:spcBef>
+                <a:spcPts val="600"/>
+              </a:spcBef>
+              <a:buClr>
+                <a:schemeClr val="accent1"/>
+              </a:buClr>
+              <a:buSzPct val="80000"/>
+              <a:buFontTx/>
+              <a:buBlip>
+                <a:blip r:embed="rId2"/>
+              </a:buBlip>
+              <a:defRPr/>
+            </a:pPr>
+            <a:r>
+              <a:rPr lang="en-US" altLang="zh-CN" dirty="0">
+                <a:latin typeface="Times New Roman" pitchFamily="18" charset="0"/>
+              </a:rPr>
+              <a:t> Identification of specific requirement tested</a:t>
+            </a:r>
+          </a:p>
+          <a:p>
+            <a:pPr marL="365125" indent="-282575" eaLnBrk="0" hangingPunct="0">
+              <a:lnSpc>
+                <a:spcPct val="80000"/>
+              </a:lnSpc>
+              <a:spcBef>
+                <a:spcPts val="600"/>
+              </a:spcBef>
+              <a:buClr>
+                <a:schemeClr val="accent1"/>
+              </a:buClr>
+              <a:buSzPct val="80000"/>
+              <a:buFontTx/>
+              <a:buBlip>
+                <a:blip r:embed="rId2"/>
+              </a:buBlip>
+              <a:defRPr/>
+            </a:pPr>
+            <a:r>
+              <a:rPr lang="en-US" altLang="zh-CN" dirty="0">
+                <a:latin typeface="Times New Roman" pitchFamily="18" charset="0"/>
+              </a:rPr>
+              <a:t> Test case success/failure criteria</a:t>
+            </a:r>
+          </a:p>
+          <a:p>
+            <a:pPr marL="365125" indent="-282575" eaLnBrk="0" hangingPunct="0">
+              <a:lnSpc>
+                <a:spcPct val="80000"/>
+              </a:lnSpc>
+              <a:spcBef>
+                <a:spcPts val="600"/>
+              </a:spcBef>
+              <a:buClr>
+                <a:schemeClr val="accent1"/>
+              </a:buClr>
+              <a:buSzPct val="80000"/>
+              <a:buFontTx/>
+              <a:buBlip>
+                <a:blip r:embed="rId2"/>
+              </a:buBlip>
+              <a:defRPr/>
+            </a:pPr>
+            <a:r>
+              <a:rPr lang="en-US" altLang="zh-CN" dirty="0">
+                <a:latin typeface="Times New Roman" pitchFamily="18" charset="0"/>
+              </a:rPr>
+              <a:t> Specific steps to execute test</a:t>
+            </a:r>
+          </a:p>
+          <a:p>
+            <a:pPr marL="365125" indent="-282575" eaLnBrk="0" hangingPunct="0">
+              <a:lnSpc>
+                <a:spcPct val="80000"/>
+              </a:lnSpc>
+              <a:spcBef>
+                <a:spcPts val="600"/>
+              </a:spcBef>
+              <a:buClr>
+                <a:schemeClr val="accent1"/>
+              </a:buClr>
+              <a:buSzPct val="80000"/>
+              <a:buFontTx/>
+              <a:buBlip>
+                <a:blip r:embed="rId2"/>
+              </a:buBlip>
+              <a:defRPr/>
+            </a:pPr>
+            <a:r>
+              <a:rPr lang="en-US" altLang="zh-CN" dirty="0">
+                <a:latin typeface="Times New Roman" pitchFamily="18" charset="0"/>
+              </a:rPr>
+              <a:t> Test data</a:t>
+            </a:r>
+          </a:p>
+          <a:p>
+            <a:pPr marL="365125" indent="-282575" eaLnBrk="0" hangingPunct="0">
+              <a:lnSpc>
+                <a:spcPct val="80000"/>
+              </a:lnSpc>
+              <a:spcBef>
+                <a:spcPts val="600"/>
+              </a:spcBef>
+              <a:buClr>
+                <a:schemeClr val="accent1"/>
+              </a:buClr>
+              <a:buSzPct val="80000"/>
+              <a:buFontTx/>
+              <a:buBlip>
+                <a:blip r:embed="rId2"/>
+              </a:buBlip>
+              <a:defRPr/>
+            </a:pPr>
+            <a:endParaRPr kumimoji="1" lang="zh-CN" altLang="en-US" dirty="0"/>
+          </a:p>
+        </p:txBody>
+      </p:sp>
+    </p:spTree>
+    <p:extLst>
+      <p:ext uri="{BB962C8B-B14F-4D97-AF65-F5344CB8AC3E}">
+        <p14:creationId xmlns:p14="http://schemas.microsoft.com/office/powerpoint/2010/main" val="2590479331"/>
+      </p:ext>
+    </p:extLst>
+  </p:cSld>
+  <p:clrMapOvr>
+    <a:masterClrMapping/>
+  </p:clrMapOvr>
+</p:sld>
+</file>
+
+<file path=ppt/slides/slide17.xml><?xml version="1.0" encoding="utf-8"?>
+<p:sld xmlns:a="http://schemas.openxmlformats.org/drawingml/2006/main" xmlns:r="http://schemas.openxmlformats.org/officeDocument/2006/relationships" xmlns:p="http://schemas.openxmlformats.org/presentationml/2006/main">
+  <p:cSld>
+    <p:spTree>
+      <p:nvGrpSpPr>
+        <p:cNvPr id="1" name=""/>
+        <p:cNvGrpSpPr/>
+        <p:nvPr/>
+      </p:nvGrpSpPr>
+      <p:grpSpPr>
+        <a:xfrm>
+          <a:off x="0" y="0"/>
+          <a:ext cx="0" cy="0"/>
+          <a:chOff x="0" y="0"/>
+          <a:chExt cx="0" cy="0"/>
+        </a:xfrm>
+      </p:grpSpPr>
+      <p:sp>
+        <p:nvSpPr>
           <p:cNvPr id="2" name="Title 1"/>
           <p:cNvSpPr>
             <a:spLocks noGrp="1"/>
@@ -7165,15 +7185,11 @@
           <a:p>
             <a:r>
               <a:rPr lang="en-US" dirty="0"/>
-              <a:t>@Test – This is the test method to run, public </a:t>
-            </a:r>
-            <a:r>
-              <a:rPr lang="en-US" dirty="0" smtClean="0"/>
-              <a:t>void</a:t>
-            </a:r>
-          </a:p>
-          <a:p>
-            <a:endParaRPr lang="en-CA" dirty="0" smtClean="0"/>
+              <a:t>@Test – This is the test method to run, public void</a:t>
+            </a:r>
+          </a:p>
+          <a:p>
+            <a:endParaRPr lang="en-CA" dirty="0"/>
           </a:p>
           <a:p>
             <a:endParaRPr lang="en-CA" dirty="0"/>
@@ -7190,17 +7206,10 @@
   <p:clrMapOvr>
     <a:masterClrMapping/>
   </p:clrMapOvr>
-  <p:timing>
-    <p:tnLst>
-      <p:par>
-        <p:cTn id="1" dur="indefinite" restart="never" nodeType="tmRoot"/>
-      </p:par>
-    </p:tnLst>
-  </p:timing>
 </p:sld>
 </file>
 
-<file path=ppt/slides/slide17.xml><?xml version="1.0" encoding="utf-8"?>
+<file path=ppt/slides/slide18.xml><?xml version="1.0" encoding="utf-8"?>
 <p:sld xmlns:a="http://schemas.openxmlformats.org/drawingml/2006/main" xmlns:r="http://schemas.openxmlformats.org/officeDocument/2006/relationships" xmlns:p="http://schemas.openxmlformats.org/presentationml/2006/main">
   <p:cSld>
     <p:spTree>
@@ -8378,328 +8387,6 @@
 </p:sld>
 </file>
 
-<file path=ppt/slides/slide18.xml><?xml version="1.0" encoding="utf-8"?>
-<p:sld xmlns:a="http://schemas.openxmlformats.org/drawingml/2006/main" xmlns:r="http://schemas.openxmlformats.org/officeDocument/2006/relationships" xmlns:p="http://schemas.openxmlformats.org/presentationml/2006/main">
-  <p:cSld>
-    <p:spTree>
-      <p:nvGrpSpPr>
-        <p:cNvPr id="1" name=""/>
-        <p:cNvGrpSpPr/>
-        <p:nvPr/>
-      </p:nvGrpSpPr>
-      <p:grpSpPr>
-        <a:xfrm>
-          <a:off x="0" y="0"/>
-          <a:ext cx="0" cy="0"/>
-          <a:chOff x="0" y="0"/>
-          <a:chExt cx="0" cy="0"/>
-        </a:xfrm>
-      </p:grpSpPr>
-      <p:sp>
-        <p:nvSpPr>
-          <p:cNvPr id="2" name="Title 1"/>
-          <p:cNvSpPr>
-            <a:spLocks noGrp="1"/>
-          </p:cNvSpPr>
-          <p:nvPr>
-            <p:ph type="title"/>
-          </p:nvPr>
-        </p:nvSpPr>
-        <p:spPr/>
-        <p:txBody>
-          <a:bodyPr/>
-          <a:lstStyle/>
-          <a:p>
-            <a:r>
-              <a:rPr lang="en-US" altLang="en-US" dirty="0"/>
-              <a:t>Assert methods</a:t>
-            </a:r>
-            <a:endParaRPr lang="en-CA" dirty="0"/>
-          </a:p>
-        </p:txBody>
-      </p:sp>
-      <p:sp>
-        <p:nvSpPr>
-          <p:cNvPr id="3" name="Content Placeholder 2"/>
-          <p:cNvSpPr>
-            <a:spLocks noGrp="1"/>
-          </p:cNvSpPr>
-          <p:nvPr>
-            <p:ph idx="1"/>
-          </p:nvPr>
-        </p:nvSpPr>
-        <p:spPr/>
-        <p:txBody>
-          <a:bodyPr>
-            <a:normAutofit/>
-          </a:bodyPr>
-          <a:lstStyle/>
-          <a:p>
-            <a:pPr>
-              <a:lnSpc>
-                <a:spcPct val="90000"/>
-              </a:lnSpc>
-            </a:pPr>
-            <a:r>
-              <a:rPr lang="en-US" altLang="en-US" dirty="0" err="1"/>
-              <a:t>assertTrue</a:t>
-            </a:r>
-            <a:r>
-              <a:rPr lang="en-US" altLang="en-US" dirty="0"/>
-              <a:t>(String </a:t>
-            </a:r>
-            <a:r>
-              <a:rPr lang="en-US" altLang="en-US" i="1" dirty="0"/>
-              <a:t>message</a:t>
-            </a:r>
-            <a:r>
-              <a:rPr lang="en-US" altLang="en-US" dirty="0"/>
-              <a:t>, Boolean </a:t>
-            </a:r>
-            <a:r>
-              <a:rPr lang="en-US" altLang="en-US" i="1" dirty="0"/>
-              <a:t>test</a:t>
-            </a:r>
-            <a:r>
-              <a:rPr lang="en-US" altLang="en-US" dirty="0"/>
-              <a:t>)</a:t>
-            </a:r>
-          </a:p>
-          <a:p>
-            <a:pPr>
-              <a:lnSpc>
-                <a:spcPct val="90000"/>
-              </a:lnSpc>
-            </a:pPr>
-            <a:r>
-              <a:rPr lang="en-US" altLang="en-US" dirty="0" err="1"/>
-              <a:t>assertFalse</a:t>
-            </a:r>
-            <a:r>
-              <a:rPr lang="en-US" altLang="en-US" dirty="0"/>
-              <a:t>(String </a:t>
-            </a:r>
-            <a:r>
-              <a:rPr lang="en-US" altLang="en-US" i="1" dirty="0"/>
-              <a:t>message</a:t>
-            </a:r>
-            <a:r>
-              <a:rPr lang="en-US" altLang="en-US" dirty="0"/>
-              <a:t>, Boolean </a:t>
-            </a:r>
-            <a:r>
-              <a:rPr lang="en-US" altLang="en-US" i="1" dirty="0"/>
-              <a:t>test</a:t>
-            </a:r>
-            <a:r>
-              <a:rPr lang="en-US" altLang="en-US" dirty="0"/>
-              <a:t>)</a:t>
-            </a:r>
-          </a:p>
-          <a:p>
-            <a:pPr>
-              <a:lnSpc>
-                <a:spcPct val="90000"/>
-              </a:lnSpc>
-            </a:pPr>
-            <a:r>
-              <a:rPr lang="en-US" altLang="en-US" dirty="0" err="1"/>
-              <a:t>assertNull</a:t>
-            </a:r>
-            <a:r>
-              <a:rPr lang="en-US" altLang="en-US" dirty="0"/>
-              <a:t>(String </a:t>
-            </a:r>
-            <a:r>
-              <a:rPr lang="en-US" altLang="en-US" i="1" dirty="0"/>
-              <a:t>message</a:t>
-            </a:r>
-            <a:r>
-              <a:rPr lang="en-US" altLang="en-US" dirty="0"/>
-              <a:t>, Object </a:t>
-            </a:r>
-            <a:r>
-              <a:rPr lang="en-US" altLang="en-US" i="1" dirty="0"/>
-              <a:t>object</a:t>
-            </a:r>
-            <a:r>
-              <a:rPr lang="en-US" altLang="en-US" dirty="0"/>
-              <a:t>)</a:t>
-            </a:r>
-          </a:p>
-          <a:p>
-            <a:pPr>
-              <a:lnSpc>
-                <a:spcPct val="90000"/>
-              </a:lnSpc>
-            </a:pPr>
-            <a:r>
-              <a:rPr lang="en-US" altLang="en-US" dirty="0" err="1"/>
-              <a:t>assertNotNull</a:t>
-            </a:r>
-            <a:r>
-              <a:rPr lang="en-US" altLang="en-US" dirty="0"/>
-              <a:t>(String </a:t>
-            </a:r>
-            <a:r>
-              <a:rPr lang="en-US" altLang="en-US" i="1" dirty="0"/>
-              <a:t>message</a:t>
-            </a:r>
-            <a:r>
-              <a:rPr lang="en-US" altLang="en-US" dirty="0"/>
-              <a:t>, Object </a:t>
-            </a:r>
-            <a:r>
-              <a:rPr lang="en-US" altLang="en-US" i="1" dirty="0"/>
-              <a:t>object</a:t>
-            </a:r>
-            <a:r>
-              <a:rPr lang="en-US" altLang="en-US" dirty="0"/>
-              <a:t>) </a:t>
-            </a:r>
-          </a:p>
-          <a:p>
-            <a:pPr>
-              <a:lnSpc>
-                <a:spcPct val="90000"/>
-              </a:lnSpc>
-            </a:pPr>
-            <a:r>
-              <a:rPr lang="en-US" altLang="en-US" dirty="0" err="1"/>
-              <a:t>assertEquals</a:t>
-            </a:r>
-            <a:r>
-              <a:rPr lang="en-US" altLang="en-US" dirty="0"/>
-              <a:t>(String </a:t>
-            </a:r>
-            <a:r>
-              <a:rPr lang="en-US" altLang="en-US" i="1" dirty="0"/>
-              <a:t>message</a:t>
-            </a:r>
-            <a:r>
-              <a:rPr lang="en-US" altLang="en-US" dirty="0"/>
-              <a:t>, Object </a:t>
-            </a:r>
-            <a:r>
-              <a:rPr lang="en-US" altLang="en-US" i="1" dirty="0"/>
-              <a:t>expected</a:t>
-            </a:r>
-            <a:r>
-              <a:rPr lang="en-US" altLang="en-US" dirty="0"/>
-              <a:t>, Object </a:t>
-            </a:r>
-            <a:r>
-              <a:rPr lang="en-US" altLang="en-US" i="1" dirty="0"/>
-              <a:t>actual</a:t>
-            </a:r>
-            <a:r>
-              <a:rPr lang="en-US" altLang="en-US" dirty="0"/>
-              <a:t>) (uses equals method)</a:t>
-            </a:r>
-          </a:p>
-          <a:p>
-            <a:pPr>
-              <a:lnSpc>
-                <a:spcPct val="90000"/>
-              </a:lnSpc>
-            </a:pPr>
-            <a:r>
-              <a:rPr lang="en-US" altLang="en-US" dirty="0" err="1"/>
-              <a:t>assertSame</a:t>
-            </a:r>
-            <a:r>
-              <a:rPr lang="en-US" altLang="en-US" dirty="0"/>
-              <a:t>(String </a:t>
-            </a:r>
-            <a:r>
-              <a:rPr lang="en-US" altLang="en-US" i="1" dirty="0"/>
-              <a:t>message</a:t>
-            </a:r>
-            <a:r>
-              <a:rPr lang="en-US" altLang="en-US" dirty="0"/>
-              <a:t>, Object </a:t>
-            </a:r>
-            <a:r>
-              <a:rPr lang="en-US" altLang="en-US" i="1" dirty="0"/>
-              <a:t>expected</a:t>
-            </a:r>
-            <a:r>
-              <a:rPr lang="en-US" altLang="en-US" dirty="0"/>
-              <a:t>, Object </a:t>
-            </a:r>
-            <a:r>
-              <a:rPr lang="en-US" altLang="en-US" i="1" dirty="0"/>
-              <a:t>actual</a:t>
-            </a:r>
-            <a:r>
-              <a:rPr lang="en-US" altLang="en-US" dirty="0"/>
-              <a:t>) (uses == operator)</a:t>
-            </a:r>
-          </a:p>
-          <a:p>
-            <a:pPr>
-              <a:lnSpc>
-                <a:spcPct val="90000"/>
-              </a:lnSpc>
-            </a:pPr>
-            <a:r>
-              <a:rPr lang="en-US" altLang="en-US" dirty="0" err="1"/>
-              <a:t>assertNotSame</a:t>
-            </a:r>
-            <a:r>
-              <a:rPr lang="en-US" altLang="en-US" dirty="0"/>
-              <a:t>(String </a:t>
-            </a:r>
-            <a:r>
-              <a:rPr lang="en-US" altLang="en-US" i="1" dirty="0"/>
-              <a:t>message</a:t>
-            </a:r>
-            <a:r>
-              <a:rPr lang="en-US" altLang="en-US" dirty="0"/>
-              <a:t>, Object </a:t>
-            </a:r>
-            <a:r>
-              <a:rPr lang="en-US" altLang="en-US" i="1" dirty="0"/>
-              <a:t>expected</a:t>
-            </a:r>
-            <a:r>
-              <a:rPr lang="en-US" altLang="en-US" dirty="0"/>
-              <a:t>, Object </a:t>
-            </a:r>
-            <a:r>
-              <a:rPr lang="en-US" altLang="en-US" i="1" dirty="0"/>
-              <a:t>actual</a:t>
-            </a:r>
-            <a:r>
-              <a:rPr lang="en-US" altLang="en-US" dirty="0"/>
-              <a:t>)</a:t>
-            </a:r>
-          </a:p>
-          <a:p>
-            <a:endParaRPr lang="en-CA" dirty="0"/>
-          </a:p>
-        </p:txBody>
-      </p:sp>
-    </p:spTree>
-    <p:extLst>
-      <p:ext uri="{BB962C8B-B14F-4D97-AF65-F5344CB8AC3E}">
-        <p14:creationId xmlns:p14="http://schemas.microsoft.com/office/powerpoint/2010/main" val="2553841228"/>
-      </p:ext>
-    </p:extLst>
-  </p:cSld>
-  <p:clrMapOvr>
-    <a:masterClrMapping/>
-  </p:clrMapOvr>
-  <p:timing>
-    <p:tnLst>
-      <p:par>
-        <p:cTn id="1" dur="indefinite" restart="never" nodeType="tmRoot"/>
-      </p:par>
-    </p:tnLst>
-  </p:timing>
-</p:sld>
-</file>
-
 <file path=ppt/slides/slide19.xml><?xml version="1.0" encoding="utf-8"?>
 <p:sld xmlns:a="http://schemas.openxmlformats.org/drawingml/2006/main" xmlns:r="http://schemas.openxmlformats.org/officeDocument/2006/relationships" xmlns:p="http://schemas.openxmlformats.org/presentationml/2006/main">
   <p:cSld>
@@ -8733,15 +8420,504 @@
           <a:lstStyle/>
           <a:p>
             <a:r>
-              <a:rPr lang="en-US" altLang="zh-CN" dirty="0" smtClean="0"/>
+              <a:rPr lang="en-US" altLang="en-US" dirty="0"/>
+              <a:t>Assert methods</a:t>
+            </a:r>
+            <a:endParaRPr lang="en-CA" dirty="0"/>
+          </a:p>
+        </p:txBody>
+      </p:sp>
+      <p:sp>
+        <p:nvSpPr>
+          <p:cNvPr id="3" name="Content Placeholder 2"/>
+          <p:cNvSpPr>
+            <a:spLocks noGrp="1"/>
+          </p:cNvSpPr>
+          <p:nvPr>
+            <p:ph idx="1"/>
+          </p:nvPr>
+        </p:nvSpPr>
+        <p:spPr/>
+        <p:txBody>
+          <a:bodyPr>
+            <a:normAutofit/>
+          </a:bodyPr>
+          <a:lstStyle/>
+          <a:p>
+            <a:pPr>
+              <a:lnSpc>
+                <a:spcPct val="90000"/>
+              </a:lnSpc>
+            </a:pPr>
+            <a:r>
+              <a:rPr lang="en-US" altLang="en-US" dirty="0" err="1"/>
+              <a:t>assertTrue</a:t>
+            </a:r>
+            <a:r>
+              <a:rPr lang="en-US" altLang="en-US" dirty="0"/>
+              <a:t>(String </a:t>
+            </a:r>
+            <a:r>
+              <a:rPr lang="en-US" altLang="en-US" i="1" dirty="0"/>
+              <a:t>message</a:t>
+            </a:r>
+            <a:r>
+              <a:rPr lang="en-US" altLang="en-US" dirty="0"/>
+              <a:t>, Boolean </a:t>
+            </a:r>
+            <a:r>
+              <a:rPr lang="en-US" altLang="en-US" i="1" dirty="0"/>
+              <a:t>test</a:t>
+            </a:r>
+            <a:r>
+              <a:rPr lang="en-US" altLang="en-US" dirty="0"/>
+              <a:t>)</a:t>
+            </a:r>
+          </a:p>
+          <a:p>
+            <a:pPr>
+              <a:lnSpc>
+                <a:spcPct val="90000"/>
+              </a:lnSpc>
+            </a:pPr>
+            <a:r>
+              <a:rPr lang="en-US" altLang="en-US" dirty="0" err="1"/>
+              <a:t>assertFalse</a:t>
+            </a:r>
+            <a:r>
+              <a:rPr lang="en-US" altLang="en-US" dirty="0"/>
+              <a:t>(String </a:t>
+            </a:r>
+            <a:r>
+              <a:rPr lang="en-US" altLang="en-US" i="1" dirty="0"/>
+              <a:t>message</a:t>
+            </a:r>
+            <a:r>
+              <a:rPr lang="en-US" altLang="en-US" dirty="0"/>
+              <a:t>, Boolean </a:t>
+            </a:r>
+            <a:r>
+              <a:rPr lang="en-US" altLang="en-US" i="1" dirty="0"/>
+              <a:t>test</a:t>
+            </a:r>
+            <a:r>
+              <a:rPr lang="en-US" altLang="en-US" dirty="0"/>
+              <a:t>)</a:t>
+            </a:r>
+          </a:p>
+          <a:p>
+            <a:pPr>
+              <a:lnSpc>
+                <a:spcPct val="90000"/>
+              </a:lnSpc>
+            </a:pPr>
+            <a:r>
+              <a:rPr lang="en-US" altLang="en-US" dirty="0" err="1"/>
+              <a:t>assertNull</a:t>
+            </a:r>
+            <a:r>
+              <a:rPr lang="en-US" altLang="en-US" dirty="0"/>
+              <a:t>(String </a:t>
+            </a:r>
+            <a:r>
+              <a:rPr lang="en-US" altLang="en-US" i="1" dirty="0"/>
+              <a:t>message</a:t>
+            </a:r>
+            <a:r>
+              <a:rPr lang="en-US" altLang="en-US" dirty="0"/>
+              <a:t>, Object </a:t>
+            </a:r>
+            <a:r>
+              <a:rPr lang="en-US" altLang="en-US" i="1" dirty="0"/>
+              <a:t>object</a:t>
+            </a:r>
+            <a:r>
+              <a:rPr lang="en-US" altLang="en-US" dirty="0"/>
+              <a:t>)</a:t>
+            </a:r>
+          </a:p>
+          <a:p>
+            <a:pPr>
+              <a:lnSpc>
+                <a:spcPct val="90000"/>
+              </a:lnSpc>
+            </a:pPr>
+            <a:r>
+              <a:rPr lang="en-US" altLang="en-US" dirty="0" err="1"/>
+              <a:t>assertNotNull</a:t>
+            </a:r>
+            <a:r>
+              <a:rPr lang="en-US" altLang="en-US" dirty="0"/>
+              <a:t>(String </a:t>
+            </a:r>
+            <a:r>
+              <a:rPr lang="en-US" altLang="en-US" i="1" dirty="0"/>
+              <a:t>message</a:t>
+            </a:r>
+            <a:r>
+              <a:rPr lang="en-US" altLang="en-US" dirty="0"/>
+              <a:t>, Object </a:t>
+            </a:r>
+            <a:r>
+              <a:rPr lang="en-US" altLang="en-US" i="1" dirty="0"/>
+              <a:t>object</a:t>
+            </a:r>
+            <a:r>
+              <a:rPr lang="en-US" altLang="en-US" dirty="0"/>
+              <a:t>) </a:t>
+            </a:r>
+          </a:p>
+          <a:p>
+            <a:pPr>
+              <a:lnSpc>
+                <a:spcPct val="90000"/>
+              </a:lnSpc>
+            </a:pPr>
+            <a:r>
+              <a:rPr lang="en-US" altLang="en-US" dirty="0" err="1"/>
+              <a:t>assertEquals</a:t>
+            </a:r>
+            <a:r>
+              <a:rPr lang="en-US" altLang="en-US" dirty="0"/>
+              <a:t>(String </a:t>
+            </a:r>
+            <a:r>
+              <a:rPr lang="en-US" altLang="en-US" i="1" dirty="0"/>
+              <a:t>message</a:t>
+            </a:r>
+            <a:r>
+              <a:rPr lang="en-US" altLang="en-US" dirty="0"/>
+              <a:t>, Object </a:t>
+            </a:r>
+            <a:r>
+              <a:rPr lang="en-US" altLang="en-US" i="1" dirty="0"/>
+              <a:t>expected</a:t>
+            </a:r>
+            <a:r>
+              <a:rPr lang="en-US" altLang="en-US" dirty="0"/>
+              <a:t>, Object </a:t>
+            </a:r>
+            <a:r>
+              <a:rPr lang="en-US" altLang="en-US" i="1" dirty="0"/>
+              <a:t>actual</a:t>
+            </a:r>
+            <a:r>
+              <a:rPr lang="en-US" altLang="en-US" dirty="0"/>
+              <a:t>) (uses equals method)</a:t>
+            </a:r>
+          </a:p>
+          <a:p>
+            <a:pPr>
+              <a:lnSpc>
+                <a:spcPct val="90000"/>
+              </a:lnSpc>
+            </a:pPr>
+            <a:r>
+              <a:rPr lang="en-US" altLang="en-US" dirty="0" err="1"/>
+              <a:t>assertSame</a:t>
+            </a:r>
+            <a:r>
+              <a:rPr lang="en-US" altLang="en-US" dirty="0"/>
+              <a:t>(String </a:t>
+            </a:r>
+            <a:r>
+              <a:rPr lang="en-US" altLang="en-US" i="1" dirty="0"/>
+              <a:t>message</a:t>
+            </a:r>
+            <a:r>
+              <a:rPr lang="en-US" altLang="en-US" dirty="0"/>
+              <a:t>, Object </a:t>
+            </a:r>
+            <a:r>
+              <a:rPr lang="en-US" altLang="en-US" i="1" dirty="0"/>
+              <a:t>expected</a:t>
+            </a:r>
+            <a:r>
+              <a:rPr lang="en-US" altLang="en-US" dirty="0"/>
+              <a:t>, Object </a:t>
+            </a:r>
+            <a:r>
+              <a:rPr lang="en-US" altLang="en-US" i="1" dirty="0"/>
+              <a:t>actual</a:t>
+            </a:r>
+            <a:r>
+              <a:rPr lang="en-US" altLang="en-US" dirty="0"/>
+              <a:t>) (uses == operator)</a:t>
+            </a:r>
+          </a:p>
+          <a:p>
+            <a:pPr>
+              <a:lnSpc>
+                <a:spcPct val="90000"/>
+              </a:lnSpc>
+            </a:pPr>
+            <a:r>
+              <a:rPr lang="en-US" altLang="en-US" dirty="0" err="1"/>
+              <a:t>assertNotSame</a:t>
+            </a:r>
+            <a:r>
+              <a:rPr lang="en-US" altLang="en-US" dirty="0"/>
+              <a:t>(String </a:t>
+            </a:r>
+            <a:r>
+              <a:rPr lang="en-US" altLang="en-US" i="1" dirty="0"/>
+              <a:t>message</a:t>
+            </a:r>
+            <a:r>
+              <a:rPr lang="en-US" altLang="en-US" dirty="0"/>
+              <a:t>, Object </a:t>
+            </a:r>
+            <a:r>
+              <a:rPr lang="en-US" altLang="en-US" i="1" dirty="0"/>
+              <a:t>expected</a:t>
+            </a:r>
+            <a:r>
+              <a:rPr lang="en-US" altLang="en-US" dirty="0"/>
+              <a:t>, Object </a:t>
+            </a:r>
+            <a:r>
+              <a:rPr lang="en-US" altLang="en-US" i="1" dirty="0"/>
+              <a:t>actual</a:t>
+            </a:r>
+            <a:r>
+              <a:rPr lang="en-US" altLang="en-US" dirty="0"/>
+              <a:t>)</a:t>
+            </a:r>
+          </a:p>
+          <a:p>
+            <a:endParaRPr lang="en-CA" dirty="0"/>
+          </a:p>
+        </p:txBody>
+      </p:sp>
+    </p:spTree>
+    <p:extLst>
+      <p:ext uri="{BB962C8B-B14F-4D97-AF65-F5344CB8AC3E}">
+        <p14:creationId xmlns:p14="http://schemas.microsoft.com/office/powerpoint/2010/main" val="2553841228"/>
+      </p:ext>
+    </p:extLst>
+  </p:cSld>
+  <p:clrMapOvr>
+    <a:masterClrMapping/>
+  </p:clrMapOvr>
+</p:sld>
+</file>
+
+<file path=ppt/slides/slide2.xml><?xml version="1.0" encoding="utf-8"?>
+<p:sld xmlns:a="http://schemas.openxmlformats.org/drawingml/2006/main" xmlns:r="http://schemas.openxmlformats.org/officeDocument/2006/relationships" xmlns:p="http://schemas.openxmlformats.org/presentationml/2006/main">
+  <p:cSld>
+    <p:spTree>
+      <p:nvGrpSpPr>
+        <p:cNvPr id="1" name=""/>
+        <p:cNvGrpSpPr/>
+        <p:nvPr/>
+      </p:nvGrpSpPr>
+      <p:grpSpPr>
+        <a:xfrm>
+          <a:off x="0" y="0"/>
+          <a:ext cx="0" cy="0"/>
+          <a:chOff x="0" y="0"/>
+          <a:chExt cx="0" cy="0"/>
+        </a:xfrm>
+      </p:grpSpPr>
+      <p:sp>
+        <p:nvSpPr>
+          <p:cNvPr id="2" name="标题 1"/>
+          <p:cNvSpPr>
+            <a:spLocks noGrp="1"/>
+          </p:cNvSpPr>
+          <p:nvPr>
+            <p:ph type="title"/>
+          </p:nvPr>
+        </p:nvSpPr>
+        <p:spPr/>
+        <p:txBody>
+          <a:bodyPr/>
+          <a:lstStyle/>
+          <a:p>
+            <a:r>
+              <a:rPr lang="en-US" altLang="zh-CN" b="1" dirty="0"/>
+              <a:t>Presenter</a:t>
+            </a:r>
+            <a:endParaRPr kumimoji="1" lang="zh-CN" altLang="en-US" dirty="0"/>
+          </a:p>
+        </p:txBody>
+      </p:sp>
+      <p:sp>
+        <p:nvSpPr>
+          <p:cNvPr id="3" name="内容占位符 2"/>
+          <p:cNvSpPr>
+            <a:spLocks noGrp="1"/>
+          </p:cNvSpPr>
+          <p:nvPr>
+            <p:ph idx="1"/>
+          </p:nvPr>
+        </p:nvSpPr>
+        <p:spPr/>
+        <p:txBody>
+          <a:bodyPr/>
+          <a:lstStyle/>
+          <a:p>
+            <a:r>
+              <a:rPr lang="en-US" altLang="zh-CN" dirty="0"/>
+              <a:t>Charles Cao, </a:t>
+            </a:r>
+          </a:p>
+          <a:p>
+            <a:r>
+              <a:rPr lang="en-US" altLang="zh-CN" dirty="0"/>
+              <a:t>Automation</a:t>
+            </a:r>
+            <a:r>
+              <a:rPr lang="zh-CN" altLang="en-US" dirty="0"/>
+              <a:t> </a:t>
+            </a:r>
+            <a:r>
+              <a:rPr lang="en-US" altLang="zh-CN" dirty="0"/>
+              <a:t>Team</a:t>
+            </a:r>
+            <a:r>
+              <a:rPr lang="zh-CN" altLang="en-US" dirty="0"/>
+              <a:t> </a:t>
+            </a:r>
+            <a:r>
+              <a:rPr lang="en-US" altLang="zh-CN" dirty="0"/>
+              <a:t>lead, Business Owner.10+ years working experience,  He promoted to senior QA from an intern in</a:t>
+            </a:r>
+            <a:r>
+              <a:rPr lang="zh-CN" altLang="en-US" dirty="0"/>
+              <a:t> </a:t>
+            </a:r>
+            <a:r>
+              <a:rPr lang="en-US" altLang="zh-CN" dirty="0"/>
+              <a:t>only 3 years.</a:t>
+            </a:r>
+            <a:r>
+              <a:rPr lang="zh-Hans" altLang="en-US"/>
+              <a:t> </a:t>
+            </a:r>
+            <a:r>
+              <a:rPr lang="en-US" altLang="zh-CN"/>
+              <a:t>Worked</a:t>
+            </a:r>
+            <a:r>
+              <a:rPr lang="zh-CN" altLang="en-US" dirty="0"/>
+              <a:t> </a:t>
+            </a:r>
+            <a:r>
+              <a:rPr lang="en-US" altLang="zh-CN" dirty="0"/>
+              <a:t>in</a:t>
+            </a:r>
+            <a:r>
+              <a:rPr lang="zh-CN" altLang="en-US" dirty="0"/>
+              <a:t> </a:t>
+            </a:r>
+            <a:r>
+              <a:rPr lang="en-US" altLang="zh-CN" dirty="0"/>
+              <a:t>IBM</a:t>
+            </a:r>
+            <a:r>
+              <a:rPr lang="zh-CN" altLang="en-US" dirty="0"/>
+              <a:t> </a:t>
+            </a:r>
+            <a:r>
+              <a:rPr lang="en-US" altLang="zh-CN" dirty="0"/>
+              <a:t>China,</a:t>
+            </a:r>
+            <a:r>
+              <a:rPr lang="zh-CN" altLang="en-US" dirty="0"/>
+              <a:t> </a:t>
+            </a:r>
+            <a:r>
+              <a:rPr lang="en-US" altLang="zh-CN" dirty="0"/>
+              <a:t>SAP,</a:t>
+            </a:r>
+            <a:r>
+              <a:rPr lang="zh-CN" altLang="en-US" dirty="0"/>
+              <a:t> </a:t>
+            </a:r>
+            <a:r>
+              <a:rPr lang="en-US" altLang="zh-CN" dirty="0"/>
+              <a:t>Autodesk,</a:t>
+            </a:r>
+            <a:r>
+              <a:rPr lang="zh-CN" altLang="en-US" dirty="0"/>
+              <a:t> </a:t>
+            </a:r>
+            <a:r>
+              <a:rPr lang="en-US" altLang="zh-CN" dirty="0"/>
+              <a:t>Expedia,</a:t>
+            </a:r>
+            <a:r>
+              <a:rPr lang="zh-CN" altLang="en-US" dirty="0"/>
+              <a:t> </a:t>
+            </a:r>
+            <a:r>
+              <a:rPr lang="en-US" altLang="zh-CN" dirty="0" err="1"/>
+              <a:t>Paysafe</a:t>
+            </a:r>
+            <a:r>
+              <a:rPr lang="en-US" altLang="zh-CN" dirty="0"/>
+              <a:t>.</a:t>
+            </a:r>
+            <a:endParaRPr kumimoji="1" lang="zh-CN" altLang="en-US" dirty="0"/>
+          </a:p>
+        </p:txBody>
+      </p:sp>
+    </p:spTree>
+    <p:extLst>
+      <p:ext uri="{BB962C8B-B14F-4D97-AF65-F5344CB8AC3E}">
+        <p14:creationId xmlns:p14="http://schemas.microsoft.com/office/powerpoint/2010/main" val="3448896850"/>
+      </p:ext>
+    </p:extLst>
+  </p:cSld>
+  <p:clrMapOvr>
+    <a:masterClrMapping/>
+  </p:clrMapOvr>
+</p:sld>
+</file>
+
+<file path=ppt/slides/slide20.xml><?xml version="1.0" encoding="utf-8"?>
+<p:sld xmlns:a="http://schemas.openxmlformats.org/drawingml/2006/main" xmlns:r="http://schemas.openxmlformats.org/officeDocument/2006/relationships" xmlns:p="http://schemas.openxmlformats.org/presentationml/2006/main">
+  <p:cSld>
+    <p:spTree>
+      <p:nvGrpSpPr>
+        <p:cNvPr id="1" name=""/>
+        <p:cNvGrpSpPr/>
+        <p:nvPr/>
+      </p:nvGrpSpPr>
+      <p:grpSpPr>
+        <a:xfrm>
+          <a:off x="0" y="0"/>
+          <a:ext cx="0" cy="0"/>
+          <a:chOff x="0" y="0"/>
+          <a:chExt cx="0" cy="0"/>
+        </a:xfrm>
+      </p:grpSpPr>
+      <p:sp>
+        <p:nvSpPr>
+          <p:cNvPr id="2" name="Title 1"/>
+          <p:cNvSpPr>
+            <a:spLocks noGrp="1"/>
+          </p:cNvSpPr>
+          <p:nvPr>
+            <p:ph type="title"/>
+          </p:nvPr>
+        </p:nvSpPr>
+        <p:spPr/>
+        <p:txBody>
+          <a:bodyPr/>
+          <a:lstStyle/>
+          <a:p>
+            <a:r>
+              <a:rPr lang="en-US" altLang="zh-CN" dirty="0"/>
               <a:t>Code</a:t>
             </a:r>
             <a:r>
-              <a:rPr lang="zh-CN" altLang="en-US" dirty="0" smtClean="0"/>
+              <a:rPr lang="zh-CN" altLang="en-US" dirty="0"/>
               <a:t> </a:t>
             </a:r>
             <a:r>
-              <a:rPr lang="en-US" altLang="zh-CN" dirty="0" smtClean="0"/>
+              <a:rPr lang="en-US" altLang="zh-CN" dirty="0"/>
               <a:t>Coverage</a:t>
             </a:r>
             <a:endParaRPr lang="en-US" dirty="0"/>
@@ -8764,30 +8940,24 @@
           <a:lstStyle/>
           <a:p>
             <a:r>
-              <a:rPr lang="en-US" dirty="0" smtClean="0">
+              <a:rPr lang="en-US" dirty="0">
                 <a:hlinkClick r:id="rId2" tooltip="EMMA (code coverage tool)"/>
               </a:rPr>
               <a:t>EMMA</a:t>
             </a:r>
-            <a:endParaRPr lang="en-US" dirty="0" smtClean="0"/>
+            <a:endParaRPr lang="en-US" dirty="0"/>
           </a:p>
           <a:p>
             <a:r>
               <a:rPr lang="en-US" dirty="0">
                 <a:hlinkClick r:id="rId3"/>
               </a:rPr>
-              <a:t>http://www.eclemma.org/jacoco</a:t>
-            </a:r>
-            <a:r>
-              <a:rPr lang="en-US" dirty="0" smtClean="0">
-                <a:hlinkClick r:id="rId3"/>
-              </a:rPr>
-              <a:t>/</a:t>
-            </a:r>
-            <a:endParaRPr lang="en-US" b="1" dirty="0" smtClean="0"/>
-          </a:p>
-          <a:p>
-            <a:endParaRPr lang="en-US" dirty="0" smtClean="0"/>
+              <a:t>http://www.eclemma.org/jacoco/</a:t>
+            </a:r>
+            <a:endParaRPr lang="en-US" b="1" dirty="0"/>
+          </a:p>
+          <a:p>
+            <a:endParaRPr lang="en-US" dirty="0"/>
           </a:p>
         </p:txBody>
       </p:sp>
@@ -8825,304 +8995,6 @@
   <p:clrMapOvr>
     <a:masterClrMapping/>
   </p:clrMapOvr>
-  <p:timing>
-    <p:tnLst>
-      <p:par>
-        <p:cTn id="1" dur="indefinite" restart="never" nodeType="tmRoot"/>
-      </p:par>
-    </p:tnLst>
-  </p:timing>
-</p:sld>
-</file>
-
-<file path=ppt/slides/slide2.xml><?xml version="1.0" encoding="utf-8"?>
-<p:sld xmlns:a="http://schemas.openxmlformats.org/drawingml/2006/main" xmlns:r="http://schemas.openxmlformats.org/officeDocument/2006/relationships" xmlns:p="http://schemas.openxmlformats.org/presentationml/2006/main">
-  <p:cSld>
-    <p:spTree>
-      <p:nvGrpSpPr>
-        <p:cNvPr id="1" name=""/>
-        <p:cNvGrpSpPr/>
-        <p:nvPr/>
-      </p:nvGrpSpPr>
-      <p:grpSpPr>
-        <a:xfrm>
-          <a:off x="0" y="0"/>
-          <a:ext cx="0" cy="0"/>
-          <a:chOff x="0" y="0"/>
-          <a:chExt cx="0" cy="0"/>
-        </a:xfrm>
-      </p:grpSpPr>
-      <p:sp>
-        <p:nvSpPr>
-          <p:cNvPr id="2" name="标题 1"/>
-          <p:cNvSpPr>
-            <a:spLocks noGrp="1"/>
-          </p:cNvSpPr>
-          <p:nvPr>
-            <p:ph type="title"/>
-          </p:nvPr>
-        </p:nvSpPr>
-        <p:spPr/>
-        <p:txBody>
-          <a:bodyPr/>
-          <a:lstStyle/>
-          <a:p>
-            <a:r>
-              <a:rPr lang="en-US" altLang="zh-CN" b="1" dirty="0"/>
-              <a:t>Presenter</a:t>
-            </a:r>
-            <a:endParaRPr kumimoji="1" lang="zh-CN" altLang="en-US" dirty="0"/>
-          </a:p>
-        </p:txBody>
-      </p:sp>
-      <p:sp>
-        <p:nvSpPr>
-          <p:cNvPr id="3" name="内容占位符 2"/>
-          <p:cNvSpPr>
-            <a:spLocks noGrp="1"/>
-          </p:cNvSpPr>
-          <p:nvPr>
-            <p:ph idx="1"/>
-          </p:nvPr>
-        </p:nvSpPr>
-        <p:spPr/>
-        <p:txBody>
-          <a:bodyPr/>
-          <a:lstStyle/>
-          <a:p>
-            <a:r>
-              <a:rPr lang="en-US" altLang="zh-CN" dirty="0"/>
-              <a:t>Charles Cao, </a:t>
-            </a:r>
-          </a:p>
-          <a:p>
-            <a:r>
-              <a:rPr lang="en-US" altLang="zh-CN" dirty="0" smtClean="0"/>
-              <a:t>Automation</a:t>
-            </a:r>
-            <a:r>
-              <a:rPr lang="zh-CN" altLang="en-US" dirty="0" smtClean="0"/>
-              <a:t> </a:t>
-            </a:r>
-            <a:r>
-              <a:rPr lang="en-US" altLang="zh-CN" dirty="0" smtClean="0"/>
-              <a:t>Team</a:t>
-            </a:r>
-            <a:r>
-              <a:rPr lang="zh-CN" altLang="en-US" dirty="0" smtClean="0"/>
-              <a:t> </a:t>
-            </a:r>
-            <a:r>
-              <a:rPr lang="en-US" altLang="zh-CN" dirty="0" smtClean="0"/>
-              <a:t>lead, </a:t>
-            </a:r>
-            <a:r>
-              <a:rPr lang="en-US" altLang="zh-CN" dirty="0"/>
-              <a:t>Business Owner.10+ years working experience,  He promoted to senior QA from an intern </a:t>
-            </a:r>
-            <a:r>
-              <a:rPr lang="en-US" altLang="zh-CN" dirty="0" smtClean="0"/>
-              <a:t>in</a:t>
-            </a:r>
-            <a:r>
-              <a:rPr lang="zh-CN" altLang="en-US" dirty="0" smtClean="0"/>
-              <a:t> </a:t>
-            </a:r>
-            <a:r>
-              <a:rPr lang="en-US" altLang="zh-CN" dirty="0" smtClean="0"/>
-              <a:t>only </a:t>
-            </a:r>
-            <a:r>
-              <a:rPr lang="en-US" altLang="zh-CN" dirty="0"/>
-              <a:t>3 </a:t>
-            </a:r>
-            <a:r>
-              <a:rPr lang="en-US" altLang="zh-CN" dirty="0" err="1" smtClean="0"/>
-              <a:t>years.Worked</a:t>
-            </a:r>
-            <a:r>
-              <a:rPr lang="zh-CN" altLang="en-US" dirty="0" smtClean="0"/>
-              <a:t> </a:t>
-            </a:r>
-            <a:r>
-              <a:rPr lang="en-US" altLang="zh-CN" dirty="0" smtClean="0"/>
-              <a:t>in</a:t>
-            </a:r>
-            <a:r>
-              <a:rPr lang="zh-CN" altLang="en-US" dirty="0" smtClean="0"/>
-              <a:t> </a:t>
-            </a:r>
-            <a:r>
-              <a:rPr lang="en-US" altLang="zh-CN" dirty="0" smtClean="0"/>
-              <a:t>IBM</a:t>
-            </a:r>
-            <a:r>
-              <a:rPr lang="zh-CN" altLang="en-US" dirty="0" smtClean="0"/>
-              <a:t> </a:t>
-            </a:r>
-            <a:r>
-              <a:rPr lang="en-US" altLang="zh-CN" dirty="0" smtClean="0"/>
-              <a:t>China,</a:t>
-            </a:r>
-            <a:r>
-              <a:rPr lang="zh-CN" altLang="en-US" dirty="0" smtClean="0"/>
-              <a:t> </a:t>
-            </a:r>
-            <a:r>
-              <a:rPr lang="en-US" altLang="zh-CN" dirty="0" smtClean="0"/>
-              <a:t>SAP,</a:t>
-            </a:r>
-            <a:r>
-              <a:rPr lang="zh-CN" altLang="en-US" dirty="0" smtClean="0"/>
-              <a:t> </a:t>
-            </a:r>
-            <a:r>
-              <a:rPr lang="en-US" altLang="zh-CN" dirty="0" smtClean="0"/>
-              <a:t>Autodesk,</a:t>
-            </a:r>
-            <a:r>
-              <a:rPr lang="zh-CN" altLang="en-US" dirty="0" smtClean="0"/>
-              <a:t> </a:t>
-            </a:r>
-            <a:r>
-              <a:rPr lang="en-US" altLang="zh-CN" dirty="0" smtClean="0"/>
-              <a:t>Expedia,</a:t>
-            </a:r>
-            <a:r>
-              <a:rPr lang="zh-CN" altLang="en-US" dirty="0" smtClean="0"/>
-              <a:t> </a:t>
-            </a:r>
-            <a:r>
-              <a:rPr lang="en-US" altLang="zh-CN" dirty="0" err="1" smtClean="0"/>
-              <a:t>Paysafe</a:t>
-            </a:r>
-            <a:r>
-              <a:rPr lang="en-US" altLang="zh-CN" smtClean="0"/>
-              <a:t>.</a:t>
-            </a:r>
-            <a:endParaRPr kumimoji="1" lang="zh-CN" altLang="en-US" dirty="0"/>
-          </a:p>
-        </p:txBody>
-      </p:sp>
-    </p:spTree>
-    <p:extLst>
-      <p:ext uri="{BB962C8B-B14F-4D97-AF65-F5344CB8AC3E}">
-        <p14:creationId xmlns:p14="http://schemas.microsoft.com/office/powerpoint/2010/main" val="3448896850"/>
-      </p:ext>
-    </p:extLst>
-  </p:cSld>
-  <p:clrMapOvr>
-    <a:masterClrMapping/>
-  </p:clrMapOvr>
-  <p:timing>
-    <p:tnLst>
-      <p:par>
-        <p:cTn id="1" dur="indefinite" restart="never" nodeType="tmRoot"/>
-      </p:par>
-    </p:tnLst>
-  </p:timing>
-</p:sld>
-</file>
-
-<file path=ppt/slides/slide20.xml><?xml version="1.0" encoding="utf-8"?>
-<p:sld xmlns:a="http://schemas.openxmlformats.org/drawingml/2006/main" xmlns:r="http://schemas.openxmlformats.org/officeDocument/2006/relationships" xmlns:p="http://schemas.openxmlformats.org/presentationml/2006/main">
-  <p:cSld>
-    <p:spTree>
-      <p:nvGrpSpPr>
-        <p:cNvPr id="1" name=""/>
-        <p:cNvGrpSpPr/>
-        <p:nvPr/>
-      </p:nvGrpSpPr>
-      <p:grpSpPr>
-        <a:xfrm>
-          <a:off x="0" y="0"/>
-          <a:ext cx="0" cy="0"/>
-          <a:chOff x="0" y="0"/>
-          <a:chExt cx="0" cy="0"/>
-        </a:xfrm>
-      </p:grpSpPr>
-      <p:sp>
-        <p:nvSpPr>
-          <p:cNvPr id="2" name="Title 1"/>
-          <p:cNvSpPr>
-            <a:spLocks noGrp="1"/>
-          </p:cNvSpPr>
-          <p:nvPr>
-            <p:ph type="title"/>
-          </p:nvPr>
-        </p:nvSpPr>
-        <p:spPr/>
-        <p:txBody>
-          <a:bodyPr/>
-          <a:lstStyle/>
-          <a:p>
-            <a:r>
-              <a:rPr lang="en-US" altLang="x-none" dirty="0"/>
-              <a:t>Test Automation Using Selenium</a:t>
-            </a:r>
-            <a:endParaRPr lang="en-US" dirty="0"/>
-          </a:p>
-        </p:txBody>
-      </p:sp>
-      <p:sp>
-        <p:nvSpPr>
-          <p:cNvPr id="3" name="Content Placeholder 2"/>
-          <p:cNvSpPr>
-            <a:spLocks noGrp="1"/>
-          </p:cNvSpPr>
-          <p:nvPr>
-            <p:ph idx="1"/>
-          </p:nvPr>
-        </p:nvSpPr>
-        <p:spPr/>
-        <p:txBody>
-          <a:bodyPr/>
-          <a:lstStyle/>
-          <a:p>
-            <a:r>
-              <a:rPr lang="en-US" dirty="0" smtClean="0"/>
-              <a:t>Selenium IDE</a:t>
-            </a:r>
-          </a:p>
-          <a:p>
-            <a:r>
-              <a:rPr lang="en-US" dirty="0" err="1" smtClean="0"/>
-              <a:t>Xpath</a:t>
-            </a:r>
-            <a:endParaRPr lang="en-US" dirty="0" smtClean="0"/>
-          </a:p>
-          <a:p>
-            <a:r>
-              <a:rPr lang="en-US" dirty="0" smtClean="0"/>
-              <a:t>CSS selector</a:t>
-            </a:r>
-          </a:p>
-          <a:p>
-            <a:r>
-              <a:rPr lang="en-US" dirty="0" smtClean="0"/>
-              <a:t>Demo</a:t>
-            </a:r>
-            <a:endParaRPr lang="en-US" dirty="0"/>
-          </a:p>
-        </p:txBody>
-      </p:sp>
-    </p:spTree>
-    <p:extLst>
-      <p:ext uri="{BB962C8B-B14F-4D97-AF65-F5344CB8AC3E}">
-        <p14:creationId xmlns:p14="http://schemas.microsoft.com/office/powerpoint/2010/main" val="105352868"/>
-      </p:ext>
-    </p:extLst>
-  </p:cSld>
-  <p:clrMapOvr>
-    <a:masterClrMapping/>
-  </p:clrMapOvr>
-  <p:timing>
-    <p:tnLst>
-      <p:par>
-        <p:cTn id="1" dur="indefinite" restart="never" nodeType="tmRoot"/>
-      </p:par>
-    </p:tnLst>
-  </p:timing>
 </p:sld>
 </file>
 
@@ -9159,12 +9031,9 @@
           <a:lstStyle/>
           <a:p>
             <a:r>
-              <a:rPr lang="en-US" altLang="x-none" dirty="0" smtClean="0"/>
-              <a:t>Selenium</a:t>
-            </a:r>
-            <a:br>
-              <a:rPr lang="en-US" altLang="x-none" dirty="0" smtClean="0"/>
-            </a:br>
+              <a:rPr lang="en-US" altLang="x-none" dirty="0"/>
+              <a:t>Test Automation Using Selenium</a:t>
+            </a:r>
             <a:endParaRPr lang="en-US" dirty="0"/>
           </a:p>
         </p:txBody>
@@ -9184,47 +9053,36 @@
           <a:bodyPr/>
           <a:lstStyle/>
           <a:p>
-            <a:pPr algn="just">
-              <a:lnSpc>
-                <a:spcPct val="90000"/>
-              </a:lnSpc>
-            </a:pPr>
-            <a:r>
-              <a:rPr lang="en-US" altLang="x-none" dirty="0"/>
-              <a:t>Selenium is a robust set of tools that supports rapid development of test automation for web-based applications.</a:t>
-            </a:r>
-          </a:p>
-          <a:p>
-            <a:pPr algn="just">
-              <a:lnSpc>
-                <a:spcPct val="90000"/>
-              </a:lnSpc>
-            </a:pPr>
-            <a:r>
-              <a:rPr lang="en-US" altLang="x-none" dirty="0"/>
-              <a:t>Selenium provides a rich set of testing functions specifically geared to the needs of testing of a web application. </a:t>
-            </a:r>
-          </a:p>
-          <a:p>
-            <a:pPr algn="just">
-              <a:lnSpc>
-                <a:spcPct val="90000"/>
-              </a:lnSpc>
-            </a:pPr>
-            <a:r>
-              <a:rPr lang="en-US" altLang="x-none" dirty="0"/>
-              <a:t>Selenium operations are highly flexible, allowing many options for locating UI elements and comparing expected test results against actual application behavior. </a:t>
-            </a:r>
-          </a:p>
-          <a:p>
+            <a:r>
+              <a:rPr lang="en-US" dirty="0"/>
+              <a:t>Selenium IDE</a:t>
+            </a:r>
+          </a:p>
+          <a:p>
+            <a:r>
+              <a:rPr lang="en-US" dirty="0" err="1"/>
+              <a:t>Xpath</a:t>
+            </a:r>
             <a:endParaRPr lang="en-US" dirty="0"/>
+          </a:p>
+          <a:p>
+            <a:r>
+              <a:rPr lang="en-US" dirty="0"/>
+              <a:t>CSS selector</a:t>
+            </a:r>
+          </a:p>
+          <a:p>
+            <a:r>
+              <a:rPr lang="en-US" dirty="0"/>
+              <a:t>Demo</a:t>
+            </a:r>
           </a:p>
         </p:txBody>
       </p:sp>
     </p:spTree>
     <p:extLst>
       <p:ext uri="{BB962C8B-B14F-4D97-AF65-F5344CB8AC3E}">
-        <p14:creationId xmlns:p14="http://schemas.microsoft.com/office/powerpoint/2010/main" val="1213596291"/>
+        <p14:creationId xmlns:p14="http://schemas.microsoft.com/office/powerpoint/2010/main" val="105352868"/>
       </p:ext>
     </p:extLst>
   </p:cSld>
@@ -9268,8 +9126,11 @@
           <a:p>
             <a:r>
               <a:rPr lang="en-US" altLang="x-none" dirty="0"/>
-              <a:t>Selenium Features</a:t>
-            </a:r>
+              <a:t>Selenium</a:t>
+            </a:r>
+            <a:br>
+              <a:rPr lang="en-US" altLang="x-none" dirty="0"/>
+            </a:br>
             <a:endParaRPr lang="en-US" dirty="0"/>
           </a:p>
         </p:txBody>
@@ -9289,47 +9150,36 @@
           <a:bodyPr/>
           <a:lstStyle/>
           <a:p>
-            <a:pPr>
+            <a:pPr algn="just">
               <a:lnSpc>
                 <a:spcPct val="90000"/>
               </a:lnSpc>
             </a:pPr>
             <a:r>
               <a:rPr lang="en-US" altLang="x-none" dirty="0"/>
-              <a:t>Supports Cross Browser Testing. The Selenium tests can be run on multiple browsers.</a:t>
-            </a:r>
-          </a:p>
-          <a:p>
-            <a:pPr>
+              <a:t>Selenium is a robust set of tools that supports rapid development of test automation for web-based applications.</a:t>
+            </a:r>
+          </a:p>
+          <a:p>
+            <a:pPr algn="just">
               <a:lnSpc>
                 <a:spcPct val="90000"/>
               </a:lnSpc>
             </a:pPr>
             <a:r>
               <a:rPr lang="en-US" altLang="x-none" dirty="0"/>
-              <a:t>Allows scripting in several languages like Java, C#, PHP and Python.</a:t>
-            </a:r>
-          </a:p>
-          <a:p>
-            <a:pPr>
+              <a:t>Selenium provides a rich set of testing functions specifically geared to the needs of testing of a web application. </a:t>
+            </a:r>
+          </a:p>
+          <a:p>
+            <a:pPr algn="just">
               <a:lnSpc>
                 <a:spcPct val="90000"/>
               </a:lnSpc>
             </a:pPr>
             <a:r>
               <a:rPr lang="en-US" altLang="x-none" dirty="0"/>
-              <a:t>Assertion statements provide an efficient way of comparing expected and actual results.</a:t>
-            </a:r>
-          </a:p>
-          <a:p>
-            <a:pPr>
-              <a:lnSpc>
-                <a:spcPct val="90000"/>
-              </a:lnSpc>
-            </a:pPr>
-            <a:r>
-              <a:rPr lang="en-US" altLang="x-none" dirty="0"/>
-              <a:t>Inbuilt reporting mechanism.</a:t>
+              <a:t>Selenium operations are highly flexible, allowing many options for locating UI elements and comparing expected test results against actual application behavior. </a:t>
             </a:r>
           </a:p>
           <a:p>
@@ -9340,7 +9190,7 @@
     </p:spTree>
     <p:extLst>
       <p:ext uri="{BB962C8B-B14F-4D97-AF65-F5344CB8AC3E}">
-        <p14:creationId xmlns:p14="http://schemas.microsoft.com/office/powerpoint/2010/main" val="622179709"/>
+        <p14:creationId xmlns:p14="http://schemas.microsoft.com/office/powerpoint/2010/main" val="1213596291"/>
       </p:ext>
     </p:extLst>
   </p:cSld>
@@ -9383,10 +9233,125 @@
           <a:lstStyle/>
           <a:p>
             <a:r>
-              <a:rPr lang="en-US" dirty="0" smtClean="0"/>
+              <a:rPr lang="en-US" altLang="x-none" dirty="0"/>
+              <a:t>Selenium Features</a:t>
+            </a:r>
+            <a:endParaRPr lang="en-US" dirty="0"/>
+          </a:p>
+        </p:txBody>
+      </p:sp>
+      <p:sp>
+        <p:nvSpPr>
+          <p:cNvPr id="3" name="Content Placeholder 2"/>
+          <p:cNvSpPr>
+            <a:spLocks noGrp="1"/>
+          </p:cNvSpPr>
+          <p:nvPr>
+            <p:ph idx="1"/>
+          </p:nvPr>
+        </p:nvSpPr>
+        <p:spPr/>
+        <p:txBody>
+          <a:bodyPr/>
+          <a:lstStyle/>
+          <a:p>
+            <a:pPr>
+              <a:lnSpc>
+                <a:spcPct val="90000"/>
+              </a:lnSpc>
+            </a:pPr>
+            <a:r>
+              <a:rPr lang="en-US" altLang="x-none" dirty="0"/>
+              <a:t>Supports Cross Browser Testing. The Selenium tests can be run on multiple browsers.</a:t>
+            </a:r>
+          </a:p>
+          <a:p>
+            <a:pPr>
+              <a:lnSpc>
+                <a:spcPct val="90000"/>
+              </a:lnSpc>
+            </a:pPr>
+            <a:r>
+              <a:rPr lang="en-US" altLang="x-none" dirty="0"/>
+              <a:t>Allows scripting in several languages like Java, C#, PHP and Python.</a:t>
+            </a:r>
+          </a:p>
+          <a:p>
+            <a:pPr>
+              <a:lnSpc>
+                <a:spcPct val="90000"/>
+              </a:lnSpc>
+            </a:pPr>
+            <a:r>
+              <a:rPr lang="en-US" altLang="x-none" dirty="0"/>
+              <a:t>Assertion statements provide an efficient way of comparing expected and actual results.</a:t>
+            </a:r>
+          </a:p>
+          <a:p>
+            <a:pPr>
+              <a:lnSpc>
+                <a:spcPct val="90000"/>
+              </a:lnSpc>
+            </a:pPr>
+            <a:r>
+              <a:rPr lang="en-US" altLang="x-none" dirty="0"/>
+              <a:t>Inbuilt reporting mechanism.</a:t>
+            </a:r>
+          </a:p>
+          <a:p>
+            <a:endParaRPr lang="en-US" dirty="0"/>
+          </a:p>
+        </p:txBody>
+      </p:sp>
+    </p:spTree>
+    <p:extLst>
+      <p:ext uri="{BB962C8B-B14F-4D97-AF65-F5344CB8AC3E}">
+        <p14:creationId xmlns:p14="http://schemas.microsoft.com/office/powerpoint/2010/main" val="622179709"/>
+      </p:ext>
+    </p:extLst>
+  </p:cSld>
+  <p:clrMapOvr>
+    <a:masterClrMapping/>
+  </p:clrMapOvr>
+</p:sld>
+</file>
+
+<file path=ppt/slides/slide24.xml><?xml version="1.0" encoding="utf-8"?>
+<p:sld xmlns:a="http://schemas.openxmlformats.org/drawingml/2006/main" xmlns:r="http://schemas.openxmlformats.org/officeDocument/2006/relationships" xmlns:p="http://schemas.openxmlformats.org/presentationml/2006/main">
+  <p:cSld>
+    <p:spTree>
+      <p:nvGrpSpPr>
+        <p:cNvPr id="1" name=""/>
+        <p:cNvGrpSpPr/>
+        <p:nvPr/>
+      </p:nvGrpSpPr>
+      <p:grpSpPr>
+        <a:xfrm>
+          <a:off x="0" y="0"/>
+          <a:ext cx="0" cy="0"/>
+          <a:chOff x="0" y="0"/>
+          <a:chExt cx="0" cy="0"/>
+        </a:xfrm>
+      </p:grpSpPr>
+      <p:sp>
+        <p:nvSpPr>
+          <p:cNvPr id="2" name="Title 1"/>
+          <p:cNvSpPr>
+            <a:spLocks noGrp="1"/>
+          </p:cNvSpPr>
+          <p:nvPr>
+            <p:ph type="title"/>
+          </p:nvPr>
+        </p:nvSpPr>
+        <p:spPr/>
+        <p:txBody>
+          <a:bodyPr/>
+          <a:lstStyle/>
+          <a:p>
+            <a:r>
+              <a:rPr lang="en-US" dirty="0"/>
               <a:t>Selenium IDE</a:t>
             </a:r>
-            <a:endParaRPr lang="en-US" dirty="0"/>
           </a:p>
         </p:txBody>
       </p:sp>
@@ -9455,31 +9420,19 @@
           </a:p>
           <a:p>
             <a:r>
-              <a:rPr lang="en-US" dirty="0" smtClean="0">
-                <a:hlinkClick r:id="rId2"/>
-              </a:rPr>
-              <a:t>https</a:t>
-            </a:r>
-            <a:r>
               <a:rPr lang="en-US" dirty="0">
                 <a:hlinkClick r:id="rId2"/>
               </a:rPr>
-              <a:t>://addons.mozilla.org/en-US/firefox/addon/selenium-ide</a:t>
-            </a:r>
-            <a:r>
-              <a:rPr lang="en-US" dirty="0" smtClean="0">
-                <a:hlinkClick r:id="rId2"/>
-              </a:rPr>
-              <a:t>/</a:t>
-            </a:r>
-            <a:endParaRPr lang="en-US" dirty="0" smtClean="0"/>
-          </a:p>
-          <a:p>
-            <a:r>
-              <a:rPr lang="en-US" altLang="zh-CN" dirty="0" smtClean="0"/>
+              <a:t>https://addons.mozilla.org/en-US/firefox/addon/selenium-ide/</a:t>
+            </a:r>
+            <a:endParaRPr lang="en-US" dirty="0"/>
+          </a:p>
+          <a:p>
+            <a:r>
+              <a:rPr lang="en-US" altLang="zh-CN" dirty="0"/>
               <a:t>firebug</a:t>
             </a:r>
-            <a:endParaRPr lang="en-US" dirty="0" smtClean="0"/>
+            <a:endParaRPr lang="en-US" dirty="0"/>
           </a:p>
           <a:p>
             <a:endParaRPr lang="en-US" dirty="0"/>
@@ -9496,17 +9449,10 @@
   <p:clrMapOvr>
     <a:masterClrMapping/>
   </p:clrMapOvr>
-  <p:timing>
-    <p:tnLst>
-      <p:par>
-        <p:cTn id="1" dur="indefinite" restart="never" nodeType="tmRoot"/>
-      </p:par>
-    </p:tnLst>
-  </p:timing>
 </p:sld>
 </file>
 
-<file path=ppt/slides/slide24.xml><?xml version="1.0" encoding="utf-8"?>
+<file path=ppt/slides/slide25.xml><?xml version="1.0" encoding="utf-8"?>
 <p:sld xmlns:a="http://schemas.openxmlformats.org/drawingml/2006/main" xmlns:r="http://schemas.openxmlformats.org/officeDocument/2006/relationships" xmlns:p="http://schemas.openxmlformats.org/presentationml/2006/main">
   <p:cSld>
     <p:spTree>
@@ -10179,7 +10125,7 @@
 </p:sld>
 </file>
 
-<file path=ppt/slides/slide25.xml><?xml version="1.0" encoding="utf-8"?>
+<file path=ppt/slides/slide26.xml><?xml version="1.0" encoding="utf-8"?>
 <p:sld xmlns:a="http://schemas.openxmlformats.org/drawingml/2006/main" xmlns:r="http://schemas.openxmlformats.org/officeDocument/2006/relationships" xmlns:p="http://schemas.openxmlformats.org/presentationml/2006/main">
   <p:cSld>
     <p:spTree>
@@ -10212,31 +10158,31 @@
           <a:lstStyle/>
           <a:p>
             <a:r>
-              <a:rPr lang="en-US" altLang="zh-CN" dirty="0" smtClean="0"/>
+              <a:rPr lang="en-US" altLang="zh-CN" dirty="0"/>
               <a:t>Add</a:t>
             </a:r>
             <a:r>
-              <a:rPr lang="zh-CN" altLang="en-US" dirty="0" smtClean="0"/>
+              <a:rPr lang="zh-CN" altLang="en-US" dirty="0"/>
               <a:t> </a:t>
             </a:r>
             <a:r>
-              <a:rPr lang="en-US" altLang="zh-CN" dirty="0" smtClean="0"/>
+              <a:rPr lang="en-US" altLang="zh-CN" dirty="0"/>
               <a:t>auto</a:t>
             </a:r>
             <a:r>
-              <a:rPr lang="zh-CN" altLang="en-US" dirty="0" smtClean="0"/>
+              <a:rPr lang="zh-CN" altLang="en-US" dirty="0"/>
               <a:t> </a:t>
             </a:r>
             <a:r>
-              <a:rPr lang="en-US" altLang="zh-CN" dirty="0" smtClean="0"/>
+              <a:rPr lang="en-US" altLang="zh-CN" dirty="0"/>
               <a:t>generate</a:t>
             </a:r>
             <a:r>
-              <a:rPr lang="zh-CN" altLang="en-US" dirty="0" smtClean="0"/>
+              <a:rPr lang="zh-CN" altLang="en-US" dirty="0"/>
               <a:t> </a:t>
             </a:r>
             <a:r>
-              <a:rPr lang="en-US" altLang="zh-CN" dirty="0" smtClean="0"/>
+              <a:rPr lang="en-US" altLang="zh-CN" dirty="0"/>
               <a:t>code</a:t>
             </a:r>
             <a:endParaRPr lang="en-US" dirty="0"/>
@@ -10281,7 +10227,7 @@
 </p:sld>
 </file>
 
-<file path=ppt/slides/slide26.xml><?xml version="1.0" encoding="utf-8"?>
+<file path=ppt/slides/slide27.xml><?xml version="1.0" encoding="utf-8"?>
 <p:sld xmlns:a="http://schemas.openxmlformats.org/drawingml/2006/main" xmlns:r="http://schemas.openxmlformats.org/officeDocument/2006/relationships" xmlns:p="http://schemas.openxmlformats.org/presentationml/2006/main">
   <p:cSld>
     <p:spTree>
@@ -10314,10 +10260,9 @@
           <a:lstStyle/>
           <a:p>
             <a:r>
-              <a:rPr lang="en-US" dirty="0" smtClean="0"/>
+              <a:rPr lang="en-US" dirty="0"/>
               <a:t>Selenium Recording</a:t>
             </a:r>
-            <a:endParaRPr lang="en-US" dirty="0"/>
           </a:p>
         </p:txBody>
       </p:sp>
@@ -10357,17 +10302,10 @@
   <p:clrMapOvr>
     <a:masterClrMapping/>
   </p:clrMapOvr>
-  <p:timing>
-    <p:tnLst>
-      <p:par>
-        <p:cTn id="1" dur="indefinite" restart="never" nodeType="tmRoot"/>
-      </p:par>
-    </p:tnLst>
-  </p:timing>
 </p:sld>
 </file>
 
-<file path=ppt/slides/slide27.xml><?xml version="1.0" encoding="utf-8"?>
+<file path=ppt/slides/slide28.xml><?xml version="1.0" encoding="utf-8"?>
 <p:sld xmlns:a="http://schemas.openxmlformats.org/drawingml/2006/main" xmlns:r="http://schemas.openxmlformats.org/officeDocument/2006/relationships" xmlns:p="http://schemas.openxmlformats.org/presentationml/2006/main">
   <p:cSld>
     <p:spTree>
@@ -10439,17 +10377,10 @@
   <p:clrMapOvr>
     <a:masterClrMapping/>
   </p:clrMapOvr>
-  <p:timing>
-    <p:tnLst>
-      <p:par>
-        <p:cTn id="1" dur="indefinite" restart="never" nodeType="tmRoot"/>
-      </p:par>
-    </p:tnLst>
-  </p:timing>
 </p:sld>
 </file>
 
-<file path=ppt/slides/slide28.xml><?xml version="1.0" encoding="utf-8"?>
+<file path=ppt/slides/slide29.xml><?xml version="1.0" encoding="utf-8"?>
 <p:sld xmlns:a="http://schemas.openxmlformats.org/drawingml/2006/main" xmlns:r="http://schemas.openxmlformats.org/officeDocument/2006/relationships" xmlns:p="http://schemas.openxmlformats.org/presentationml/2006/main">
   <p:cSld>
     <p:spTree>
@@ -10522,17 +10453,110 @@
   <p:clrMapOvr>
     <a:masterClrMapping/>
   </p:clrMapOvr>
-  <p:timing>
-    <p:tnLst>
-      <p:par>
-        <p:cTn id="1" dur="indefinite" restart="never" nodeType="tmRoot"/>
-      </p:par>
-    </p:tnLst>
-  </p:timing>
 </p:sld>
 </file>
 
-<file path=ppt/slides/slide29.xml><?xml version="1.0" encoding="utf-8"?>
+<file path=ppt/slides/slide3.xml><?xml version="1.0" encoding="utf-8"?>
+<p:sld xmlns:a="http://schemas.openxmlformats.org/drawingml/2006/main" xmlns:r="http://schemas.openxmlformats.org/officeDocument/2006/relationships" xmlns:p="http://schemas.openxmlformats.org/presentationml/2006/main">
+  <p:cSld>
+    <p:spTree>
+      <p:nvGrpSpPr>
+        <p:cNvPr id="1" name=""/>
+        <p:cNvGrpSpPr/>
+        <p:nvPr/>
+      </p:nvGrpSpPr>
+      <p:grpSpPr>
+        <a:xfrm>
+          <a:off x="0" y="0"/>
+          <a:ext cx="0" cy="0"/>
+          <a:chOff x="0" y="0"/>
+          <a:chExt cx="0" cy="0"/>
+        </a:xfrm>
+      </p:grpSpPr>
+      <p:sp>
+        <p:nvSpPr>
+          <p:cNvPr id="2" name="标题 1"/>
+          <p:cNvSpPr>
+            <a:spLocks noGrp="1"/>
+          </p:cNvSpPr>
+          <p:nvPr>
+            <p:ph type="title"/>
+          </p:nvPr>
+        </p:nvSpPr>
+        <p:spPr/>
+        <p:txBody>
+          <a:bodyPr/>
+          <a:lstStyle/>
+          <a:p>
+            <a:r>
+              <a:rPr lang="en-US" altLang="zh-CN" dirty="0"/>
+              <a:t>Agenda</a:t>
+            </a:r>
+            <a:endParaRPr kumimoji="1" lang="zh-CN" altLang="en-US" dirty="0"/>
+          </a:p>
+        </p:txBody>
+      </p:sp>
+      <p:sp>
+        <p:nvSpPr>
+          <p:cNvPr id="3" name="内容占位符 2"/>
+          <p:cNvSpPr>
+            <a:spLocks noGrp="1"/>
+          </p:cNvSpPr>
+          <p:nvPr>
+            <p:ph idx="1"/>
+          </p:nvPr>
+        </p:nvSpPr>
+        <p:spPr/>
+        <p:txBody>
+          <a:bodyPr/>
+          <a:lstStyle/>
+          <a:p>
+            <a:r>
+              <a:rPr lang="en-US" altLang="zh-CN" dirty="0"/>
+              <a:t>Introduction: Path To an Great Quality Assurance Engineer</a:t>
+            </a:r>
+          </a:p>
+          <a:p>
+            <a:r>
+              <a:rPr lang="en-US" altLang="zh-CN" dirty="0"/>
+              <a:t>What is Quality Assurance</a:t>
+            </a:r>
+            <a:br>
+              <a:rPr lang="en-US" altLang="zh-CN" dirty="0"/>
+            </a:br>
+            <a:endParaRPr lang="en-US" altLang="zh-CN" dirty="0"/>
+          </a:p>
+          <a:p>
+            <a:r>
+              <a:rPr lang="en-US" altLang="zh-CN" dirty="0"/>
+              <a:t>How to start as an Quality Assurance Engineer</a:t>
+            </a:r>
+          </a:p>
+          <a:p>
+            <a:r>
+              <a:rPr lang="en-US" altLang="zh-CN" dirty="0"/>
+              <a:t>When you are ready for a Testing job?</a:t>
+            </a:r>
+          </a:p>
+          <a:p>
+            <a:endParaRPr kumimoji="1" lang="zh-CN" altLang="en-US" dirty="0"/>
+          </a:p>
+        </p:txBody>
+      </p:sp>
+    </p:spTree>
+    <p:extLst>
+      <p:ext uri="{BB962C8B-B14F-4D97-AF65-F5344CB8AC3E}">
+        <p14:creationId xmlns:p14="http://schemas.microsoft.com/office/powerpoint/2010/main" val="3512574611"/>
+      </p:ext>
+    </p:extLst>
+  </p:cSld>
+  <p:clrMapOvr>
+    <a:masterClrMapping/>
+  </p:clrMapOvr>
+</p:sld>
+</file>
+
+<file path=ppt/slides/slide30.xml><?xml version="1.0" encoding="utf-8"?>
 <p:sld xmlns:a="http://schemas.openxmlformats.org/drawingml/2006/main" xmlns:r="http://schemas.openxmlformats.org/officeDocument/2006/relationships" xmlns:p="http://schemas.openxmlformats.org/presentationml/2006/main">
   <p:cSld>
     <p:spTree>
@@ -10761,114 +10785,7 @@
 </p:sld>
 </file>
 
-<file path=ppt/slides/slide3.xml><?xml version="1.0" encoding="utf-8"?>
-<p:sld xmlns:a="http://schemas.openxmlformats.org/drawingml/2006/main" xmlns:r="http://schemas.openxmlformats.org/officeDocument/2006/relationships" xmlns:p="http://schemas.openxmlformats.org/presentationml/2006/main">
-  <p:cSld>
-    <p:spTree>
-      <p:nvGrpSpPr>
-        <p:cNvPr id="1" name=""/>
-        <p:cNvGrpSpPr/>
-        <p:nvPr/>
-      </p:nvGrpSpPr>
-      <p:grpSpPr>
-        <a:xfrm>
-          <a:off x="0" y="0"/>
-          <a:ext cx="0" cy="0"/>
-          <a:chOff x="0" y="0"/>
-          <a:chExt cx="0" cy="0"/>
-        </a:xfrm>
-      </p:grpSpPr>
-      <p:sp>
-        <p:nvSpPr>
-          <p:cNvPr id="2" name="标题 1"/>
-          <p:cNvSpPr>
-            <a:spLocks noGrp="1"/>
-          </p:cNvSpPr>
-          <p:nvPr>
-            <p:ph type="title"/>
-          </p:nvPr>
-        </p:nvSpPr>
-        <p:spPr/>
-        <p:txBody>
-          <a:bodyPr/>
-          <a:lstStyle/>
-          <a:p>
-            <a:r>
-              <a:rPr lang="en-US" altLang="zh-CN" dirty="0"/>
-              <a:t>Agenda</a:t>
-            </a:r>
-            <a:endParaRPr kumimoji="1" lang="zh-CN" altLang="en-US" dirty="0"/>
-          </a:p>
-        </p:txBody>
-      </p:sp>
-      <p:sp>
-        <p:nvSpPr>
-          <p:cNvPr id="3" name="内容占位符 2"/>
-          <p:cNvSpPr>
-            <a:spLocks noGrp="1"/>
-          </p:cNvSpPr>
-          <p:nvPr>
-            <p:ph idx="1"/>
-          </p:nvPr>
-        </p:nvSpPr>
-        <p:spPr/>
-        <p:txBody>
-          <a:bodyPr/>
-          <a:lstStyle/>
-          <a:p>
-            <a:r>
-              <a:rPr lang="en-US" altLang="zh-CN" dirty="0"/>
-              <a:t>Introduction: Path To an Great Quality Assurance Engineer</a:t>
-            </a:r>
-          </a:p>
-          <a:p>
-            <a:r>
-              <a:rPr lang="en-US" altLang="zh-CN" dirty="0"/>
-              <a:t>What is Quality Assurance</a:t>
-            </a:r>
-            <a:br>
-              <a:rPr lang="en-US" altLang="zh-CN" dirty="0"/>
-            </a:br>
-            <a:endParaRPr lang="en-US" altLang="zh-CN" dirty="0"/>
-          </a:p>
-          <a:p>
-            <a:r>
-              <a:rPr lang="en-US" altLang="zh-CN" dirty="0"/>
-              <a:t>How to start as an Quality Assurance Engineer</a:t>
-            </a:r>
-          </a:p>
-          <a:p>
-            <a:r>
-              <a:rPr lang="en-US" altLang="zh-CN" dirty="0"/>
-              <a:t>When you are ready for a Testing job?</a:t>
-            </a:r>
-          </a:p>
-          <a:p>
-            <a:endParaRPr kumimoji="1" lang="zh-CN" altLang="en-US" dirty="0"/>
-          </a:p>
-        </p:txBody>
-      </p:sp>
-    </p:spTree>
-    <p:extLst>
-      <p:ext uri="{BB962C8B-B14F-4D97-AF65-F5344CB8AC3E}">
-        <p14:creationId xmlns:p14="http://schemas.microsoft.com/office/powerpoint/2010/main" val="3512574611"/>
-      </p:ext>
-    </p:extLst>
-  </p:cSld>
-  <p:clrMapOvr>
-    <a:masterClrMapping/>
-  </p:clrMapOvr>
-  <p:timing>
-    <p:tnLst>
-      <p:par>
-        <p:cTn id="1" dur="indefinite" restart="never" nodeType="tmRoot"/>
-      </p:par>
-    </p:tnLst>
-  </p:timing>
-</p:sld>
-</file>
-
-<file path=ppt/slides/slide30.xml><?xml version="1.0" encoding="utf-8"?>
+<file path=ppt/slides/slide31.xml><?xml version="1.0" encoding="utf-8"?>
 <p:sld xmlns:a="http://schemas.openxmlformats.org/drawingml/2006/main" xmlns:r="http://schemas.openxmlformats.org/officeDocument/2006/relationships" xmlns:p="http://schemas.openxmlformats.org/presentationml/2006/main">
   <p:cSld>
     <p:spTree>
@@ -10971,7 +10888,7 @@
 </p:sld>
 </file>
 
-<file path=ppt/slides/slide31.xml><?xml version="1.0" encoding="utf-8"?>
+<file path=ppt/slides/slide32.xml><?xml version="1.0" encoding="utf-8"?>
 <p:sld xmlns:a="http://schemas.openxmlformats.org/drawingml/2006/main" xmlns:r="http://schemas.openxmlformats.org/officeDocument/2006/relationships" xmlns:p="http://schemas.openxmlformats.org/presentationml/2006/main">
   <p:cSld>
     <p:spTree>
@@ -11074,127 +10991,6 @@
 </p:sld>
 </file>
 
-<file path=ppt/slides/slide32.xml><?xml version="1.0" encoding="utf-8"?>
-<p:sld xmlns:a="http://schemas.openxmlformats.org/drawingml/2006/main" xmlns:r="http://schemas.openxmlformats.org/officeDocument/2006/relationships" xmlns:p="http://schemas.openxmlformats.org/presentationml/2006/main">
-  <p:cSld>
-    <p:spTree>
-      <p:nvGrpSpPr>
-        <p:cNvPr id="1" name=""/>
-        <p:cNvGrpSpPr/>
-        <p:nvPr/>
-      </p:nvGrpSpPr>
-      <p:grpSpPr>
-        <a:xfrm>
-          <a:off x="0" y="0"/>
-          <a:ext cx="0" cy="0"/>
-          <a:chOff x="0" y="0"/>
-          <a:chExt cx="0" cy="0"/>
-        </a:xfrm>
-      </p:grpSpPr>
-      <p:sp>
-        <p:nvSpPr>
-          <p:cNvPr id="2" name="Title 1"/>
-          <p:cNvSpPr>
-            <a:spLocks noGrp="1"/>
-          </p:cNvSpPr>
-          <p:nvPr>
-            <p:ph type="title"/>
-          </p:nvPr>
-        </p:nvSpPr>
-        <p:spPr/>
-        <p:txBody>
-          <a:bodyPr/>
-          <a:lstStyle/>
-          <a:p>
-            <a:r>
-              <a:rPr lang="en-US" b="1" dirty="0"/>
-              <a:t>CSS </a:t>
-            </a:r>
-            <a:r>
-              <a:rPr lang="en-US" b="1" dirty="0" smtClean="0"/>
-              <a:t>Selector</a:t>
-            </a:r>
-            <a:endParaRPr lang="en-US" dirty="0"/>
-          </a:p>
-        </p:txBody>
-      </p:sp>
-      <p:sp>
-        <p:nvSpPr>
-          <p:cNvPr id="3" name="Content Placeholder 2"/>
-          <p:cNvSpPr>
-            <a:spLocks noGrp="1"/>
-          </p:cNvSpPr>
-          <p:nvPr>
-            <p:ph idx="1"/>
-          </p:nvPr>
-        </p:nvSpPr>
-        <p:spPr/>
-        <p:txBody>
-          <a:bodyPr/>
-          <a:lstStyle/>
-          <a:p>
-            <a:r>
-              <a:rPr lang="en-US" dirty="0">
-                <a:hlinkClick r:id="rId2"/>
-              </a:rPr>
-              <a:t>https://</a:t>
-            </a:r>
-            <a:r>
-              <a:rPr lang="en-US" dirty="0" smtClean="0">
-                <a:hlinkClick r:id="rId2"/>
-              </a:rPr>
-              <a:t>www.w3schools.com/cssref/trysel.asp</a:t>
-            </a:r>
-            <a:endParaRPr lang="en-US" dirty="0" smtClean="0"/>
-          </a:p>
-          <a:p>
-            <a:r>
-              <a:rPr lang="en-US" dirty="0">
-                <a:hlinkClick r:id="rId3"/>
-              </a:rPr>
-              <a:t>https://</a:t>
-            </a:r>
-            <a:r>
-              <a:rPr lang="en-US" dirty="0" smtClean="0">
-                <a:hlinkClick r:id="rId3"/>
-              </a:rPr>
-              <a:t>saucelabs.com/resources/articles/selenium-tips-css-selectors</a:t>
-            </a:r>
-            <a:endParaRPr lang="en-US" dirty="0" smtClean="0"/>
-          </a:p>
-          <a:p>
-            <a:r>
-              <a:rPr lang="en-US" dirty="0">
-                <a:hlinkClick r:id="rId4"/>
-              </a:rPr>
-              <a:t>http://toolsqa.com/cucumber/data-driven-testing-using-examples-keyword</a:t>
-            </a:r>
-            <a:r>
-              <a:rPr lang="en-US" dirty="0" smtClean="0">
-                <a:hlinkClick r:id="rId4"/>
-              </a:rPr>
-              <a:t>/</a:t>
-            </a:r>
-            <a:endParaRPr lang="en-US" dirty="0" smtClean="0"/>
-          </a:p>
-          <a:p>
-            <a:endParaRPr lang="en-US" dirty="0"/>
-          </a:p>
-        </p:txBody>
-      </p:sp>
-    </p:spTree>
-    <p:extLst>
-      <p:ext uri="{BB962C8B-B14F-4D97-AF65-F5344CB8AC3E}">
-        <p14:creationId xmlns:p14="http://schemas.microsoft.com/office/powerpoint/2010/main" val="1031393918"/>
-      </p:ext>
-    </p:extLst>
-  </p:cSld>
-  <p:clrMapOvr>
-    <a:masterClrMapping/>
-  </p:clrMapOvr>
-</p:sld>
-</file>
-
 <file path=ppt/slides/slide33.xml><?xml version="1.0" encoding="utf-8"?>
 <p:sld xmlns:a="http://schemas.openxmlformats.org/drawingml/2006/main" xmlns:r="http://schemas.openxmlformats.org/officeDocument/2006/relationships" xmlns:p="http://schemas.openxmlformats.org/presentationml/2006/main">
   <p:cSld>
@@ -11228,12 +11024,8 @@
           <a:lstStyle/>
           <a:p>
             <a:r>
-              <a:rPr lang="en-US" dirty="0"/>
-              <a:t>Page Object </a:t>
-            </a:r>
-            <a:r>
-              <a:rPr lang="en-US" dirty="0" smtClean="0"/>
-              <a:t>Pattern</a:t>
+              <a:rPr lang="en-US" b="1" dirty="0"/>
+              <a:t>CSS Selector</a:t>
             </a:r>
             <a:endParaRPr lang="en-US" dirty="0"/>
           </a:p>
@@ -11251,46 +11043,44 @@
         </p:nvSpPr>
         <p:spPr/>
         <p:txBody>
-          <a:bodyPr>
-            <a:normAutofit/>
-          </a:bodyPr>
-          <a:lstStyle/>
-          <a:p>
-            <a:r>
-              <a:rPr lang="en-US" altLang="x-none" dirty="0"/>
-              <a:t>Adds a layer of abstraction into your code.</a:t>
-            </a:r>
-          </a:p>
-          <a:p>
-            <a:r>
-              <a:rPr lang="en-US" altLang="x-none" dirty="0"/>
-              <a:t>Helps to organize your code once it grows large.</a:t>
-            </a:r>
-          </a:p>
-          <a:p>
-            <a:r>
-              <a:rPr lang="en-US" altLang="x-none" dirty="0"/>
-              <a:t>All automation is automatically reusable and shareable.  </a:t>
-            </a:r>
-          </a:p>
-          <a:p>
-            <a:r>
-              <a:rPr lang="en-US" altLang="x-none" dirty="0"/>
-              <a:t>A way to separate tests from re-usable functions.</a:t>
-            </a:r>
-          </a:p>
-          <a:p>
-            <a:r>
-              <a:rPr lang="en-US" altLang="x-none" dirty="0"/>
-              <a:t>A way to store information about how the system works.  </a:t>
-            </a:r>
+          <a:bodyPr/>
+          <a:lstStyle/>
+          <a:p>
+            <a:r>
+              <a:rPr lang="en-US" dirty="0">
+                <a:hlinkClick r:id="rId2"/>
+              </a:rPr>
+              <a:t>https://www.w3schools.com/cssref/trysel.asp</a:t>
+            </a:r>
+            <a:endParaRPr lang="en-US" dirty="0"/>
+          </a:p>
+          <a:p>
+            <a:r>
+              <a:rPr lang="en-US" dirty="0">
+                <a:hlinkClick r:id="rId3"/>
+              </a:rPr>
+              <a:t>https://saucelabs.com/resources/articles/selenium-tips-css-selectors</a:t>
+            </a:r>
+            <a:endParaRPr lang="en-US" dirty="0"/>
+          </a:p>
+          <a:p>
+            <a:r>
+              <a:rPr lang="en-US" dirty="0">
+                <a:hlinkClick r:id="rId4"/>
+              </a:rPr>
+              <a:t>http://toolsqa.com/cucumber/data-driven-testing-using-examples-keyword/</a:t>
+            </a:r>
+            <a:endParaRPr lang="en-US" dirty="0"/>
+          </a:p>
+          <a:p>
+            <a:endParaRPr lang="en-US" dirty="0"/>
           </a:p>
         </p:txBody>
       </p:sp>
     </p:spTree>
     <p:extLst>
       <p:ext uri="{BB962C8B-B14F-4D97-AF65-F5344CB8AC3E}">
-        <p14:creationId xmlns:p14="http://schemas.microsoft.com/office/powerpoint/2010/main" val="2086037255"/>
+        <p14:creationId xmlns:p14="http://schemas.microsoft.com/office/powerpoint/2010/main" val="1031393918"/>
       </p:ext>
     </p:extLst>
   </p:cSld>
@@ -11319,7 +11109,13 @@
       </p:grpSpPr>
       <p:sp>
         <p:nvSpPr>
-          <p:cNvPr id="2" name="Title 1"/>
+          <p:cNvPr id="2" name="Title 1">
+            <a:extLst>
+              <a:ext uri="{FF2B5EF4-FFF2-40B4-BE49-F238E27FC236}">
+                <a16:creationId xmlns:a16="http://schemas.microsoft.com/office/drawing/2014/main" id="{A2E50C5E-1BED-944D-813E-38B36940E9A8}"/>
+              </a:ext>
+            </a:extLst>
+          </p:cNvPr>
           <p:cNvSpPr>
             <a:spLocks noGrp="1"/>
           </p:cNvSpPr>
@@ -11332,13 +11128,39 @@
           <a:bodyPr/>
           <a:lstStyle/>
           <a:p>
-            <a:endParaRPr lang="en-US"/>
-          </a:p>
-        </p:txBody>
-      </p:sp>
-      <p:sp>
-        <p:nvSpPr>
-          <p:cNvPr id="3" name="Content Placeholder 2"/>
+            <a:r>
+              <a:rPr lang="en-US" altLang="zh-Hans" dirty="0"/>
+              <a:t>UI</a:t>
+            </a:r>
+            <a:r>
+              <a:rPr lang="zh-Hans" altLang="en-US" dirty="0"/>
+              <a:t> </a:t>
+            </a:r>
+            <a:r>
+              <a:rPr lang="en-US" altLang="zh-Hans" dirty="0"/>
+              <a:t>Testing</a:t>
+            </a:r>
+            <a:r>
+              <a:rPr lang="zh-Hans" altLang="en-US" dirty="0"/>
+              <a:t> </a:t>
+            </a:r>
+            <a:r>
+              <a:rPr lang="en-US" altLang="zh-Hans" dirty="0"/>
+              <a:t>Design</a:t>
+            </a:r>
+            <a:endParaRPr lang="en-US" dirty="0"/>
+          </a:p>
+        </p:txBody>
+      </p:sp>
+      <p:sp>
+        <p:nvSpPr>
+          <p:cNvPr id="3" name="Content Placeholder 2">
+            <a:extLst>
+              <a:ext uri="{FF2B5EF4-FFF2-40B4-BE49-F238E27FC236}">
+                <a16:creationId xmlns:a16="http://schemas.microsoft.com/office/drawing/2014/main" id="{E8FC9CEB-6BA8-7941-8EC5-E4F493173D86}"/>
+              </a:ext>
+            </a:extLst>
+          </p:cNvPr>
           <p:cNvSpPr>
             <a:spLocks noGrp="1"/>
           </p:cNvSpPr>
@@ -11352,38 +11174,165 @@
           <a:lstStyle/>
           <a:p>
             <a:r>
-              <a:rPr lang="en-US" altLang="x-none" dirty="0"/>
-              <a:t>A way to specify what page functions start on, and what page they end on.  </a:t>
-            </a:r>
-          </a:p>
-          <a:p>
-            <a:r>
-              <a:rPr lang="en-US" altLang="x-none" dirty="0"/>
-              <a:t>A way to programmatically break your tests when functionality changes.</a:t>
-            </a:r>
-          </a:p>
-          <a:p>
-            <a:r>
-              <a:rPr lang="en-US" altLang="x-none" dirty="0"/>
-              <a:t>Makes code maintenance easier.</a:t>
-            </a:r>
-          </a:p>
-          <a:p>
-            <a:r>
-              <a:rPr lang="en-US" altLang="x-none" dirty="0"/>
-              <a:t>There is even a </a:t>
-            </a:r>
-            <a:r>
-              <a:rPr lang="en-US" altLang="x-none" dirty="0" err="1"/>
-              <a:t>PageFactory</a:t>
-            </a:r>
-            <a:r>
-              <a:rPr lang="en-US" altLang="x-none" dirty="0"/>
-              <a:t> class available to automatically create </a:t>
-            </a:r>
-            <a:r>
-              <a:rPr lang="en-US" altLang="x-none" dirty="0" smtClean="0"/>
-              <a:t>them</a:t>
+              <a:rPr lang="en-US" altLang="zh-Hans" dirty="0"/>
+              <a:t>Test</a:t>
+            </a:r>
+            <a:r>
+              <a:rPr lang="zh-Hans" altLang="en-US" dirty="0"/>
+              <a:t> </a:t>
+            </a:r>
+            <a:r>
+              <a:rPr lang="en-US" altLang="zh-Hans" dirty="0"/>
+              <a:t>Plan</a:t>
+            </a:r>
+          </a:p>
+          <a:p>
+            <a:pPr lvl="1"/>
+            <a:r>
+              <a:rPr lang="en-US" altLang="zh-Hans" dirty="0"/>
+              <a:t>Test</a:t>
+            </a:r>
+            <a:r>
+              <a:rPr lang="zh-Hans" altLang="en-US" dirty="0"/>
+              <a:t> </a:t>
+            </a:r>
+            <a:r>
+              <a:rPr lang="en-US" altLang="zh-Hans" dirty="0"/>
+              <a:t>case(Manual/Automation)</a:t>
+            </a:r>
+          </a:p>
+          <a:p>
+            <a:pPr lvl="2"/>
+            <a:r>
+              <a:rPr lang="en-US" altLang="zh-Hans" dirty="0"/>
+              <a:t>Pre</a:t>
+            </a:r>
+            <a:r>
+              <a:rPr lang="zh-Hans" altLang="en-US" dirty="0"/>
+              <a:t> </a:t>
+            </a:r>
+            <a:r>
+              <a:rPr lang="en-US" altLang="zh-Hans" dirty="0"/>
+              <a:t>condition</a:t>
+            </a:r>
+          </a:p>
+          <a:p>
+            <a:pPr lvl="2"/>
+            <a:r>
+              <a:rPr lang="en-US" altLang="zh-Hans" dirty="0"/>
+              <a:t>Testing</a:t>
+            </a:r>
+            <a:r>
+              <a:rPr lang="zh-Hans" altLang="en-US" dirty="0"/>
+              <a:t> </a:t>
+            </a:r>
+            <a:r>
+              <a:rPr lang="en-US" altLang="zh-Hans" dirty="0"/>
+              <a:t>steps</a:t>
+            </a:r>
+          </a:p>
+          <a:p>
+            <a:pPr lvl="2"/>
+            <a:r>
+              <a:rPr lang="en-US" altLang="zh-Hans" dirty="0"/>
+              <a:t>Validation</a:t>
+            </a:r>
+          </a:p>
+          <a:p>
+            <a:pPr lvl="2"/>
+            <a:r>
+              <a:rPr lang="en-US" altLang="zh-Hans" dirty="0"/>
+              <a:t>Post</a:t>
+            </a:r>
+            <a:r>
+              <a:rPr lang="zh-Hans" altLang="en-US" dirty="0"/>
+              <a:t> </a:t>
+            </a:r>
+            <a:r>
+              <a:rPr lang="en-US" altLang="zh-Hans" dirty="0"/>
+              <a:t>condition	</a:t>
+            </a:r>
+          </a:p>
+          <a:p>
+            <a:r>
+              <a:rPr lang="en-US" altLang="zh-Hans" dirty="0"/>
+              <a:t>Manual</a:t>
+            </a:r>
+            <a:r>
+              <a:rPr lang="zh-Hans" altLang="en-US" dirty="0"/>
+              <a:t> </a:t>
+            </a:r>
+            <a:r>
+              <a:rPr lang="en-US" altLang="zh-Hans" dirty="0"/>
+              <a:t>Testing</a:t>
+            </a:r>
+          </a:p>
+          <a:p>
+            <a:r>
+              <a:rPr lang="en-US" altLang="zh-Hans" dirty="0"/>
+              <a:t>Automated</a:t>
+            </a:r>
+            <a:r>
+              <a:rPr lang="zh-Hans" altLang="en-US" dirty="0"/>
+              <a:t> </a:t>
+            </a:r>
+            <a:r>
+              <a:rPr lang="en-US" altLang="zh-Hans" dirty="0"/>
+              <a:t>Testing</a:t>
+            </a:r>
+          </a:p>
+          <a:p>
+            <a:pPr lvl="1"/>
+            <a:r>
+              <a:rPr lang="en-US" altLang="zh-Hans" dirty="0"/>
+              <a:t>Manual</a:t>
+            </a:r>
+            <a:r>
+              <a:rPr lang="zh-Hans" altLang="en-US" dirty="0"/>
+              <a:t> </a:t>
+            </a:r>
+            <a:r>
+              <a:rPr lang="en-US" altLang="zh-Hans" dirty="0"/>
+              <a:t>Testing</a:t>
+            </a:r>
+          </a:p>
+          <a:p>
+            <a:pPr lvl="1"/>
+            <a:r>
+              <a:rPr lang="en-US" altLang="zh-Hans" dirty="0"/>
+              <a:t>Converting</a:t>
+            </a:r>
+            <a:r>
+              <a:rPr lang="zh-Hans" altLang="en-US" dirty="0"/>
+              <a:t> </a:t>
+            </a:r>
+            <a:r>
+              <a:rPr lang="en-US" altLang="zh-Hans" dirty="0"/>
+              <a:t>to</a:t>
+            </a:r>
+            <a:r>
+              <a:rPr lang="zh-Hans" altLang="en-US" dirty="0"/>
+              <a:t> </a:t>
+            </a:r>
+            <a:r>
+              <a:rPr lang="en-US" altLang="zh-Hans" dirty="0"/>
+              <a:t>Automated</a:t>
+            </a:r>
+            <a:r>
+              <a:rPr lang="zh-Hans" altLang="en-US" dirty="0"/>
+              <a:t> </a:t>
+            </a:r>
+            <a:r>
+              <a:rPr lang="en-US" altLang="zh-Hans" dirty="0"/>
+              <a:t>test</a:t>
+            </a:r>
+            <a:r>
+              <a:rPr lang="zh-Hans" altLang="en-US" dirty="0"/>
+              <a:t> </a:t>
+            </a:r>
+            <a:r>
+              <a:rPr lang="en-US" altLang="zh-Hans" dirty="0"/>
+              <a:t>cases</a:t>
             </a:r>
             <a:endParaRPr lang="en-US" dirty="0"/>
           </a:p>
@@ -11392,7 +11341,7 @@
     </p:spTree>
     <p:extLst>
       <p:ext uri="{BB962C8B-B14F-4D97-AF65-F5344CB8AC3E}">
-        <p14:creationId xmlns:p14="http://schemas.microsoft.com/office/powerpoint/2010/main" val="1154424740"/>
+        <p14:creationId xmlns:p14="http://schemas.microsoft.com/office/powerpoint/2010/main" val="1412567413"/>
       </p:ext>
     </p:extLst>
   </p:cSld>
@@ -11421,7 +11370,13 @@
       </p:grpSpPr>
       <p:sp>
         <p:nvSpPr>
-          <p:cNvPr id="2" name="Title 1"/>
+          <p:cNvPr id="2" name="Title 1">
+            <a:extLst>
+              <a:ext uri="{FF2B5EF4-FFF2-40B4-BE49-F238E27FC236}">
+                <a16:creationId xmlns:a16="http://schemas.microsoft.com/office/drawing/2014/main" id="{74CCFA9A-CE93-F04A-973C-7A5DFB6A17E3}"/>
+              </a:ext>
+            </a:extLst>
+          </p:cNvPr>
           <p:cNvSpPr>
             <a:spLocks noGrp="1"/>
           </p:cNvSpPr>
@@ -11435,15 +11390,38 @@
           <a:lstStyle/>
           <a:p>
             <a:r>
-              <a:rPr lang="en-US" dirty="0"/>
-              <a:t>How does it work?</a:t>
-            </a:r>
-          </a:p>
-        </p:txBody>
-      </p:sp>
-      <p:sp>
-        <p:nvSpPr>
-          <p:cNvPr id="3" name="Content Placeholder 2"/>
+              <a:rPr lang="en-US" altLang="zh-Hans" dirty="0"/>
+              <a:t>Test</a:t>
+            </a:r>
+            <a:r>
+              <a:rPr lang="zh-Hans" altLang="en-US" dirty="0"/>
+              <a:t> </a:t>
+            </a:r>
+            <a:r>
+              <a:rPr lang="en-US" altLang="zh-Hans" dirty="0"/>
+              <a:t>design:</a:t>
+            </a:r>
+            <a:r>
+              <a:rPr lang="zh-Hans" altLang="en-US" dirty="0"/>
+              <a:t> </a:t>
+            </a:r>
+            <a:r>
+              <a:rPr lang="en-US" altLang="zh-Hans" dirty="0"/>
+              <a:t>IGA</a:t>
+            </a:r>
+            <a:endParaRPr lang="en-US" dirty="0"/>
+          </a:p>
+        </p:txBody>
+      </p:sp>
+      <p:sp>
+        <p:nvSpPr>
+          <p:cNvPr id="3" name="Content Placeholder 2">
+            <a:extLst>
+              <a:ext uri="{FF2B5EF4-FFF2-40B4-BE49-F238E27FC236}">
+                <a16:creationId xmlns:a16="http://schemas.microsoft.com/office/drawing/2014/main" id="{ACE2162F-CBF4-7349-B985-C8FFCC505BCA}"/>
+              </a:ext>
+            </a:extLst>
+          </p:cNvPr>
           <p:cNvSpPr>
             <a:spLocks noGrp="1"/>
           </p:cNvSpPr>
@@ -11458,74 +11436,139 @@
           </a:bodyPr>
           <a:lstStyle/>
           <a:p>
-            <a:pPr>
-              <a:buFont typeface="Wingdings 2"/>
-              <a:buChar char=""/>
-              <a:defRPr/>
-            </a:pPr>
-            <a:r>
-              <a:rPr lang="en-US" dirty="0"/>
-              <a:t>Each page is defined as it’s own class.</a:t>
-            </a:r>
-          </a:p>
-          <a:p>
-            <a:pPr>
-              <a:buFont typeface="Wingdings 2"/>
-              <a:buChar char=""/>
-              <a:defRPr/>
-            </a:pPr>
-            <a:r>
-              <a:rPr lang="en-US" dirty="0"/>
-              <a:t>Actions (including navigation) are represented as functions for a class.</a:t>
-            </a:r>
-          </a:p>
-          <a:p>
-            <a:pPr>
-              <a:buFont typeface="Wingdings 2"/>
-              <a:buChar char=""/>
-              <a:defRPr/>
-            </a:pPr>
-            <a:r>
-              <a:rPr lang="en-US" dirty="0"/>
-              <a:t>Each function returns a new Page object, signifying what page the actions stops on.</a:t>
-            </a:r>
-          </a:p>
-          <a:p>
-            <a:pPr>
-              <a:buFont typeface="Wingdings 2"/>
-              <a:buChar char=""/>
-              <a:defRPr/>
-            </a:pPr>
-            <a:r>
-              <a:rPr lang="en-US" dirty="0"/>
-              <a:t>Your tests “know” what page you are on, and will only give you access to functions available to that class.</a:t>
-            </a:r>
-          </a:p>
-          <a:p>
-            <a:pPr>
-              <a:buFont typeface="Wingdings 2"/>
-              <a:buChar char=""/>
-              <a:defRPr/>
-            </a:pPr>
-            <a:r>
-              <a:rPr lang="en-US" dirty="0"/>
-              <a:t>Tests only talk to the page objects.</a:t>
-            </a:r>
-          </a:p>
-          <a:p>
-            <a:pPr>
-              <a:buFont typeface="Wingdings 2"/>
-              <a:buChar char=""/>
-              <a:defRPr/>
-            </a:pPr>
-            <a:r>
-              <a:rPr lang="en-US" dirty="0"/>
-              <a:t>Page objects only talk to the driver</a:t>
-            </a:r>
-            <a:r>
-              <a:rPr lang="en-US" dirty="0" smtClean="0"/>
-              <a:t>.</a:t>
-            </a:r>
+            <a:r>
+              <a:rPr lang="en-US" altLang="zh-Hans" dirty="0"/>
+              <a:t>Test</a:t>
+            </a:r>
+            <a:r>
+              <a:rPr lang="zh-Hans" altLang="en-US" dirty="0"/>
+              <a:t> </a:t>
+            </a:r>
+            <a:r>
+              <a:rPr lang="en-US" altLang="zh-Hans" dirty="0"/>
+              <a:t>plan</a:t>
+            </a:r>
+          </a:p>
+          <a:p>
+            <a:pPr lvl="1"/>
+            <a:r>
+              <a:rPr lang="en-US" altLang="zh-Hans" dirty="0"/>
+              <a:t>Scope:</a:t>
+            </a:r>
+            <a:r>
+              <a:rPr lang="zh-Hans" altLang="en-US" dirty="0"/>
+              <a:t> </a:t>
+            </a:r>
+            <a:r>
+              <a:rPr lang="en-US" altLang="zh-Hans" dirty="0"/>
+              <a:t>Desktop</a:t>
+            </a:r>
+            <a:r>
+              <a:rPr lang="zh-Hans" altLang="en-US" dirty="0"/>
+              <a:t> </a:t>
+            </a:r>
+            <a:r>
+              <a:rPr lang="en-US" altLang="zh-Hans" dirty="0"/>
+              <a:t>only,</a:t>
+            </a:r>
+            <a:r>
+              <a:rPr lang="zh-Hans" altLang="en-US" dirty="0"/>
+              <a:t> </a:t>
+            </a:r>
+            <a:r>
+              <a:rPr lang="en-US" altLang="zh-Hans" dirty="0"/>
+              <a:t>chrome</a:t>
+            </a:r>
+          </a:p>
+          <a:p>
+            <a:pPr lvl="1"/>
+            <a:r>
+              <a:rPr lang="en-US" altLang="zh-Hans" dirty="0" err="1"/>
+              <a:t>Enviroment</a:t>
+            </a:r>
+            <a:r>
+              <a:rPr lang="en-US" altLang="zh-Hans" dirty="0"/>
+              <a:t>:</a:t>
+            </a:r>
+            <a:r>
+              <a:rPr lang="zh-Hans" altLang="en-US" dirty="0"/>
+              <a:t> </a:t>
+            </a:r>
+            <a:r>
+              <a:rPr lang="en-US" altLang="zh-Hans" dirty="0"/>
+              <a:t>QA</a:t>
+            </a:r>
+            <a:r>
+              <a:rPr lang="zh-Hans" altLang="en-US" dirty="0"/>
+              <a:t> </a:t>
+            </a:r>
+            <a:r>
+              <a:rPr lang="en-US" altLang="zh-Hans" dirty="0"/>
+              <a:t>environment</a:t>
+            </a:r>
+          </a:p>
+          <a:p>
+            <a:r>
+              <a:rPr lang="en-US" altLang="zh-Hans" dirty="0"/>
+              <a:t>Smoke</a:t>
+            </a:r>
+            <a:r>
+              <a:rPr lang="zh-Hans" altLang="en-US" dirty="0"/>
+              <a:t> </a:t>
+            </a:r>
+            <a:r>
+              <a:rPr lang="en-US" altLang="zh-Hans" dirty="0"/>
+              <a:t>Test</a:t>
+            </a:r>
+          </a:p>
+          <a:p>
+            <a:pPr lvl="1"/>
+            <a:r>
+              <a:rPr lang="en-US" altLang="zh-Hans" dirty="0"/>
+              <a:t>Open</a:t>
+            </a:r>
+            <a:r>
+              <a:rPr lang="zh-Hans" altLang="en-US" dirty="0"/>
+              <a:t> </a:t>
+            </a:r>
+            <a:r>
+              <a:rPr lang="en-US" altLang="zh-Hans" dirty="0"/>
+              <a:t>home</a:t>
+            </a:r>
+            <a:r>
+              <a:rPr lang="zh-Hans" altLang="en-US" dirty="0"/>
+              <a:t> </a:t>
+            </a:r>
+            <a:r>
+              <a:rPr lang="en-US" altLang="zh-Hans" dirty="0"/>
+              <a:t>page</a:t>
+            </a:r>
+          </a:p>
+          <a:p>
+            <a:pPr lvl="1"/>
+            <a:r>
+              <a:rPr lang="en-US" altLang="zh-Hans" dirty="0"/>
+              <a:t>My</a:t>
+            </a:r>
+            <a:r>
+              <a:rPr lang="zh-Hans" altLang="en-US" dirty="0"/>
+              <a:t> </a:t>
+            </a:r>
+            <a:r>
+              <a:rPr lang="en-US" altLang="zh-Hans" dirty="0"/>
+              <a:t>account</a:t>
+            </a:r>
+            <a:r>
+              <a:rPr lang="zh-Hans" altLang="en-US" dirty="0"/>
+              <a:t> </a:t>
+            </a:r>
+            <a:r>
+              <a:rPr lang="en-US" altLang="zh-Hans" dirty="0"/>
+              <a:t>page</a:t>
+            </a:r>
+          </a:p>
+          <a:p>
+            <a:pPr lvl="2"/>
             <a:endParaRPr lang="en-US" dirty="0"/>
           </a:p>
         </p:txBody>
@@ -11533,7 +11576,7 @@
     </p:spTree>
     <p:extLst>
       <p:ext uri="{BB962C8B-B14F-4D97-AF65-F5344CB8AC3E}">
-        <p14:creationId xmlns:p14="http://schemas.microsoft.com/office/powerpoint/2010/main" val="2053701388"/>
+        <p14:creationId xmlns:p14="http://schemas.microsoft.com/office/powerpoint/2010/main" val="578794147"/>
       </p:ext>
     </p:extLst>
   </p:cSld>
@@ -11562,6 +11605,328 @@
       </p:grpSpPr>
       <p:sp>
         <p:nvSpPr>
+          <p:cNvPr id="2" name="Title 1">
+            <a:extLst>
+              <a:ext uri="{FF2B5EF4-FFF2-40B4-BE49-F238E27FC236}">
+                <a16:creationId xmlns:a16="http://schemas.microsoft.com/office/drawing/2014/main" id="{E08C5980-6EE1-924E-96B7-F195B5B8D679}"/>
+              </a:ext>
+            </a:extLst>
+          </p:cNvPr>
+          <p:cNvSpPr>
+            <a:spLocks noGrp="1"/>
+          </p:cNvSpPr>
+          <p:nvPr>
+            <p:ph type="title"/>
+          </p:nvPr>
+        </p:nvSpPr>
+        <p:spPr/>
+        <p:txBody>
+          <a:bodyPr/>
+          <a:lstStyle/>
+          <a:p>
+            <a:r>
+              <a:rPr lang="en-US" altLang="zh-Hans" dirty="0"/>
+              <a:t>IGA</a:t>
+            </a:r>
+            <a:r>
+              <a:rPr lang="zh-Hans" altLang="en-US" dirty="0"/>
+              <a:t> </a:t>
+            </a:r>
+            <a:r>
+              <a:rPr lang="en-US" altLang="zh-Hans" dirty="0"/>
+              <a:t>Test</a:t>
+            </a:r>
+            <a:r>
+              <a:rPr lang="zh-Hans" altLang="en-US" dirty="0"/>
+              <a:t> </a:t>
+            </a:r>
+            <a:r>
+              <a:rPr lang="en-US" altLang="zh-Hans" dirty="0"/>
+              <a:t>plan</a:t>
+            </a:r>
+            <a:r>
+              <a:rPr lang="zh-Hans" altLang="en-US" dirty="0"/>
+              <a:t> </a:t>
+            </a:r>
+            <a:r>
+              <a:rPr lang="en-US" altLang="zh-Hans" dirty="0"/>
+              <a:t>(Part</a:t>
+            </a:r>
+            <a:r>
+              <a:rPr lang="zh-Hans" altLang="en-US" dirty="0"/>
+              <a:t> </a:t>
+            </a:r>
+            <a:r>
+              <a:rPr lang="en-US" altLang="zh-Hans" dirty="0"/>
+              <a:t>II)</a:t>
+            </a:r>
+            <a:endParaRPr lang="en-US" dirty="0"/>
+          </a:p>
+        </p:txBody>
+      </p:sp>
+      <p:sp>
+        <p:nvSpPr>
+          <p:cNvPr id="3" name="Content Placeholder 2">
+            <a:extLst>
+              <a:ext uri="{FF2B5EF4-FFF2-40B4-BE49-F238E27FC236}">
+                <a16:creationId xmlns:a16="http://schemas.microsoft.com/office/drawing/2014/main" id="{2A0EEF82-DD82-1742-8523-CB8029E01277}"/>
+              </a:ext>
+            </a:extLst>
+          </p:cNvPr>
+          <p:cNvSpPr>
+            <a:spLocks noGrp="1"/>
+          </p:cNvSpPr>
+          <p:nvPr>
+            <p:ph idx="1"/>
+          </p:nvPr>
+        </p:nvSpPr>
+        <p:spPr/>
+        <p:txBody>
+          <a:bodyPr>
+            <a:normAutofit fontScale="77500" lnSpcReduction="20000"/>
+          </a:bodyPr>
+          <a:lstStyle/>
+          <a:p>
+            <a:r>
+              <a:rPr lang="en-US" altLang="zh-Hans" dirty="0"/>
+              <a:t>UAT</a:t>
+            </a:r>
+            <a:r>
+              <a:rPr lang="zh-Hans" altLang="en-US" dirty="0"/>
+              <a:t> </a:t>
+            </a:r>
+            <a:r>
+              <a:rPr lang="en-US" altLang="zh-Hans" dirty="0"/>
+              <a:t>Test</a:t>
+            </a:r>
+          </a:p>
+          <a:p>
+            <a:pPr lvl="1"/>
+            <a:r>
+              <a:rPr lang="en-US" altLang="zh-Hans" dirty="0"/>
+              <a:t>Login</a:t>
+            </a:r>
+          </a:p>
+          <a:p>
+            <a:pPr lvl="1"/>
+            <a:r>
+              <a:rPr lang="en-US" altLang="zh-Hans" dirty="0"/>
+              <a:t>Product</a:t>
+            </a:r>
+            <a:r>
+              <a:rPr lang="zh-Hans" altLang="en-US" dirty="0"/>
+              <a:t> </a:t>
+            </a:r>
+            <a:r>
+              <a:rPr lang="en-US" altLang="zh-Hans" dirty="0"/>
+              <a:t>detail</a:t>
+            </a:r>
+          </a:p>
+          <a:p>
+            <a:pPr lvl="1"/>
+            <a:r>
+              <a:rPr lang="en-US" altLang="zh-Hans" dirty="0"/>
+              <a:t>Place</a:t>
+            </a:r>
+            <a:r>
+              <a:rPr lang="zh-Hans" altLang="en-US" dirty="0"/>
+              <a:t> </a:t>
+            </a:r>
+            <a:r>
+              <a:rPr lang="en-US" altLang="zh-Hans" dirty="0"/>
+              <a:t>order</a:t>
+            </a:r>
+          </a:p>
+          <a:p>
+            <a:pPr lvl="1"/>
+            <a:r>
+              <a:rPr lang="en-US" altLang="zh-Hans" dirty="0"/>
+              <a:t>Payment</a:t>
+            </a:r>
+          </a:p>
+          <a:p>
+            <a:r>
+              <a:rPr lang="en-US" altLang="zh-Hans" dirty="0"/>
+              <a:t>Regression</a:t>
+            </a:r>
+            <a:r>
+              <a:rPr lang="zh-Hans" altLang="en-US" dirty="0"/>
+              <a:t> </a:t>
+            </a:r>
+            <a:r>
+              <a:rPr lang="en-US" altLang="zh-Hans" dirty="0"/>
+              <a:t>Test:</a:t>
+            </a:r>
+          </a:p>
+          <a:p>
+            <a:pPr lvl="2"/>
+            <a:r>
+              <a:rPr lang="en-US" altLang="zh-Hans" dirty="0"/>
+              <a:t>Home</a:t>
+            </a:r>
+            <a:r>
+              <a:rPr lang="zh-Hans" altLang="en-US" dirty="0"/>
+              <a:t> </a:t>
+            </a:r>
+            <a:r>
+              <a:rPr lang="en-US" altLang="zh-Hans" dirty="0"/>
+              <a:t>page</a:t>
+            </a:r>
+            <a:r>
+              <a:rPr lang="zh-Hans" altLang="en-US" dirty="0"/>
+              <a:t> </a:t>
+            </a:r>
+            <a:r>
+              <a:rPr lang="en-US" altLang="zh-Hans" dirty="0"/>
+              <a:t>test</a:t>
+            </a:r>
+            <a:r>
+              <a:rPr lang="zh-Hans" altLang="en-US" dirty="0"/>
+              <a:t> </a:t>
+            </a:r>
+            <a:r>
+              <a:rPr lang="en-US" altLang="zh-Hans" dirty="0"/>
+              <a:t>suite</a:t>
+            </a:r>
+          </a:p>
+          <a:p>
+            <a:pPr lvl="3"/>
+            <a:r>
+              <a:rPr lang="en-US" altLang="zh-Hans" dirty="0"/>
+              <a:t>Top</a:t>
+            </a:r>
+            <a:r>
+              <a:rPr lang="zh-Hans" altLang="en-US" dirty="0"/>
+              <a:t> </a:t>
+            </a:r>
+            <a:r>
+              <a:rPr lang="en-US" altLang="zh-Hans" dirty="0"/>
+              <a:t>Bar</a:t>
+            </a:r>
+            <a:r>
+              <a:rPr lang="zh-Hans" altLang="en-US" dirty="0"/>
+              <a:t> </a:t>
+            </a:r>
+            <a:r>
+              <a:rPr lang="en-US" altLang="zh-Hans" dirty="0"/>
+              <a:t>Test</a:t>
+            </a:r>
+          </a:p>
+          <a:p>
+            <a:pPr lvl="3"/>
+            <a:r>
+              <a:rPr lang="en-US" altLang="zh-Hans" dirty="0"/>
+              <a:t>Navigator</a:t>
+            </a:r>
+            <a:r>
+              <a:rPr lang="zh-Hans" altLang="en-US" dirty="0"/>
+              <a:t> </a:t>
+            </a:r>
+            <a:r>
+              <a:rPr lang="en-US" altLang="zh-Hans" dirty="0"/>
+              <a:t>Test</a:t>
+            </a:r>
+          </a:p>
+          <a:p>
+            <a:pPr lvl="3"/>
+            <a:r>
+              <a:rPr lang="en-US" altLang="zh-Hans" dirty="0"/>
+              <a:t>Promotions</a:t>
+            </a:r>
+          </a:p>
+          <a:p>
+            <a:pPr lvl="3"/>
+            <a:r>
+              <a:rPr lang="en-CA" cap="all" dirty="0"/>
+              <a:t>RECIPES</a:t>
+            </a:r>
+          </a:p>
+          <a:p>
+            <a:pPr lvl="3"/>
+            <a:r>
+              <a:rPr lang="en-US" altLang="zh-Hans" dirty="0"/>
+              <a:t>Footer</a:t>
+            </a:r>
+          </a:p>
+          <a:p>
+            <a:pPr lvl="2"/>
+            <a:r>
+              <a:rPr lang="en-US" altLang="zh-Hans" dirty="0"/>
+              <a:t>User</a:t>
+            </a:r>
+            <a:r>
+              <a:rPr lang="zh-Hans" altLang="en-US" dirty="0"/>
+              <a:t> </a:t>
+            </a:r>
+            <a:r>
+              <a:rPr lang="en-US" altLang="zh-Hans" dirty="0"/>
+              <a:t>Account</a:t>
+            </a:r>
+            <a:r>
+              <a:rPr lang="zh-Hans" altLang="en-US" dirty="0"/>
+              <a:t> </a:t>
+            </a:r>
+            <a:r>
+              <a:rPr lang="en-US" altLang="zh-Hans" dirty="0"/>
+              <a:t>suite</a:t>
+            </a:r>
+          </a:p>
+          <a:p>
+            <a:pPr lvl="3"/>
+            <a:r>
+              <a:rPr lang="en-US" altLang="zh-Hans" dirty="0"/>
+              <a:t>Login</a:t>
+            </a:r>
+            <a:r>
+              <a:rPr lang="zh-Hans" altLang="en-US" dirty="0"/>
+              <a:t> </a:t>
+            </a:r>
+            <a:r>
+              <a:rPr lang="en-US" altLang="zh-Hans" dirty="0"/>
+              <a:t>/logout</a:t>
+            </a:r>
+          </a:p>
+          <a:p>
+            <a:pPr lvl="3"/>
+            <a:r>
+              <a:rPr lang="en-US" altLang="zh-Hans" dirty="0"/>
+              <a:t>Signup</a:t>
+            </a:r>
+          </a:p>
+        </p:txBody>
+      </p:sp>
+    </p:spTree>
+    <p:extLst>
+      <p:ext uri="{BB962C8B-B14F-4D97-AF65-F5344CB8AC3E}">
+        <p14:creationId xmlns:p14="http://schemas.microsoft.com/office/powerpoint/2010/main" val="3111754081"/>
+      </p:ext>
+    </p:extLst>
+  </p:cSld>
+  <p:clrMapOvr>
+    <a:masterClrMapping/>
+  </p:clrMapOvr>
+</p:sld>
+</file>
+
+<file path=ppt/slides/slide37.xml><?xml version="1.0" encoding="utf-8"?>
+<p:sld xmlns:a="http://schemas.openxmlformats.org/drawingml/2006/main" xmlns:r="http://schemas.openxmlformats.org/officeDocument/2006/relationships" xmlns:p="http://schemas.openxmlformats.org/presentationml/2006/main">
+  <p:cSld>
+    <p:spTree>
+      <p:nvGrpSpPr>
+        <p:cNvPr id="1" name=""/>
+        <p:cNvGrpSpPr/>
+        <p:nvPr/>
+      </p:nvGrpSpPr>
+      <p:grpSpPr>
+        <a:xfrm>
+          <a:off x="0" y="0"/>
+          <a:ext cx="0" cy="0"/>
+          <a:chOff x="0" y="0"/>
+          <a:chExt cx="0" cy="0"/>
+        </a:xfrm>
+      </p:grpSpPr>
+      <p:sp>
+        <p:nvSpPr>
           <p:cNvPr id="2" name="Title 1"/>
           <p:cNvSpPr>
             <a:spLocks noGrp="1"/>
@@ -11575,7 +11940,208 @@
           <a:bodyPr/>
           <a:lstStyle/>
           <a:p>
+            <a:r>
+              <a:rPr lang="en-US" dirty="0"/>
+              <a:t>Page Object Pattern</a:t>
+            </a:r>
+          </a:p>
+        </p:txBody>
+      </p:sp>
+      <p:sp>
+        <p:nvSpPr>
+          <p:cNvPr id="3" name="Content Placeholder 2"/>
+          <p:cNvSpPr>
+            <a:spLocks noGrp="1"/>
+          </p:cNvSpPr>
+          <p:nvPr>
+            <p:ph idx="1"/>
+          </p:nvPr>
+        </p:nvSpPr>
+        <p:spPr/>
+        <p:txBody>
+          <a:bodyPr>
+            <a:normAutofit/>
+          </a:bodyPr>
+          <a:lstStyle/>
+          <a:p>
+            <a:r>
+              <a:rPr lang="en-US" altLang="x-none" dirty="0"/>
+              <a:t>Adds a layer of abstraction into your code.</a:t>
+            </a:r>
+          </a:p>
+          <a:p>
+            <a:r>
+              <a:rPr lang="en-US" altLang="x-none" dirty="0"/>
+              <a:t>Helps to organize your code once it grows large.</a:t>
+            </a:r>
+          </a:p>
+          <a:p>
+            <a:r>
+              <a:rPr lang="en-US" altLang="x-none" dirty="0"/>
+              <a:t>All automation is automatically reusable and shareable.  </a:t>
+            </a:r>
+          </a:p>
+          <a:p>
+            <a:r>
+              <a:rPr lang="en-US" altLang="x-none" dirty="0"/>
+              <a:t>A way to separate tests from re-usable functions.</a:t>
+            </a:r>
+          </a:p>
+          <a:p>
+            <a:r>
+              <a:rPr lang="en-US" altLang="x-none" dirty="0"/>
+              <a:t>A way to store information about how the system works.  </a:t>
+            </a:r>
+          </a:p>
+        </p:txBody>
+      </p:sp>
+    </p:spTree>
+    <p:extLst>
+      <p:ext uri="{BB962C8B-B14F-4D97-AF65-F5344CB8AC3E}">
+        <p14:creationId xmlns:p14="http://schemas.microsoft.com/office/powerpoint/2010/main" val="2086037255"/>
+      </p:ext>
+    </p:extLst>
+  </p:cSld>
+  <p:clrMapOvr>
+    <a:masterClrMapping/>
+  </p:clrMapOvr>
+</p:sld>
+</file>
+
+<file path=ppt/slides/slide38.xml><?xml version="1.0" encoding="utf-8"?>
+<p:sld xmlns:a="http://schemas.openxmlformats.org/drawingml/2006/main" xmlns:r="http://schemas.openxmlformats.org/officeDocument/2006/relationships" xmlns:p="http://schemas.openxmlformats.org/presentationml/2006/main">
+  <p:cSld>
+    <p:spTree>
+      <p:nvGrpSpPr>
+        <p:cNvPr id="1" name=""/>
+        <p:cNvGrpSpPr/>
+        <p:nvPr/>
+      </p:nvGrpSpPr>
+      <p:grpSpPr>
+        <a:xfrm>
+          <a:off x="0" y="0"/>
+          <a:ext cx="0" cy="0"/>
+          <a:chOff x="0" y="0"/>
+          <a:chExt cx="0" cy="0"/>
+        </a:xfrm>
+      </p:grpSpPr>
+      <p:sp>
+        <p:nvSpPr>
+          <p:cNvPr id="2" name="Title 1"/>
+          <p:cNvSpPr>
+            <a:spLocks noGrp="1"/>
+          </p:cNvSpPr>
+          <p:nvPr>
+            <p:ph type="title"/>
+          </p:nvPr>
+        </p:nvSpPr>
+        <p:spPr/>
+        <p:txBody>
+          <a:bodyPr/>
+          <a:lstStyle/>
+          <a:p>
             <a:endParaRPr lang="en-US"/>
+          </a:p>
+        </p:txBody>
+      </p:sp>
+      <p:sp>
+        <p:nvSpPr>
+          <p:cNvPr id="3" name="Content Placeholder 2"/>
+          <p:cNvSpPr>
+            <a:spLocks noGrp="1"/>
+          </p:cNvSpPr>
+          <p:nvPr>
+            <p:ph idx="1"/>
+          </p:nvPr>
+        </p:nvSpPr>
+        <p:spPr/>
+        <p:txBody>
+          <a:bodyPr/>
+          <a:lstStyle/>
+          <a:p>
+            <a:r>
+              <a:rPr lang="en-US" altLang="x-none" dirty="0"/>
+              <a:t>A way to specify what page functions start on, and what page they end on.  </a:t>
+            </a:r>
+          </a:p>
+          <a:p>
+            <a:r>
+              <a:rPr lang="en-US" altLang="x-none" dirty="0"/>
+              <a:t>A way to programmatically break your tests when functionality changes.</a:t>
+            </a:r>
+          </a:p>
+          <a:p>
+            <a:r>
+              <a:rPr lang="en-US" altLang="x-none" dirty="0"/>
+              <a:t>Makes code maintenance easier.</a:t>
+            </a:r>
+          </a:p>
+          <a:p>
+            <a:r>
+              <a:rPr lang="en-US" altLang="x-none" dirty="0"/>
+              <a:t>There is even a </a:t>
+            </a:r>
+            <a:r>
+              <a:rPr lang="en-US" altLang="x-none" dirty="0" err="1"/>
+              <a:t>PageFactory</a:t>
+            </a:r>
+            <a:r>
+              <a:rPr lang="en-US" altLang="x-none" dirty="0"/>
+              <a:t> class available to automatically create them</a:t>
+            </a:r>
+            <a:endParaRPr lang="en-US" dirty="0"/>
+          </a:p>
+        </p:txBody>
+      </p:sp>
+    </p:spTree>
+    <p:extLst>
+      <p:ext uri="{BB962C8B-B14F-4D97-AF65-F5344CB8AC3E}">
+        <p14:creationId xmlns:p14="http://schemas.microsoft.com/office/powerpoint/2010/main" val="1154424740"/>
+      </p:ext>
+    </p:extLst>
+  </p:cSld>
+  <p:clrMapOvr>
+    <a:masterClrMapping/>
+  </p:clrMapOvr>
+</p:sld>
+</file>
+
+<file path=ppt/slides/slide39.xml><?xml version="1.0" encoding="utf-8"?>
+<p:sld xmlns:a="http://schemas.openxmlformats.org/drawingml/2006/main" xmlns:r="http://schemas.openxmlformats.org/officeDocument/2006/relationships" xmlns:p="http://schemas.openxmlformats.org/presentationml/2006/main">
+  <p:cSld>
+    <p:spTree>
+      <p:nvGrpSpPr>
+        <p:cNvPr id="1" name=""/>
+        <p:cNvGrpSpPr/>
+        <p:nvPr/>
+      </p:nvGrpSpPr>
+      <p:grpSpPr>
+        <a:xfrm>
+          <a:off x="0" y="0"/>
+          <a:ext cx="0" cy="0"/>
+          <a:chOff x="0" y="0"/>
+          <a:chExt cx="0" cy="0"/>
+        </a:xfrm>
+      </p:grpSpPr>
+      <p:sp>
+        <p:nvSpPr>
+          <p:cNvPr id="2" name="Title 1"/>
+          <p:cNvSpPr>
+            <a:spLocks noGrp="1"/>
+          </p:cNvSpPr>
+          <p:nvPr>
+            <p:ph type="title"/>
+          </p:nvPr>
+        </p:nvSpPr>
+        <p:spPr/>
+        <p:txBody>
+          <a:bodyPr/>
+          <a:lstStyle/>
+          <a:p>
+            <a:r>
+              <a:rPr lang="en-US" dirty="0"/>
+              <a:t>How does it work?</a:t>
+            </a:r>
           </a:p>
         </p:txBody>
       </p:sp>
@@ -11603,7 +12169,7 @@
             </a:pPr>
             <a:r>
               <a:rPr lang="en-US" dirty="0"/>
-              <a:t>Elements on the page are stored as variables for the page object.  </a:t>
+              <a:t>Each page is defined as it’s own class.</a:t>
             </a:r>
           </a:p>
           <a:p>
@@ -11614,7 +12180,7 @@
             </a:pPr>
             <a:r>
               <a:rPr lang="en-US" dirty="0"/>
-              <a:t>Automatic page validations can be stored in the constructor for each page object.  </a:t>
+              <a:t>Actions (including navigation) are represented as functions for a class.</a:t>
             </a:r>
           </a:p>
           <a:p>
@@ -11625,7 +12191,7 @@
             </a:pPr>
             <a:r>
               <a:rPr lang="en-US" dirty="0"/>
-              <a:t>Tests become a string of well defined functions, not meaningless gibberish. </a:t>
+              <a:t>Each function returns a new Page object, signifying what page the actions stops on.</a:t>
             </a:r>
           </a:p>
           <a:p>
@@ -11636,7 +12202,7 @@
             </a:pPr>
             <a:r>
               <a:rPr lang="en-US" dirty="0"/>
-              <a:t>Tests can be grouped by namespace.</a:t>
+              <a:t>Your tests “know” what page you are on, and will only give you access to functions available to that class.</a:t>
             </a:r>
           </a:p>
           <a:p>
@@ -11647,7 +12213,7 @@
             </a:pPr>
             <a:r>
               <a:rPr lang="en-US" dirty="0"/>
-              <a:t>Class Inheritance can be used to define functionality to a set of pages.</a:t>
+              <a:t>Tests only talk to the page objects.</a:t>
             </a:r>
           </a:p>
           <a:p>
@@ -11658,21 +12224,15 @@
             </a:pPr>
             <a:r>
               <a:rPr lang="en-US" dirty="0"/>
-              <a:t>We can make functional logic transparent to the tests by returning different inherited classes.</a:t>
-            </a:r>
-          </a:p>
-          <a:p>
-            <a:endParaRPr lang="en-US" dirty="0"/>
-          </a:p>
-          <a:p>
-            <a:endParaRPr lang="en-US" dirty="0"/>
+              <a:t>Page objects only talk to the driver.</a:t>
+            </a:r>
           </a:p>
         </p:txBody>
       </p:sp>
     </p:spTree>
     <p:extLst>
       <p:ext uri="{BB962C8B-B14F-4D97-AF65-F5344CB8AC3E}">
-        <p14:creationId xmlns:p14="http://schemas.microsoft.com/office/powerpoint/2010/main" val="54569885"/>
+        <p14:creationId xmlns:p14="http://schemas.microsoft.com/office/powerpoint/2010/main" val="2053701388"/>
       </p:ext>
     </p:extLst>
   </p:cSld>
@@ -11761,13 +12321,145 @@
   <p:clrMapOvr>
     <a:masterClrMapping/>
   </p:clrMapOvr>
-  <p:timing>
-    <p:tnLst>
-      <p:par>
-        <p:cTn id="1" dur="indefinite" restart="never" nodeType="tmRoot"/>
-      </p:par>
-    </p:tnLst>
-  </p:timing>
+</p:sld>
+</file>
+
+<file path=ppt/slides/slide40.xml><?xml version="1.0" encoding="utf-8"?>
+<p:sld xmlns:a="http://schemas.openxmlformats.org/drawingml/2006/main" xmlns:r="http://schemas.openxmlformats.org/officeDocument/2006/relationships" xmlns:p="http://schemas.openxmlformats.org/presentationml/2006/main">
+  <p:cSld>
+    <p:spTree>
+      <p:nvGrpSpPr>
+        <p:cNvPr id="1" name=""/>
+        <p:cNvGrpSpPr/>
+        <p:nvPr/>
+      </p:nvGrpSpPr>
+      <p:grpSpPr>
+        <a:xfrm>
+          <a:off x="0" y="0"/>
+          <a:ext cx="0" cy="0"/>
+          <a:chOff x="0" y="0"/>
+          <a:chExt cx="0" cy="0"/>
+        </a:xfrm>
+      </p:grpSpPr>
+      <p:sp>
+        <p:nvSpPr>
+          <p:cNvPr id="2" name="Title 1"/>
+          <p:cNvSpPr>
+            <a:spLocks noGrp="1"/>
+          </p:cNvSpPr>
+          <p:nvPr>
+            <p:ph type="title"/>
+          </p:nvPr>
+        </p:nvSpPr>
+        <p:spPr/>
+        <p:txBody>
+          <a:bodyPr/>
+          <a:lstStyle/>
+          <a:p>
+            <a:endParaRPr lang="en-US"/>
+          </a:p>
+        </p:txBody>
+      </p:sp>
+      <p:sp>
+        <p:nvSpPr>
+          <p:cNvPr id="3" name="Content Placeholder 2"/>
+          <p:cNvSpPr>
+            <a:spLocks noGrp="1"/>
+          </p:cNvSpPr>
+          <p:nvPr>
+            <p:ph idx="1"/>
+          </p:nvPr>
+        </p:nvSpPr>
+        <p:spPr/>
+        <p:txBody>
+          <a:bodyPr>
+            <a:normAutofit/>
+          </a:bodyPr>
+          <a:lstStyle/>
+          <a:p>
+            <a:pPr>
+              <a:buFont typeface="Wingdings 2"/>
+              <a:buChar char=""/>
+              <a:defRPr/>
+            </a:pPr>
+            <a:r>
+              <a:rPr lang="en-US" dirty="0"/>
+              <a:t>Elements on the page are stored as variables for the page object.  </a:t>
+            </a:r>
+          </a:p>
+          <a:p>
+            <a:pPr>
+              <a:buFont typeface="Wingdings 2"/>
+              <a:buChar char=""/>
+              <a:defRPr/>
+            </a:pPr>
+            <a:r>
+              <a:rPr lang="en-US" dirty="0"/>
+              <a:t>Automatic page validations can be stored in the constructor for each page object.  </a:t>
+            </a:r>
+          </a:p>
+          <a:p>
+            <a:pPr>
+              <a:buFont typeface="Wingdings 2"/>
+              <a:buChar char=""/>
+              <a:defRPr/>
+            </a:pPr>
+            <a:r>
+              <a:rPr lang="en-US" dirty="0"/>
+              <a:t>Tests become a string of well defined functions, not meaningless gibberish. </a:t>
+            </a:r>
+          </a:p>
+          <a:p>
+            <a:pPr>
+              <a:buFont typeface="Wingdings 2"/>
+              <a:buChar char=""/>
+              <a:defRPr/>
+            </a:pPr>
+            <a:r>
+              <a:rPr lang="en-US" dirty="0"/>
+              <a:t>Tests can be grouped by namespace.</a:t>
+            </a:r>
+          </a:p>
+          <a:p>
+            <a:pPr>
+              <a:buFont typeface="Wingdings 2"/>
+              <a:buChar char=""/>
+              <a:defRPr/>
+            </a:pPr>
+            <a:r>
+              <a:rPr lang="en-US" dirty="0"/>
+              <a:t>Class Inheritance can be used to define functionality to a set of pages.</a:t>
+            </a:r>
+          </a:p>
+          <a:p>
+            <a:pPr>
+              <a:buFont typeface="Wingdings 2"/>
+              <a:buChar char=""/>
+              <a:defRPr/>
+            </a:pPr>
+            <a:r>
+              <a:rPr lang="en-US" dirty="0"/>
+              <a:t>We can make functional logic transparent to the tests by returning different inherited classes.</a:t>
+            </a:r>
+          </a:p>
+          <a:p>
+            <a:endParaRPr lang="en-US" dirty="0"/>
+          </a:p>
+          <a:p>
+            <a:endParaRPr lang="en-US" dirty="0"/>
+          </a:p>
+        </p:txBody>
+      </p:sp>
+    </p:spTree>
+    <p:extLst>
+      <p:ext uri="{BB962C8B-B14F-4D97-AF65-F5344CB8AC3E}">
+        <p14:creationId xmlns:p14="http://schemas.microsoft.com/office/powerpoint/2010/main" val="54569885"/>
+      </p:ext>
+    </p:extLst>
+  </p:cSld>
+  <p:clrMapOvr>
+    <a:masterClrMapping/>
+  </p:clrMapOvr>
 </p:sld>
 </file>
 
@@ -11844,13 +12536,6 @@
   <p:clrMapOvr>
     <a:masterClrMapping/>
   </p:clrMapOvr>
-  <p:timing>
-    <p:tnLst>
-      <p:par>
-        <p:cTn id="1" dur="indefinite" restart="never" nodeType="tmRoot"/>
-      </p:par>
-    </p:tnLst>
-  </p:timing>
 </p:sld>
 </file>
 
@@ -11873,7 +12558,7 @@
       </p:grpSpPr>
       <p:sp>
         <p:nvSpPr>
-          <p:cNvPr id="2" name="标题 1"/>
+          <p:cNvPr id="2" name="Title 1"/>
           <p:cNvSpPr>
             <a:spLocks noGrp="1"/>
           </p:cNvSpPr>
@@ -11888,15 +12573,31 @@
           <a:p>
             <a:r>
               <a:rPr lang="en-US" altLang="zh-CN" dirty="0"/>
-              <a:t>What is Quality Assurance</a:t>
-            </a:r>
-            <a:endParaRPr kumimoji="1" lang="zh-CN" altLang="en-US" dirty="0"/>
-          </a:p>
-        </p:txBody>
-      </p:sp>
-      <p:sp>
-        <p:nvSpPr>
-          <p:cNvPr id="3" name="内容占位符 2"/>
+              <a:t>ECV</a:t>
+            </a:r>
+            <a:r>
+              <a:rPr lang="zh-CN" altLang="en-US" dirty="0"/>
+              <a:t> </a:t>
+            </a:r>
+            <a:r>
+              <a:rPr lang="en-US" altLang="zh-CN" dirty="0"/>
+              <a:t>Company</a:t>
+            </a:r>
+            <a:r>
+              <a:rPr lang="zh-CN" altLang="en-US" dirty="0"/>
+              <a:t> </a:t>
+            </a:r>
+            <a:r>
+              <a:rPr lang="en-US" altLang="zh-CN" dirty="0"/>
+              <a:t>Group</a:t>
+            </a:r>
+            <a:endParaRPr lang="en-US" dirty="0"/>
+          </a:p>
+        </p:txBody>
+      </p:sp>
+      <p:sp>
+        <p:nvSpPr>
+          <p:cNvPr id="3" name="Content Placeholder 2"/>
           <p:cNvSpPr>
             <a:spLocks noGrp="1"/>
           </p:cNvSpPr>
@@ -11907,179 +12608,217 @@
         <p:spPr/>
         <p:txBody>
           <a:bodyPr>
-            <a:normAutofit/>
+            <a:normAutofit fontScale="92500" lnSpcReduction="10000"/>
           </a:bodyPr>
           <a:lstStyle/>
           <a:p>
-            <a:pPr fontAlgn="auto">
-              <a:spcAft>
-                <a:spcPts val="0"/>
-              </a:spcAft>
-              <a:buClr>
-                <a:srgbClr val="CC0000"/>
-              </a:buClr>
-              <a:buFont typeface="Wingdings 2" pitchFamily="18" charset="2"/>
-              <a:buBlip>
-                <a:blip r:embed="rId2"/>
-              </a:buBlip>
-              <a:defRPr/>
-            </a:pPr>
-            <a:r>
-              <a:rPr lang="en-US" altLang="zh-CN" dirty="0">
-                <a:solidFill>
-                  <a:schemeClr val="tx1"/>
-                </a:solidFill>
-                <a:latin typeface="Times New Roman" pitchFamily="18" charset="0"/>
-                <a:cs typeface="Times New Roman" pitchFamily="18" charset="0"/>
+            <a:r>
+              <a:rPr lang="en-US" altLang="zh-CN" dirty="0"/>
+              <a:t>Service</a:t>
+            </a:r>
+            <a:r>
+              <a:rPr lang="zh-CN" altLang="en-US" dirty="0"/>
+              <a:t> </a:t>
+            </a:r>
+            <a:r>
+              <a:rPr lang="en-US" altLang="zh-CN" dirty="0" err="1"/>
+              <a:t>Ecvictor</a:t>
+            </a:r>
+            <a:r>
+              <a:rPr lang="zh-CN" altLang="en-US" dirty="0"/>
+              <a:t> </a:t>
+            </a:r>
+            <a:r>
+              <a:rPr lang="en-US" altLang="zh-CN" dirty="0"/>
+              <a:t>Inc.</a:t>
+            </a:r>
+          </a:p>
+          <a:p>
+            <a:pPr lvl="1"/>
+            <a:r>
+              <a:rPr lang="en-US" altLang="zh-CN" dirty="0"/>
+              <a:t>ECV</a:t>
+            </a:r>
+            <a:r>
+              <a:rPr lang="zh-CN" altLang="en-US" dirty="0"/>
+              <a:t> </a:t>
+            </a:r>
+            <a:r>
+              <a:rPr lang="en-US" altLang="zh-CN" dirty="0"/>
+              <a:t>learning---Education</a:t>
+            </a:r>
+          </a:p>
+          <a:p>
+            <a:pPr lvl="1"/>
+            <a:r>
+              <a:rPr lang="en-US" altLang="zh-CN" dirty="0"/>
+              <a:t>Product</a:t>
+            </a:r>
+            <a:r>
+              <a:rPr lang="zh-CN" altLang="en-US" dirty="0"/>
+              <a:t> </a:t>
+            </a:r>
+            <a:r>
+              <a:rPr lang="en-US" altLang="zh-CN" dirty="0"/>
+              <a:t>Group</a:t>
+            </a:r>
+          </a:p>
+          <a:p>
+            <a:pPr lvl="2"/>
+            <a:r>
+              <a:rPr lang="en-US" altLang="zh-CN" dirty="0" err="1"/>
+              <a:t>Pinpin</a:t>
+            </a:r>
+            <a:r>
+              <a:rPr lang="zh-CN" altLang="en-US" dirty="0"/>
+              <a:t> </a:t>
+            </a:r>
+            <a:r>
+              <a:rPr lang="en-US" altLang="zh-CN" dirty="0"/>
+              <a:t>Eat</a:t>
+            </a:r>
+          </a:p>
+          <a:p>
+            <a:pPr lvl="2"/>
+            <a:r>
+              <a:rPr lang="en-US" altLang="zh-CN" dirty="0"/>
+              <a:t>Thera</a:t>
+            </a:r>
+            <a:r>
+              <a:rPr lang="zh-CN" altLang="en-US" dirty="0"/>
+              <a:t> </a:t>
+            </a:r>
+            <a:r>
+              <a:rPr lang="en-US" altLang="zh-CN" dirty="0"/>
+              <a:t>technology</a:t>
+            </a:r>
+          </a:p>
+          <a:p>
+            <a:pPr lvl="2"/>
+            <a:r>
+              <a:rPr lang="en-US" altLang="zh-CN" dirty="0"/>
+              <a:t>ECTD</a:t>
+            </a:r>
+          </a:p>
+          <a:p>
+            <a:r>
+              <a:rPr lang="en-US" altLang="zh-CN" dirty="0"/>
+              <a:t>Express</a:t>
+            </a:r>
+            <a:r>
+              <a:rPr lang="zh-CN" altLang="en-US" dirty="0"/>
+              <a:t> </a:t>
+            </a:r>
+            <a:r>
+              <a:rPr lang="en-US" altLang="zh-CN" dirty="0"/>
+              <a:t>Computing</a:t>
+            </a:r>
+            <a:r>
+              <a:rPr lang="zh-CN" altLang="en-US" dirty="0"/>
+              <a:t> </a:t>
+            </a:r>
+            <a:r>
+              <a:rPr lang="en-US" altLang="zh-CN" dirty="0"/>
+              <a:t>Inc.---</a:t>
+            </a:r>
+            <a:r>
+              <a:rPr lang="en-US" altLang="zh-CN" dirty="0" err="1"/>
+              <a:t>Cropto</a:t>
+            </a:r>
+            <a:r>
+              <a:rPr lang="zh-CN" altLang="en-US" dirty="0"/>
+              <a:t> </a:t>
+            </a:r>
+            <a:r>
+              <a:rPr lang="en-US" altLang="zh-CN" dirty="0"/>
+              <a:t>currency</a:t>
+            </a:r>
+            <a:r>
+              <a:rPr lang="zh-CN" altLang="en-US" dirty="0"/>
+              <a:t> </a:t>
+            </a:r>
+            <a:r>
+              <a:rPr lang="en-US" altLang="zh-CN" dirty="0"/>
+              <a:t>mining</a:t>
+            </a:r>
+          </a:p>
+          <a:p>
+            <a:r>
+              <a:rPr lang="en-US" altLang="zh-CN" dirty="0"/>
+              <a:t>Nebula</a:t>
+            </a:r>
+            <a:r>
+              <a:rPr lang="zh-CN" altLang="en-US" dirty="0"/>
+              <a:t> </a:t>
+            </a:r>
+            <a:r>
+              <a:rPr lang="en-US" altLang="zh-CN" dirty="0"/>
+              <a:t>AI</a:t>
+            </a:r>
+          </a:p>
+          <a:p>
+            <a:pPr lvl="2"/>
+            <a:r>
+              <a:rPr lang="en-US" altLang="zh-CN" dirty="0"/>
+              <a:t>AI</a:t>
+            </a:r>
+            <a:r>
+              <a:rPr lang="zh-CN" altLang="en-US" dirty="0"/>
+              <a:t> </a:t>
+            </a:r>
+            <a:r>
+              <a:rPr lang="en-US" altLang="zh-CN" dirty="0"/>
+              <a:t>computing</a:t>
+            </a:r>
+          </a:p>
+          <a:p>
+            <a:pPr lvl="2"/>
+            <a:r>
+              <a:rPr lang="en-US" altLang="zh-CN" dirty="0" err="1"/>
+              <a:t>Blockchain</a:t>
+            </a:r>
+            <a:endParaRPr lang="en-US" altLang="zh-CN" dirty="0"/>
+          </a:p>
+          <a:p>
+            <a:r>
+              <a:rPr lang="en-US" altLang="zh-CN" dirty="0"/>
+              <a:t>APIGM----</a:t>
+            </a:r>
+            <a:r>
+              <a:rPr lang="zh-CN" altLang="en-US" dirty="0"/>
+              <a:t> </a:t>
+            </a:r>
+            <a:r>
+              <a:rPr lang="en-US" b="1" dirty="0">
+                <a:hlinkClick r:id="rId2"/>
               </a:rPr>
-              <a:t> It is the process used to identify the correctness,  completeness and quality of developed computer software.</a:t>
-            </a:r>
-            <a:r>
-              <a:rPr lang="en-US" altLang="zh-CN" dirty="0">
-                <a:solidFill>
-                  <a:schemeClr val="tx1"/>
-                </a:solidFill>
-                <a:effectLst>
-                  <a:outerShdw blurRad="38100" dist="38100" dir="2700000" algn="tl">
-                    <a:srgbClr val="C0C0C0"/>
-                  </a:outerShdw>
-                </a:effectLst>
-                <a:latin typeface="Times New Roman" pitchFamily="18" charset="0"/>
-                <a:cs typeface="Times New Roman" pitchFamily="18" charset="0"/>
-              </a:rPr>
-              <a:t> </a:t>
-            </a:r>
-          </a:p>
-          <a:p>
-            <a:pPr algn="just" fontAlgn="auto">
-              <a:spcAft>
-                <a:spcPts val="0"/>
-              </a:spcAft>
-              <a:buClr>
-                <a:srgbClr val="CC0000"/>
-              </a:buClr>
-              <a:buFont typeface="Wingdings 2"/>
-              <a:buNone/>
-              <a:defRPr/>
-            </a:pPr>
-            <a:endParaRPr lang="en-US" altLang="zh-CN" dirty="0">
-              <a:solidFill>
-                <a:schemeClr val="tx1"/>
-              </a:solidFill>
-              <a:latin typeface="Times New Roman" pitchFamily="18" charset="0"/>
-              <a:cs typeface="Times New Roman" pitchFamily="18" charset="0"/>
-            </a:endParaRPr>
-          </a:p>
-          <a:p>
-            <a:pPr fontAlgn="auto">
-              <a:spcAft>
-                <a:spcPts val="0"/>
-              </a:spcAft>
-              <a:buClr>
-                <a:srgbClr val="CC0000"/>
-              </a:buClr>
-              <a:buFont typeface="Wingdings 2" pitchFamily="18" charset="2"/>
-              <a:buBlip>
-                <a:blip r:embed="rId2"/>
-              </a:buBlip>
-              <a:defRPr/>
-            </a:pPr>
-            <a:r>
-              <a:rPr lang="en-US" altLang="zh-CN" dirty="0">
-                <a:solidFill>
-                  <a:schemeClr val="tx1"/>
-                </a:solidFill>
-                <a:latin typeface="Times New Roman" pitchFamily="18" charset="0"/>
-                <a:cs typeface="Times New Roman" pitchFamily="18" charset="0"/>
-              </a:rPr>
-              <a:t> It is the process of executing a program/application under positive and negative conditions by manual or automated means. It checks for the :-</a:t>
-            </a:r>
-          </a:p>
-          <a:p>
-            <a:pPr>
-              <a:buClr>
-                <a:schemeClr val="hlink"/>
-              </a:buClr>
-              <a:buFont typeface="Wingdings" pitchFamily="2" charset="2"/>
-              <a:buChar char="v"/>
-              <a:defRPr/>
-            </a:pPr>
-            <a:r>
-              <a:rPr lang="en-US" altLang="zh-CN" dirty="0">
-                <a:solidFill>
-                  <a:schemeClr val="tx1"/>
-                </a:solidFill>
-                <a:latin typeface="Times New Roman" pitchFamily="18" charset="0"/>
-                <a:cs typeface="Times New Roman" pitchFamily="18" charset="0"/>
-              </a:rPr>
-              <a:t> Specification</a:t>
-            </a:r>
-          </a:p>
-          <a:p>
-            <a:pPr>
-              <a:buClr>
-                <a:schemeClr val="hlink"/>
-              </a:buClr>
-              <a:buFont typeface="Wingdings" pitchFamily="2" charset="2"/>
-              <a:buChar char="v"/>
-              <a:defRPr/>
-            </a:pPr>
-            <a:r>
-              <a:rPr lang="en-US" altLang="zh-CN" dirty="0">
-                <a:solidFill>
-                  <a:schemeClr val="tx1"/>
-                </a:solidFill>
-                <a:latin typeface="Times New Roman" pitchFamily="18" charset="0"/>
-                <a:cs typeface="Times New Roman" pitchFamily="18" charset="0"/>
-              </a:rPr>
-              <a:t> Functionality</a:t>
-            </a:r>
-          </a:p>
-          <a:p>
-            <a:pPr>
-              <a:buClr>
-                <a:schemeClr val="hlink"/>
-              </a:buClr>
-              <a:buFont typeface="Wingdings" pitchFamily="2" charset="2"/>
-              <a:buChar char="v"/>
-              <a:defRPr/>
-            </a:pPr>
-            <a:r>
-              <a:rPr lang="en-US" altLang="zh-CN" dirty="0">
-                <a:solidFill>
-                  <a:schemeClr val="tx1"/>
-                </a:solidFill>
-                <a:latin typeface="Times New Roman" pitchFamily="18" charset="0"/>
-                <a:cs typeface="Times New Roman" pitchFamily="18" charset="0"/>
-              </a:rPr>
-              <a:t> Performance</a:t>
-            </a:r>
-          </a:p>
-          <a:p>
-            <a:endParaRPr kumimoji="1" lang="en-US" altLang="zh-CN" dirty="0"/>
-          </a:p>
-          <a:p>
-            <a:endParaRPr kumimoji="1" lang="zh-CN" altLang="en-US" dirty="0"/>
+              <a:t>The IT Professionals Association of Greater Montreal</a:t>
+            </a:r>
+            <a:endParaRPr lang="en-US" b="1" dirty="0"/>
+          </a:p>
+          <a:p>
+            <a:endParaRPr lang="en-US" altLang="zh-CN" dirty="0"/>
+          </a:p>
+          <a:p>
+            <a:pPr lvl="1"/>
+            <a:endParaRPr lang="en-US" altLang="zh-CN" dirty="0"/>
+          </a:p>
+          <a:p>
+            <a:pPr lvl="1"/>
+            <a:endParaRPr lang="en-US" dirty="0"/>
           </a:p>
         </p:txBody>
       </p:sp>
     </p:spTree>
     <p:extLst>
       <p:ext uri="{BB962C8B-B14F-4D97-AF65-F5344CB8AC3E}">
-        <p14:creationId xmlns:p14="http://schemas.microsoft.com/office/powerpoint/2010/main" val="515701983"/>
+        <p14:creationId xmlns:p14="http://schemas.microsoft.com/office/powerpoint/2010/main" val="1492564698"/>
       </p:ext>
     </p:extLst>
   </p:cSld>
   <p:clrMapOvr>
     <a:masterClrMapping/>
   </p:clrMapOvr>
-  <p:timing>
-    <p:tnLst>
-      <p:par>
-        <p:cTn id="1" dur="indefinite" restart="never" nodeType="tmRoot"/>
-      </p:par>
-    </p:tnLst>
-  </p:timing>
 </p:sld>
 </file>
 
@@ -12116,6 +12855,228 @@
           <a:lstStyle/>
           <a:p>
             <a:r>
+              <a:rPr lang="en-US" altLang="zh-CN" dirty="0"/>
+              <a:t>What is Quality Assurance</a:t>
+            </a:r>
+            <a:endParaRPr kumimoji="1" lang="zh-CN" altLang="en-US" dirty="0"/>
+          </a:p>
+        </p:txBody>
+      </p:sp>
+      <p:sp>
+        <p:nvSpPr>
+          <p:cNvPr id="3" name="内容占位符 2"/>
+          <p:cNvSpPr>
+            <a:spLocks noGrp="1"/>
+          </p:cNvSpPr>
+          <p:nvPr>
+            <p:ph idx="1"/>
+          </p:nvPr>
+        </p:nvSpPr>
+        <p:spPr/>
+        <p:txBody>
+          <a:bodyPr>
+            <a:normAutofit/>
+          </a:bodyPr>
+          <a:lstStyle/>
+          <a:p>
+            <a:pPr fontAlgn="auto">
+              <a:spcAft>
+                <a:spcPts val="0"/>
+              </a:spcAft>
+              <a:buClr>
+                <a:srgbClr val="CC0000"/>
+              </a:buClr>
+              <a:buFont typeface="Wingdings 2" pitchFamily="18" charset="2"/>
+              <a:buBlip>
+                <a:blip r:embed="rId2"/>
+              </a:buBlip>
+              <a:defRPr/>
+            </a:pPr>
+            <a:r>
+              <a:rPr lang="en-US" altLang="zh-CN" dirty="0">
+                <a:solidFill>
+                  <a:schemeClr val="tx1"/>
+                </a:solidFill>
+                <a:latin typeface="Times New Roman" pitchFamily="18" charset="0"/>
+                <a:cs typeface="Times New Roman" pitchFamily="18" charset="0"/>
+              </a:rPr>
+              <a:t> It is the process used to identify the correctness,  completeness and quality of developed computer software.</a:t>
+            </a:r>
+            <a:r>
+              <a:rPr lang="en-US" altLang="zh-CN" dirty="0">
+                <a:solidFill>
+                  <a:schemeClr val="tx1"/>
+                </a:solidFill>
+                <a:effectLst>
+                  <a:outerShdw blurRad="38100" dist="38100" dir="2700000" algn="tl">
+                    <a:srgbClr val="C0C0C0"/>
+                  </a:outerShdw>
+                </a:effectLst>
+                <a:latin typeface="Times New Roman" pitchFamily="18" charset="0"/>
+                <a:cs typeface="Times New Roman" pitchFamily="18" charset="0"/>
+              </a:rPr>
+              <a:t> </a:t>
+            </a:r>
+          </a:p>
+          <a:p>
+            <a:pPr algn="just" fontAlgn="auto">
+              <a:spcAft>
+                <a:spcPts val="0"/>
+              </a:spcAft>
+              <a:buClr>
+                <a:srgbClr val="CC0000"/>
+              </a:buClr>
+              <a:buFont typeface="Wingdings 2"/>
+              <a:buNone/>
+              <a:defRPr/>
+            </a:pPr>
+            <a:endParaRPr lang="en-US" altLang="zh-CN" dirty="0">
+              <a:solidFill>
+                <a:schemeClr val="tx1"/>
+              </a:solidFill>
+              <a:latin typeface="Times New Roman" pitchFamily="18" charset="0"/>
+              <a:cs typeface="Times New Roman" pitchFamily="18" charset="0"/>
+            </a:endParaRPr>
+          </a:p>
+          <a:p>
+            <a:pPr fontAlgn="auto">
+              <a:spcAft>
+                <a:spcPts val="0"/>
+              </a:spcAft>
+              <a:buClr>
+                <a:srgbClr val="CC0000"/>
+              </a:buClr>
+              <a:buFont typeface="Wingdings 2" pitchFamily="18" charset="2"/>
+              <a:buBlip>
+                <a:blip r:embed="rId2"/>
+              </a:buBlip>
+              <a:defRPr/>
+            </a:pPr>
+            <a:r>
+              <a:rPr lang="en-US" altLang="zh-CN" dirty="0">
+                <a:solidFill>
+                  <a:schemeClr val="tx1"/>
+                </a:solidFill>
+                <a:latin typeface="Times New Roman" pitchFamily="18" charset="0"/>
+                <a:cs typeface="Times New Roman" pitchFamily="18" charset="0"/>
+              </a:rPr>
+              <a:t> It is the process of executing a program/application under positive and negative conditions by manual or automated means. It checks for the :-</a:t>
+            </a:r>
+          </a:p>
+          <a:p>
+            <a:pPr>
+              <a:buClr>
+                <a:schemeClr val="hlink"/>
+              </a:buClr>
+              <a:buFont typeface="Wingdings" pitchFamily="2" charset="2"/>
+              <a:buChar char="v"/>
+              <a:defRPr/>
+            </a:pPr>
+            <a:r>
+              <a:rPr lang="en-US" altLang="zh-CN" dirty="0">
+                <a:solidFill>
+                  <a:schemeClr val="tx1"/>
+                </a:solidFill>
+                <a:latin typeface="Times New Roman" pitchFamily="18" charset="0"/>
+                <a:cs typeface="Times New Roman" pitchFamily="18" charset="0"/>
+              </a:rPr>
+              <a:t> Specification</a:t>
+            </a:r>
+          </a:p>
+          <a:p>
+            <a:pPr>
+              <a:buClr>
+                <a:schemeClr val="hlink"/>
+              </a:buClr>
+              <a:buFont typeface="Wingdings" pitchFamily="2" charset="2"/>
+              <a:buChar char="v"/>
+              <a:defRPr/>
+            </a:pPr>
+            <a:r>
+              <a:rPr lang="en-US" altLang="zh-CN" dirty="0">
+                <a:solidFill>
+                  <a:schemeClr val="tx1"/>
+                </a:solidFill>
+                <a:latin typeface="Times New Roman" pitchFamily="18" charset="0"/>
+                <a:cs typeface="Times New Roman" pitchFamily="18" charset="0"/>
+              </a:rPr>
+              <a:t> Functionality</a:t>
+            </a:r>
+          </a:p>
+          <a:p>
+            <a:pPr>
+              <a:buClr>
+                <a:schemeClr val="hlink"/>
+              </a:buClr>
+              <a:buFont typeface="Wingdings" pitchFamily="2" charset="2"/>
+              <a:buChar char="v"/>
+              <a:defRPr/>
+            </a:pPr>
+            <a:r>
+              <a:rPr lang="en-US" altLang="zh-CN" dirty="0">
+                <a:solidFill>
+                  <a:schemeClr val="tx1"/>
+                </a:solidFill>
+                <a:latin typeface="Times New Roman" pitchFamily="18" charset="0"/>
+                <a:cs typeface="Times New Roman" pitchFamily="18" charset="0"/>
+              </a:rPr>
+              <a:t> Performance</a:t>
+            </a:r>
+          </a:p>
+          <a:p>
+            <a:endParaRPr kumimoji="1" lang="en-US" altLang="zh-CN" dirty="0"/>
+          </a:p>
+          <a:p>
+            <a:endParaRPr kumimoji="1" lang="zh-CN" altLang="en-US" dirty="0"/>
+          </a:p>
+        </p:txBody>
+      </p:sp>
+    </p:spTree>
+    <p:extLst>
+      <p:ext uri="{BB962C8B-B14F-4D97-AF65-F5344CB8AC3E}">
+        <p14:creationId xmlns:p14="http://schemas.microsoft.com/office/powerpoint/2010/main" val="515701983"/>
+      </p:ext>
+    </p:extLst>
+  </p:cSld>
+  <p:clrMapOvr>
+    <a:masterClrMapping/>
+  </p:clrMapOvr>
+</p:sld>
+</file>
+
+<file path=ppt/slides/slide8.xml><?xml version="1.0" encoding="utf-8"?>
+<p:sld xmlns:a="http://schemas.openxmlformats.org/drawingml/2006/main" xmlns:r="http://schemas.openxmlformats.org/officeDocument/2006/relationships" xmlns:p="http://schemas.openxmlformats.org/presentationml/2006/main">
+  <p:cSld>
+    <p:spTree>
+      <p:nvGrpSpPr>
+        <p:cNvPr id="1" name=""/>
+        <p:cNvGrpSpPr/>
+        <p:nvPr/>
+      </p:nvGrpSpPr>
+      <p:grpSpPr>
+        <a:xfrm>
+          <a:off x="0" y="0"/>
+          <a:ext cx="0" cy="0"/>
+          <a:chOff x="0" y="0"/>
+          <a:chExt cx="0" cy="0"/>
+        </a:xfrm>
+      </p:grpSpPr>
+      <p:sp>
+        <p:nvSpPr>
+          <p:cNvPr id="2" name="标题 1"/>
+          <p:cNvSpPr>
+            <a:spLocks noGrp="1"/>
+          </p:cNvSpPr>
+          <p:nvPr>
+            <p:ph type="title"/>
+          </p:nvPr>
+        </p:nvSpPr>
+        <p:spPr/>
+        <p:txBody>
+          <a:bodyPr/>
+          <a:lstStyle/>
+          <a:p>
+            <a:r>
               <a:rPr lang="en-US" altLang="zh-CN" b="1" dirty="0">
                 <a:solidFill>
                   <a:schemeClr val="accent5">
@@ -12261,17 +13222,10 @@
   <p:clrMapOvr>
     <a:masterClrMapping/>
   </p:clrMapOvr>
-  <p:timing>
-    <p:tnLst>
-      <p:par>
-        <p:cTn id="1" dur="indefinite" restart="never" nodeType="tmRoot"/>
-      </p:par>
-    </p:tnLst>
-  </p:timing>
 </p:sld>
 </file>
 
-<file path=ppt/slides/slide8.xml><?xml version="1.0" encoding="utf-8"?>
+<file path=ppt/slides/slide9.xml><?xml version="1.0" encoding="utf-8"?>
 <p:sld xmlns:a="http://schemas.openxmlformats.org/drawingml/2006/main" xmlns:r="http://schemas.openxmlformats.org/officeDocument/2006/relationships" xmlns:p="http://schemas.openxmlformats.org/presentationml/2006/main">
   <p:cSld>
     <p:spTree>
@@ -12466,96 +13420,6 @@
     <p:bldLst>
       <p:bldP spid="4" grpId="0" build="p"/>
     </p:bldLst>
-  </p:timing>
-</p:sld>
-</file>
-
-<file path=ppt/slides/slide9.xml><?xml version="1.0" encoding="utf-8"?>
-<p:sld xmlns:a="http://schemas.openxmlformats.org/drawingml/2006/main" xmlns:r="http://schemas.openxmlformats.org/officeDocument/2006/relationships" xmlns:p="http://schemas.openxmlformats.org/presentationml/2006/main">
-  <p:cSld>
-    <p:spTree>
-      <p:nvGrpSpPr>
-        <p:cNvPr id="1" name=""/>
-        <p:cNvGrpSpPr/>
-        <p:nvPr/>
-      </p:nvGrpSpPr>
-      <p:grpSpPr>
-        <a:xfrm>
-          <a:off x="0" y="0"/>
-          <a:ext cx="0" cy="0"/>
-          <a:chOff x="0" y="0"/>
-          <a:chExt cx="0" cy="0"/>
-        </a:xfrm>
-      </p:grpSpPr>
-      <p:sp>
-        <p:nvSpPr>
-          <p:cNvPr id="2" name="标题 1"/>
-          <p:cNvSpPr>
-            <a:spLocks noGrp="1"/>
-          </p:cNvSpPr>
-          <p:nvPr>
-            <p:ph type="title"/>
-          </p:nvPr>
-        </p:nvSpPr>
-        <p:spPr/>
-        <p:txBody>
-          <a:bodyPr/>
-          <a:lstStyle/>
-          <a:p>
-            <a:r>
-              <a:rPr lang="en-US" altLang="zh-CN" b="1" dirty="0">
-                <a:solidFill>
-                  <a:schemeClr val="accent5">
-                    <a:lumMod val="50000"/>
-                  </a:schemeClr>
-                </a:solidFill>
-                <a:latin typeface="Calibri" pitchFamily="34" charset="0"/>
-              </a:rPr>
-              <a:t>Testing Life Cycle</a:t>
-            </a:r>
-            <a:endParaRPr kumimoji="1" lang="zh-CN" altLang="en-US" dirty="0"/>
-          </a:p>
-        </p:txBody>
-      </p:sp>
-      <p:pic>
-        <p:nvPicPr>
-          <p:cNvPr id="28" name="内容占位符 27"/>
-          <p:cNvPicPr>
-            <a:picLocks noGrp="1" noChangeAspect="1"/>
-          </p:cNvPicPr>
-          <p:nvPr>
-            <p:ph idx="1"/>
-          </p:nvPr>
-        </p:nvPicPr>
-        <p:blipFill>
-          <a:blip r:embed="rId2"/>
-          <a:stretch>
-            <a:fillRect/>
-          </a:stretch>
-        </p:blipFill>
-        <p:spPr>
-          <a:xfrm>
-            <a:off x="609600" y="2167902"/>
-            <a:ext cx="6348413" cy="3866809"/>
-          </a:xfrm>
-        </p:spPr>
-      </p:pic>
-    </p:spTree>
-    <p:extLst>
-      <p:ext uri="{BB962C8B-B14F-4D97-AF65-F5344CB8AC3E}">
-        <p14:creationId xmlns:p14="http://schemas.microsoft.com/office/powerpoint/2010/main" val="497208184"/>
-      </p:ext>
-    </p:extLst>
-  </p:cSld>
-  <p:clrMapOvr>
-    <a:masterClrMapping/>
-  </p:clrMapOvr>
-  <p:timing>
-    <p:tnLst>
-      <p:par>
-        <p:cTn id="1" dur="indefinite" restart="never" nodeType="tmRoot"/>
-      </p:par>
-    </p:tnLst>
   </p:timing>
 </p:sld>
 </file>
